--- a/Slides/08 - Transformers.pptx
+++ b/Slides/08 - Transformers.pptx
@@ -5,23 +5,26 @@
     <p:sldMasterId id="2147483648" r:id="rId4"/>
   </p:sldMasterIdLst>
   <p:notesMasterIdLst>
-    <p:notesMasterId r:id="rId16"/>
+    <p:notesMasterId r:id="rId19"/>
   </p:notesMasterIdLst>
   <p:handoutMasterIdLst>
-    <p:handoutMasterId r:id="rId17"/>
+    <p:handoutMasterId r:id="rId20"/>
   </p:handoutMasterIdLst>
   <p:sldIdLst>
     <p:sldId id="292" r:id="rId5"/>
     <p:sldId id="396" r:id="rId6"/>
-    <p:sldId id="451" r:id="rId7"/>
-    <p:sldId id="452" r:id="rId8"/>
-    <p:sldId id="461" r:id="rId9"/>
-    <p:sldId id="464" r:id="rId10"/>
-    <p:sldId id="465" r:id="rId11"/>
-    <p:sldId id="456" r:id="rId12"/>
-    <p:sldId id="457" r:id="rId13"/>
-    <p:sldId id="458" r:id="rId14"/>
-    <p:sldId id="289" r:id="rId15"/>
+    <p:sldId id="466" r:id="rId7"/>
+    <p:sldId id="467" r:id="rId8"/>
+    <p:sldId id="468" r:id="rId9"/>
+    <p:sldId id="453" r:id="rId10"/>
+    <p:sldId id="464" r:id="rId11"/>
+    <p:sldId id="462" r:id="rId12"/>
+    <p:sldId id="469" r:id="rId13"/>
+    <p:sldId id="465" r:id="rId14"/>
+    <p:sldId id="456" r:id="rId15"/>
+    <p:sldId id="457" r:id="rId16"/>
+    <p:sldId id="458" r:id="rId17"/>
+    <p:sldId id="289" r:id="rId18"/>
   </p:sldIdLst>
   <p:sldSz cx="12192000" cy="6858000"/>
   <p:notesSz cx="6858000" cy="9144000"/>
@@ -242,7 +245,7 @@
           <a:p>
             <a:fld id="{8CD26A2A-0A96-0647-84E5-C82F2EFD9474}" type="datetimeFigureOut">
               <a:rPr lang="en-US" smtClean="0"/>
-              <a:t>7/31/2023</a:t>
+              <a:t>7/17/2024</a:t>
             </a:fld>
             <a:endParaRPr lang="en-US" dirty="0"/>
           </a:p>
@@ -419,7 +422,7 @@
           <a:p>
             <a:fld id="{A2B40C3B-E28A-4854-8EDA-E7F8F6F6FFEF}" type="datetimeFigureOut">
               <a:rPr lang="zh-CN" altLang="en-US" smtClean="0"/>
-              <a:t>2023/7/31</a:t>
+              <a:t>2024/7/17</a:t>
             </a:fld>
             <a:endParaRPr lang="zh-CN" altLang="en-US"/>
           </a:p>
@@ -13684,7 +13687,7 @@
           <a:p>
             <a:fld id="{09E5C060-5D66-4E28-B08A-91AD88D733E3}" type="datetime1">
               <a:rPr lang="en-US" smtClean="0"/>
-              <a:t>7/31/2023</a:t>
+              <a:t>7/17/2024</a:t>
             </a:fld>
             <a:endParaRPr lang="en-US"/>
           </a:p>
@@ -22742,2174 +22745,6 @@
       </p:grpSpPr>
       <p:sp>
         <p:nvSpPr>
-          <p:cNvPr id="2" name="Title 1"/>
-          <p:cNvSpPr>
-            <a:spLocks noGrp="1"/>
-          </p:cNvSpPr>
-          <p:nvPr>
-            <p:ph type="title"/>
-          </p:nvPr>
-        </p:nvSpPr>
-        <p:spPr/>
-        <p:txBody>
-          <a:bodyPr/>
-          <a:lstStyle/>
-          <a:p>
-            <a:r>
-              <a:rPr lang="en-US" dirty="0"/>
-              <a:t>Transformers – Results [5]</a:t>
-            </a:r>
-          </a:p>
-        </p:txBody>
-      </p:sp>
-      <p:sp>
-        <p:nvSpPr>
-          <p:cNvPr id="3" name="Content Placeholder 2"/>
-          <p:cNvSpPr>
-            <a:spLocks noGrp="1"/>
-          </p:cNvSpPr>
-          <p:nvPr>
-            <p:ph idx="1"/>
-          </p:nvPr>
-        </p:nvSpPr>
-        <p:spPr>
-          <a:xfrm>
-            <a:off x="838200" y="1825625"/>
-            <a:ext cx="8195268" cy="4351338"/>
-          </a:xfrm>
-        </p:spPr>
-        <p:txBody>
-          <a:bodyPr/>
-          <a:lstStyle/>
-          <a:p>
-            <a:r>
-              <a:rPr lang="en-US" dirty="0"/>
-              <a:t>Compared models against ResNet152 (60 million parameters):</a:t>
-            </a:r>
-          </a:p>
-          <a:p>
-            <a:endParaRPr lang="en-US" dirty="0"/>
-          </a:p>
-          <a:p>
-            <a:endParaRPr lang="en-US" dirty="0"/>
-          </a:p>
-          <a:p>
-            <a:endParaRPr lang="en-US" dirty="0"/>
-          </a:p>
-          <a:p>
-            <a:endParaRPr lang="en-US" dirty="0"/>
-          </a:p>
-          <a:p>
-            <a:r>
-              <a:rPr lang="en-US" dirty="0"/>
-              <a:t>Accuracy of network on ImageNet is 88.55% compared to ResNet152 at 87.54%.</a:t>
-            </a:r>
-          </a:p>
-          <a:p>
-            <a:endParaRPr lang="en-US" dirty="0"/>
-          </a:p>
-        </p:txBody>
-      </p:sp>
-      <p:sp>
-        <p:nvSpPr>
-          <p:cNvPr id="4" name="Slide Number Placeholder 3"/>
-          <p:cNvSpPr>
-            <a:spLocks noGrp="1"/>
-          </p:cNvSpPr>
-          <p:nvPr>
-            <p:ph type="sldNum" sz="quarter" idx="12"/>
-          </p:nvPr>
-        </p:nvSpPr>
-        <p:spPr/>
-        <p:txBody>
-          <a:bodyPr/>
-          <a:lstStyle/>
-          <a:p>
-            <a:fld id="{17214B29-2612-49B7-BCD5-5B417A3C392C}" type="slidenum">
-              <a:rPr lang="en-US" smtClean="0"/>
-              <a:t>10</a:t>
-            </a:fld>
-            <a:endParaRPr lang="en-US"/>
-          </a:p>
-        </p:txBody>
-      </p:sp>
-      <p:pic>
-        <p:nvPicPr>
-          <p:cNvPr id="5" name="Picture 4"/>
-          <p:cNvPicPr>
-            <a:picLocks noChangeAspect="1"/>
-          </p:cNvPicPr>
-          <p:nvPr/>
-        </p:nvPicPr>
-        <p:blipFill>
-          <a:blip r:embed="rId2"/>
-          <a:stretch>
-            <a:fillRect/>
-          </a:stretch>
-        </p:blipFill>
-        <p:spPr>
-          <a:xfrm>
-            <a:off x="9178825" y="1690688"/>
-            <a:ext cx="2676899" cy="4448796"/>
-          </a:xfrm>
-          <a:prstGeom prst="rect">
-            <a:avLst/>
-          </a:prstGeom>
-        </p:spPr>
-      </p:pic>
-      <p:pic>
-        <p:nvPicPr>
-          <p:cNvPr id="6" name="Picture 5"/>
-          <p:cNvPicPr>
-            <a:picLocks noChangeAspect="1"/>
-          </p:cNvPicPr>
-          <p:nvPr/>
-        </p:nvPicPr>
-        <p:blipFill>
-          <a:blip r:embed="rId3"/>
-          <a:stretch>
-            <a:fillRect/>
-          </a:stretch>
-        </p:blipFill>
-        <p:spPr>
-          <a:xfrm>
-            <a:off x="1589695" y="2409926"/>
-            <a:ext cx="7020905" cy="1505160"/>
-          </a:xfrm>
-          <a:prstGeom prst="rect">
-            <a:avLst/>
-          </a:prstGeom>
-        </p:spPr>
-      </p:pic>
-    </p:spTree>
-    <p:extLst>
-      <p:ext uri="{BB962C8B-B14F-4D97-AF65-F5344CB8AC3E}">
-        <p14:creationId xmlns:p14="http://schemas.microsoft.com/office/powerpoint/2010/main" val="3810792061"/>
-      </p:ext>
-    </p:extLst>
-  </p:cSld>
-  <p:clrMapOvr>
-    <a:masterClrMapping/>
-  </p:clrMapOvr>
-</p:sld>
-</file>
-
-<file path=ppt/slides/slide11.xml><?xml version="1.0" encoding="utf-8"?>
-<p:sld xmlns:a="http://schemas.openxmlformats.org/drawingml/2006/main" xmlns:r="http://schemas.openxmlformats.org/officeDocument/2006/relationships" xmlns:p="http://schemas.openxmlformats.org/presentationml/2006/main">
-  <p:cSld>
-    <p:spTree>
-      <p:nvGrpSpPr>
-        <p:cNvPr id="1" name=""/>
-        <p:cNvGrpSpPr/>
-        <p:nvPr/>
-      </p:nvGrpSpPr>
-      <p:grpSpPr>
-        <a:xfrm>
-          <a:off x="0" y="0"/>
-          <a:ext cx="0" cy="0"/>
-          <a:chOff x="0" y="0"/>
-          <a:chExt cx="0" cy="0"/>
-        </a:xfrm>
-      </p:grpSpPr>
-      <p:sp>
-        <p:nvSpPr>
-          <p:cNvPr id="24" name="Title 23">
-            <a:extLst>
-              <a:ext uri="{FF2B5EF4-FFF2-40B4-BE49-F238E27FC236}">
-                <a16:creationId xmlns:a16="http://schemas.microsoft.com/office/drawing/2014/main" id="{AD2C8D04-263D-9589-1CFF-A5968D7C33D7}"/>
-              </a:ext>
-            </a:extLst>
-          </p:cNvPr>
-          <p:cNvSpPr>
-            <a:spLocks noGrp="1"/>
-          </p:cNvSpPr>
-          <p:nvPr>
-            <p:ph type="title"/>
-          </p:nvPr>
-        </p:nvSpPr>
-        <p:spPr/>
-        <p:txBody>
-          <a:bodyPr/>
-          <a:lstStyle/>
-          <a:p>
-            <a:r>
-              <a:rPr lang="en-US" dirty="0"/>
-              <a:t>Thank you</a:t>
-            </a:r>
-          </a:p>
-        </p:txBody>
-      </p:sp>
-      <p:pic>
-        <p:nvPicPr>
-          <p:cNvPr id="14" name="图片占位符 13" descr="People working in office">
-            <a:extLst>
-              <a:ext uri="{FF2B5EF4-FFF2-40B4-BE49-F238E27FC236}">
-                <a16:creationId xmlns:a16="http://schemas.microsoft.com/office/drawing/2014/main" id="{496155F4-61B2-441D-9F16-788866450DA2}"/>
-              </a:ext>
-            </a:extLst>
-          </p:cNvPr>
-          <p:cNvPicPr>
-            <a:picLocks noGrp="1" noChangeAspect="1"/>
-          </p:cNvPicPr>
-          <p:nvPr>
-            <p:ph type="pic" sz="quarter" idx="49"/>
-          </p:nvPr>
-        </p:nvPicPr>
-        <p:blipFill rotWithShape="1">
-          <a:blip r:embed="rId2" cstate="print">
-            <a:extLst>
-              <a:ext uri="{28A0092B-C50C-407E-A947-70E740481C1C}">
-                <a14:useLocalDpi xmlns:a14="http://schemas.microsoft.com/office/drawing/2010/main"/>
-              </a:ext>
-            </a:extLst>
-          </a:blip>
-          <a:srcRect/>
-          <a:stretch/>
-        </p:blipFill>
-        <p:spPr/>
-      </p:pic>
-      <p:pic>
-        <p:nvPicPr>
-          <p:cNvPr id="16" name="图片占位符 15" descr="People in an office discussing work over a laptop&#10;">
-            <a:extLst>
-              <a:ext uri="{FF2B5EF4-FFF2-40B4-BE49-F238E27FC236}">
-                <a16:creationId xmlns:a16="http://schemas.microsoft.com/office/drawing/2014/main" id="{BCD5762E-DD49-42B3-9CA8-46A4AD7193E2}"/>
-              </a:ext>
-            </a:extLst>
-          </p:cNvPr>
-          <p:cNvPicPr>
-            <a:picLocks noGrp="1" noChangeAspect="1"/>
-          </p:cNvPicPr>
-          <p:nvPr>
-            <p:ph type="pic" sz="quarter" idx="48"/>
-          </p:nvPr>
-        </p:nvPicPr>
-        <p:blipFill rotWithShape="1">
-          <a:blip r:embed="rId3" cstate="print">
-            <a:extLst>
-              <a:ext uri="{28A0092B-C50C-407E-A947-70E740481C1C}">
-                <a14:useLocalDpi xmlns:a14="http://schemas.microsoft.com/office/drawing/2010/main"/>
-              </a:ext>
-            </a:extLst>
-          </a:blip>
-          <a:srcRect/>
-          <a:stretch/>
-        </p:blipFill>
-        <p:spPr/>
-      </p:pic>
-      <p:pic>
-        <p:nvPicPr>
-          <p:cNvPr id="18" name="图片占位符 17" descr="Layout of website design sketches on white paper">
-            <a:extLst>
-              <a:ext uri="{FF2B5EF4-FFF2-40B4-BE49-F238E27FC236}">
-                <a16:creationId xmlns:a16="http://schemas.microsoft.com/office/drawing/2014/main" id="{1051CD21-1408-4D13-BF0B-0D7013AD2D0C}"/>
-              </a:ext>
-            </a:extLst>
-          </p:cNvPr>
-          <p:cNvPicPr>
-            <a:picLocks noGrp="1" noChangeAspect="1"/>
-          </p:cNvPicPr>
-          <p:nvPr>
-            <p:ph type="pic" sz="quarter" idx="51"/>
-          </p:nvPr>
-        </p:nvPicPr>
-        <p:blipFill rotWithShape="1">
-          <a:blip r:embed="rId4" cstate="print">
-            <a:extLst>
-              <a:ext uri="{28A0092B-C50C-407E-A947-70E740481C1C}">
-                <a14:useLocalDpi xmlns:a14="http://schemas.microsoft.com/office/drawing/2010/main"/>
-              </a:ext>
-            </a:extLst>
-          </a:blip>
-          <a:srcRect/>
-          <a:stretch/>
-        </p:blipFill>
-        <p:spPr/>
-      </p:pic>
-      <p:sp>
-        <p:nvSpPr>
-          <p:cNvPr id="25" name="Text Placeholder 24">
-            <a:extLst>
-              <a:ext uri="{FF2B5EF4-FFF2-40B4-BE49-F238E27FC236}">
-                <a16:creationId xmlns:a16="http://schemas.microsoft.com/office/drawing/2014/main" id="{B993E4D5-4AD0-4740-096D-6822944C8FF6}"/>
-              </a:ext>
-            </a:extLst>
-          </p:cNvPr>
-          <p:cNvSpPr>
-            <a:spLocks noGrp="1"/>
-          </p:cNvSpPr>
-          <p:nvPr>
-            <p:ph type="body" sz="quarter" idx="27"/>
-          </p:nvPr>
-        </p:nvSpPr>
-        <p:spPr>
-          <a:xfrm>
-            <a:off x="6096000" y="3093990"/>
-            <a:ext cx="4247072" cy="1879791"/>
-          </a:xfrm>
-        </p:spPr>
-        <p:txBody>
-          <a:bodyPr/>
-          <a:lstStyle/>
-          <a:p>
-            <a:r>
-              <a:rPr lang="en-US" dirty="0"/>
-              <a:t>Edgar Lobaton</a:t>
-            </a:r>
-          </a:p>
-          <a:p>
-            <a:pPr lvl="0"/>
-            <a:r>
-              <a:rPr lang="en-US" dirty="0"/>
-              <a:t>edgar.lobaton@ncsu.edu</a:t>
-            </a:r>
-          </a:p>
-          <a:p>
-            <a:pPr lvl="0"/>
-            <a:r>
-              <a:rPr lang="en-US" dirty="0"/>
-              <a:t>https://research.ece.ncsu.edu/aros/</a:t>
-            </a:r>
-          </a:p>
-        </p:txBody>
-      </p:sp>
-      <p:pic>
-        <p:nvPicPr>
-          <p:cNvPr id="28" name="Picture Placeholder 27" descr="Businesswoman reviewing sticky notes on a wall">
-            <a:extLst>
-              <a:ext uri="{FF2B5EF4-FFF2-40B4-BE49-F238E27FC236}">
-                <a16:creationId xmlns:a16="http://schemas.microsoft.com/office/drawing/2014/main" id="{B746A775-E65C-70F6-9DB4-E51F7F2DAECE}"/>
-              </a:ext>
-            </a:extLst>
-          </p:cNvPr>
-          <p:cNvPicPr>
-            <a:picLocks noGrp="1" noChangeAspect="1"/>
-          </p:cNvPicPr>
-          <p:nvPr>
-            <p:ph type="pic" sz="quarter" idx="50"/>
-          </p:nvPr>
-        </p:nvPicPr>
-        <p:blipFill>
-          <a:blip r:embed="rId5" cstate="print">
-            <a:extLst>
-              <a:ext uri="{28A0092B-C50C-407E-A947-70E740481C1C}">
-                <a14:useLocalDpi xmlns:a14="http://schemas.microsoft.com/office/drawing/2010/main"/>
-              </a:ext>
-            </a:extLst>
-          </a:blip>
-          <a:srcRect/>
-          <a:stretch>
-            <a:fillRect/>
-          </a:stretch>
-        </p:blipFill>
-        <p:spPr/>
-      </p:pic>
-    </p:spTree>
-    <p:extLst>
-      <p:ext uri="{BB962C8B-B14F-4D97-AF65-F5344CB8AC3E}">
-        <p14:creationId xmlns:p14="http://schemas.microsoft.com/office/powerpoint/2010/main" val="529279411"/>
-      </p:ext>
-    </p:extLst>
-  </p:cSld>
-  <p:clrMapOvr>
-    <a:masterClrMapping/>
-  </p:clrMapOvr>
-</p:sld>
-</file>
-
-<file path=ppt/slides/slide2.xml><?xml version="1.0" encoding="utf-8"?>
-<p:sld xmlns:a="http://schemas.openxmlformats.org/drawingml/2006/main" xmlns:r="http://schemas.openxmlformats.org/officeDocument/2006/relationships" xmlns:p="http://schemas.openxmlformats.org/presentationml/2006/main">
-  <p:cSld>
-    <p:spTree>
-      <p:nvGrpSpPr>
-        <p:cNvPr id="1" name=""/>
-        <p:cNvGrpSpPr/>
-        <p:nvPr/>
-      </p:nvGrpSpPr>
-      <p:grpSpPr>
-        <a:xfrm>
-          <a:off x="0" y="0"/>
-          <a:ext cx="0" cy="0"/>
-          <a:chOff x="0" y="0"/>
-          <a:chExt cx="0" cy="0"/>
-        </a:xfrm>
-      </p:grpSpPr>
-      <p:sp>
-        <p:nvSpPr>
-          <p:cNvPr id="2" name="Title 1"/>
-          <p:cNvSpPr>
-            <a:spLocks noGrp="1"/>
-          </p:cNvSpPr>
-          <p:nvPr>
-            <p:ph type="title"/>
-          </p:nvPr>
-        </p:nvSpPr>
-        <p:spPr/>
-        <p:txBody>
-          <a:bodyPr/>
-          <a:lstStyle/>
-          <a:p>
-            <a:r>
-              <a:rPr lang="en-US" dirty="0"/>
-              <a:t>Transformers - Motivation</a:t>
-            </a:r>
-          </a:p>
-        </p:txBody>
-      </p:sp>
-      <p:sp>
-        <p:nvSpPr>
-          <p:cNvPr id="5" name="Content Placeholder 4"/>
-          <p:cNvSpPr>
-            <a:spLocks noGrp="1"/>
-          </p:cNvSpPr>
-          <p:nvPr>
-            <p:ph idx="1"/>
-          </p:nvPr>
-        </p:nvSpPr>
-        <p:spPr>
-          <a:xfrm>
-            <a:off x="838200" y="1825624"/>
-            <a:ext cx="10515600" cy="4825341"/>
-          </a:xfrm>
-        </p:spPr>
-        <p:txBody>
-          <a:bodyPr>
-            <a:normAutofit/>
-          </a:bodyPr>
-          <a:lstStyle/>
-          <a:p>
-            <a:pPr>
-              <a:lnSpc>
-                <a:spcPct val="110000"/>
-              </a:lnSpc>
-            </a:pPr>
-            <a:r>
-              <a:rPr lang="en-US" sz="2400" dirty="0"/>
-              <a:t>CNNs and RNNs allow for the integration of information on a neighborhood but they are limited on the support of their context. Even LSTMs are not good at finding relationships that are far away.</a:t>
-            </a:r>
-          </a:p>
-          <a:p>
-            <a:pPr>
-              <a:lnSpc>
-                <a:spcPct val="110000"/>
-              </a:lnSpc>
-            </a:pPr>
-            <a:r>
-              <a:rPr lang="en-US" sz="2400" dirty="0"/>
-              <a:t>Training in RNNs is sequential and prone to vanishing gradients.</a:t>
-            </a:r>
-          </a:p>
-          <a:p>
-            <a:pPr>
-              <a:lnSpc>
-                <a:spcPct val="110000"/>
-              </a:lnSpc>
-            </a:pPr>
-            <a:r>
-              <a:rPr lang="en-US" sz="2400" b="1" dirty="0"/>
-              <a:t>Attention</a:t>
-            </a:r>
-            <a:r>
-              <a:rPr lang="en-US" sz="2400" dirty="0"/>
-              <a:t> is a mechanisms that has been used to improve performance in RNNs.</a:t>
-            </a:r>
-          </a:p>
-          <a:p>
-            <a:pPr>
-              <a:lnSpc>
-                <a:spcPct val="110000"/>
-              </a:lnSpc>
-            </a:pPr>
-            <a:r>
-              <a:rPr lang="en-US" sz="2400" b="1" dirty="0"/>
-              <a:t>Transformers </a:t>
-            </a:r>
-            <a:r>
-              <a:rPr lang="en-US" sz="2400" dirty="0"/>
-              <a:t>make use of </a:t>
-            </a:r>
-            <a:r>
-              <a:rPr lang="en-US" sz="2400" b="1" dirty="0"/>
-              <a:t>self-attention </a:t>
-            </a:r>
-            <a:r>
-              <a:rPr lang="en-US" sz="2400" dirty="0"/>
-              <a:t>to encode the represent of their input while capturing the long-range relations.</a:t>
-            </a:r>
-          </a:p>
-          <a:p>
-            <a:pPr>
-              <a:lnSpc>
-                <a:spcPct val="110000"/>
-              </a:lnSpc>
-            </a:pPr>
-            <a:r>
-              <a:rPr lang="en-US" sz="2400" dirty="0"/>
-              <a:t>This framework was original applied to NLP.</a:t>
-            </a:r>
-          </a:p>
-        </p:txBody>
-      </p:sp>
-      <p:sp>
-        <p:nvSpPr>
-          <p:cNvPr id="4" name="Slide Number Placeholder 3"/>
-          <p:cNvSpPr>
-            <a:spLocks noGrp="1"/>
-          </p:cNvSpPr>
-          <p:nvPr>
-            <p:ph type="sldNum" sz="quarter" idx="12"/>
-          </p:nvPr>
-        </p:nvSpPr>
-        <p:spPr/>
-        <p:txBody>
-          <a:bodyPr/>
-          <a:lstStyle/>
-          <a:p>
-            <a:pPr>
-              <a:defRPr/>
-            </a:pPr>
-            <a:fld id="{3FF2C605-4958-CF43-AA48-80339EFDB0AF}" type="slidenum">
-              <a:rPr lang="en-US" smtClean="0"/>
-              <a:pPr>
-                <a:defRPr/>
-              </a:pPr>
-              <a:t>2</a:t>
-            </a:fld>
-            <a:endParaRPr lang="en-US"/>
-          </a:p>
-        </p:txBody>
-      </p:sp>
-    </p:spTree>
-    <p:extLst>
-      <p:ext uri="{BB962C8B-B14F-4D97-AF65-F5344CB8AC3E}">
-        <p14:creationId xmlns:p14="http://schemas.microsoft.com/office/powerpoint/2010/main" val="3288624539"/>
-      </p:ext>
-    </p:extLst>
-  </p:cSld>
-  <p:clrMapOvr>
-    <a:masterClrMapping/>
-  </p:clrMapOvr>
-</p:sld>
-</file>
-
-<file path=ppt/slides/slide3.xml><?xml version="1.0" encoding="utf-8"?>
-<p:sld xmlns:a="http://schemas.openxmlformats.org/drawingml/2006/main" xmlns:r="http://schemas.openxmlformats.org/officeDocument/2006/relationships" xmlns:p="http://schemas.openxmlformats.org/presentationml/2006/main">
-  <p:cSld>
-    <p:spTree>
-      <p:nvGrpSpPr>
-        <p:cNvPr id="1" name=""/>
-        <p:cNvGrpSpPr/>
-        <p:nvPr/>
-      </p:nvGrpSpPr>
-      <p:grpSpPr>
-        <a:xfrm>
-          <a:off x="0" y="0"/>
-          <a:ext cx="0" cy="0"/>
-          <a:chOff x="0" y="0"/>
-          <a:chExt cx="0" cy="0"/>
-        </a:xfrm>
-      </p:grpSpPr>
-      <p:sp>
-        <p:nvSpPr>
-          <p:cNvPr id="2" name="Title 1">
-            <a:extLst>
-              <a:ext uri="{FF2B5EF4-FFF2-40B4-BE49-F238E27FC236}">
-                <a16:creationId xmlns:a16="http://schemas.microsoft.com/office/drawing/2014/main" id="{2EA46EF3-58CC-4A53-B793-C9F77107E807}"/>
-              </a:ext>
-            </a:extLst>
-          </p:cNvPr>
-          <p:cNvSpPr>
-            <a:spLocks noGrp="1"/>
-          </p:cNvSpPr>
-          <p:nvPr>
-            <p:ph type="title"/>
-          </p:nvPr>
-        </p:nvSpPr>
-        <p:spPr/>
-        <p:txBody>
-          <a:bodyPr/>
-          <a:lstStyle/>
-          <a:p>
-            <a:r>
-              <a:rPr lang="en-US" dirty="0"/>
-              <a:t>An Example of Global Attention [2]</a:t>
-            </a:r>
-          </a:p>
-        </p:txBody>
-      </p:sp>
-      <mc:AlternateContent xmlns:mc="http://schemas.openxmlformats.org/markup-compatibility/2006">
-        <mc:Choice xmlns:a14="http://schemas.microsoft.com/office/drawing/2010/main" Requires="a14">
-          <p:sp>
-            <p:nvSpPr>
-              <p:cNvPr id="3" name="Content Placeholder 2">
-                <a:extLst>
-                  <a:ext uri="{FF2B5EF4-FFF2-40B4-BE49-F238E27FC236}">
-                    <a16:creationId xmlns:a16="http://schemas.microsoft.com/office/drawing/2014/main" id="{26AEE493-2925-4569-B4CD-B6B84050BD4D}"/>
-                  </a:ext>
-                </a:extLst>
-              </p:cNvPr>
-              <p:cNvSpPr>
-                <a:spLocks noGrp="1"/>
-              </p:cNvSpPr>
-              <p:nvPr>
-                <p:ph idx="1"/>
-              </p:nvPr>
-            </p:nvSpPr>
-            <p:spPr>
-              <a:xfrm>
-                <a:off x="838200" y="1825625"/>
-                <a:ext cx="7013594" cy="4351338"/>
-              </a:xfrm>
-            </p:spPr>
-            <p:txBody>
-              <a:bodyPr>
-                <a:normAutofit/>
-              </a:bodyPr>
-              <a:lstStyle/>
-              <a:p>
-                <a:pPr>
-                  <a:spcAft>
-                    <a:spcPts val="1200"/>
-                  </a:spcAft>
-                </a:pPr>
-                <a:r>
-                  <a:rPr lang="en-US" sz="2400" dirty="0"/>
-                  <a:t>The goal is to translate a sentence</a:t>
-                </a:r>
-              </a:p>
-              <a:p>
-                <a:pPr>
-                  <a:spcAft>
-                    <a:spcPts val="1200"/>
-                  </a:spcAft>
-                </a:pPr>
-                <a:r>
-                  <a:rPr lang="en-US" sz="2400" dirty="0"/>
-                  <a:t>We define the </a:t>
-                </a:r>
-                <a:r>
-                  <a:rPr lang="en-US" sz="2400" b="1" dirty="0"/>
-                  <a:t>conditional probability of generating a word in the translation </a:t>
-                </a:r>
-                <a:r>
-                  <a:rPr lang="en-US" sz="2400" dirty="0"/>
-                  <a:t>as</a:t>
-                </a:r>
-              </a:p>
-              <a:p>
-                <a:pPr marL="0" indent="0">
-                  <a:buNone/>
-                </a:pPr>
-                <a14:m>
-                  <m:oMathPara xmlns:m="http://schemas.openxmlformats.org/officeDocument/2006/math">
-                    <m:oMathParaPr>
-                      <m:jc m:val="centerGroup"/>
-                    </m:oMathParaPr>
-                    <m:oMath xmlns:m="http://schemas.openxmlformats.org/officeDocument/2006/math">
-                      <m:r>
-                        <a:rPr lang="en-US" sz="2400" b="0" i="1" smtClean="0">
-                          <a:latin typeface="Cambria Math" panose="02040503050406030204" pitchFamily="18" charset="0"/>
-                        </a:rPr>
-                        <m:t>𝑝</m:t>
-                      </m:r>
-                      <m:d>
-                        <m:dPr>
-                          <m:ctrlPr>
-                            <a:rPr lang="en-US" sz="2400" b="0" i="1" smtClean="0">
-                              <a:latin typeface="Cambria Math" panose="02040503050406030204" pitchFamily="18" charset="0"/>
-                            </a:rPr>
-                          </m:ctrlPr>
-                        </m:dPr>
-                        <m:e>
-                          <m:sSub>
-                            <m:sSubPr>
-                              <m:ctrlPr>
-                                <a:rPr lang="en-US" sz="2400" b="0" i="1" smtClean="0">
-                                  <a:latin typeface="Cambria Math" panose="02040503050406030204" pitchFamily="18" charset="0"/>
-                                </a:rPr>
-                              </m:ctrlPr>
-                            </m:sSubPr>
-                            <m:e>
-                              <m:r>
-                                <a:rPr lang="en-US" sz="2400" b="0" i="1" smtClean="0">
-                                  <a:latin typeface="Cambria Math" panose="02040503050406030204" pitchFamily="18" charset="0"/>
-                                </a:rPr>
-                                <m:t>𝑦</m:t>
-                              </m:r>
-                            </m:e>
-                            <m:sub>
-                              <m:r>
-                                <a:rPr lang="en-US" sz="2400" b="0" i="1" smtClean="0">
-                                  <a:latin typeface="Cambria Math" panose="02040503050406030204" pitchFamily="18" charset="0"/>
-                                </a:rPr>
-                                <m:t>𝑖</m:t>
-                              </m:r>
-                            </m:sub>
-                          </m:sSub>
-                        </m:e>
-                        <m:e>
-                          <m:sSub>
-                            <m:sSubPr>
-                              <m:ctrlPr>
-                                <a:rPr lang="en-US" sz="2400" b="0" i="1" smtClean="0">
-                                  <a:latin typeface="Cambria Math" panose="02040503050406030204" pitchFamily="18" charset="0"/>
-                                </a:rPr>
-                              </m:ctrlPr>
-                            </m:sSubPr>
-                            <m:e>
-                              <m:r>
-                                <a:rPr lang="en-US" sz="2400" b="0" i="1" smtClean="0">
-                                  <a:latin typeface="Cambria Math" panose="02040503050406030204" pitchFamily="18" charset="0"/>
-                                </a:rPr>
-                                <m:t>𝑦</m:t>
-                              </m:r>
-                            </m:e>
-                            <m:sub>
-                              <m:r>
-                                <a:rPr lang="en-US" sz="2400" b="0" i="1" smtClean="0">
-                                  <a:latin typeface="Cambria Math" panose="02040503050406030204" pitchFamily="18" charset="0"/>
-                                </a:rPr>
-                                <m:t>1:</m:t>
-                              </m:r>
-                              <m:r>
-                                <a:rPr lang="en-US" sz="2400" b="0" i="1" smtClean="0">
-                                  <a:latin typeface="Cambria Math" panose="02040503050406030204" pitchFamily="18" charset="0"/>
-                                </a:rPr>
-                                <m:t>𝑖</m:t>
-                              </m:r>
-                              <m:r>
-                                <a:rPr lang="en-US" sz="2400" b="0" i="1" smtClean="0">
-                                  <a:latin typeface="Cambria Math" panose="02040503050406030204" pitchFamily="18" charset="0"/>
-                                </a:rPr>
-                                <m:t>−1</m:t>
-                              </m:r>
-                            </m:sub>
-                          </m:sSub>
-                          <m:r>
-                            <a:rPr lang="en-US" sz="2400" b="0" i="1" smtClean="0">
-                              <a:latin typeface="Cambria Math" panose="02040503050406030204" pitchFamily="18" charset="0"/>
-                            </a:rPr>
-                            <m:t>,</m:t>
-                          </m:r>
-                          <m:r>
-                            <a:rPr lang="en-US" sz="2400" b="0" i="1" smtClean="0">
-                              <a:latin typeface="Cambria Math" panose="02040503050406030204" pitchFamily="18" charset="0"/>
-                            </a:rPr>
-                            <m:t>𝑥</m:t>
-                          </m:r>
-                        </m:e>
-                      </m:d>
-                      <m:r>
-                        <a:rPr lang="en-US" sz="2400" b="0" i="1" smtClean="0">
-                          <a:latin typeface="Cambria Math" panose="02040503050406030204" pitchFamily="18" charset="0"/>
-                        </a:rPr>
-                        <m:t>=</m:t>
-                      </m:r>
-                      <m:r>
-                        <a:rPr lang="en-US" sz="2400" b="0" i="1" smtClean="0">
-                          <a:latin typeface="Cambria Math" panose="02040503050406030204" pitchFamily="18" charset="0"/>
-                        </a:rPr>
-                        <m:t>𝑔</m:t>
-                      </m:r>
-                      <m:d>
-                        <m:dPr>
-                          <m:ctrlPr>
-                            <a:rPr lang="en-US" sz="2400" b="0" i="1" smtClean="0">
-                              <a:latin typeface="Cambria Math" panose="02040503050406030204" pitchFamily="18" charset="0"/>
-                            </a:rPr>
-                          </m:ctrlPr>
-                        </m:dPr>
-                        <m:e>
-                          <m:sSub>
-                            <m:sSubPr>
-                              <m:ctrlPr>
-                                <a:rPr lang="en-US" sz="2400" b="0" i="1" smtClean="0">
-                                  <a:latin typeface="Cambria Math" panose="02040503050406030204" pitchFamily="18" charset="0"/>
-                                </a:rPr>
-                              </m:ctrlPr>
-                            </m:sSubPr>
-                            <m:e>
-                              <m:r>
-                                <a:rPr lang="en-US" sz="2400" b="0" i="1" smtClean="0">
-                                  <a:latin typeface="Cambria Math" panose="02040503050406030204" pitchFamily="18" charset="0"/>
-                                </a:rPr>
-                                <m:t>𝑦</m:t>
-                              </m:r>
-                            </m:e>
-                            <m:sub>
-                              <m:r>
-                                <a:rPr lang="en-US" sz="2400" b="0" i="1" smtClean="0">
-                                  <a:latin typeface="Cambria Math" panose="02040503050406030204" pitchFamily="18" charset="0"/>
-                                </a:rPr>
-                                <m:t>𝑖</m:t>
-                              </m:r>
-                              <m:r>
-                                <a:rPr lang="en-US" sz="2400" b="0" i="1" smtClean="0">
-                                  <a:latin typeface="Cambria Math" panose="02040503050406030204" pitchFamily="18" charset="0"/>
-                                </a:rPr>
-                                <m:t>−1</m:t>
-                              </m:r>
-                            </m:sub>
-                          </m:sSub>
-                          <m:r>
-                            <a:rPr lang="en-US" sz="2400" b="0" i="1" smtClean="0">
-                              <a:latin typeface="Cambria Math" panose="02040503050406030204" pitchFamily="18" charset="0"/>
-                            </a:rPr>
-                            <m:t>,</m:t>
-                          </m:r>
-                          <m:sSub>
-                            <m:sSubPr>
-                              <m:ctrlPr>
-                                <a:rPr lang="en-US" sz="2400" b="0" i="1" smtClean="0">
-                                  <a:latin typeface="Cambria Math" panose="02040503050406030204" pitchFamily="18" charset="0"/>
-                                </a:rPr>
-                              </m:ctrlPr>
-                            </m:sSubPr>
-                            <m:e>
-                              <m:r>
-                                <a:rPr lang="en-US" sz="2400" b="0" i="1" smtClean="0">
-                                  <a:latin typeface="Cambria Math" panose="02040503050406030204" pitchFamily="18" charset="0"/>
-                                </a:rPr>
-                                <m:t>𝑠</m:t>
-                              </m:r>
-                            </m:e>
-                            <m:sub>
-                              <m:r>
-                                <a:rPr lang="en-US" sz="2400" b="0" i="1" smtClean="0">
-                                  <a:latin typeface="Cambria Math" panose="02040503050406030204" pitchFamily="18" charset="0"/>
-                                </a:rPr>
-                                <m:t>𝑖</m:t>
-                              </m:r>
-                            </m:sub>
-                          </m:sSub>
-                          <m:r>
-                            <a:rPr lang="en-US" sz="2400" b="0" i="1" smtClean="0">
-                              <a:latin typeface="Cambria Math" panose="02040503050406030204" pitchFamily="18" charset="0"/>
-                            </a:rPr>
-                            <m:t>, </m:t>
-                          </m:r>
-                          <m:sSub>
-                            <m:sSubPr>
-                              <m:ctrlPr>
-                                <a:rPr lang="en-US" sz="2400" b="0" i="1" smtClean="0">
-                                  <a:latin typeface="Cambria Math" panose="02040503050406030204" pitchFamily="18" charset="0"/>
-                                </a:rPr>
-                              </m:ctrlPr>
-                            </m:sSubPr>
-                            <m:e>
-                              <m:r>
-                                <a:rPr lang="en-US" sz="2400" b="0" i="1" smtClean="0">
-                                  <a:latin typeface="Cambria Math" panose="02040503050406030204" pitchFamily="18" charset="0"/>
-                                </a:rPr>
-                                <m:t>𝑐</m:t>
-                              </m:r>
-                            </m:e>
-                            <m:sub>
-                              <m:r>
-                                <a:rPr lang="en-US" sz="2400" b="0" i="1" smtClean="0">
-                                  <a:latin typeface="Cambria Math" panose="02040503050406030204" pitchFamily="18" charset="0"/>
-                                </a:rPr>
-                                <m:t>𝑖</m:t>
-                              </m:r>
-                            </m:sub>
-                          </m:sSub>
-                        </m:e>
-                      </m:d>
-                    </m:oMath>
-                  </m:oMathPara>
-                </a14:m>
-                <a:endParaRPr lang="en-US" sz="2400" dirty="0"/>
-              </a:p>
-              <a:p>
-                <a:pPr marL="230188" indent="0">
-                  <a:spcBef>
-                    <a:spcPts val="1800"/>
-                  </a:spcBef>
-                  <a:spcAft>
-                    <a:spcPts val="1200"/>
-                  </a:spcAft>
-                  <a:buNone/>
-                </a:pPr>
-                <a:r>
-                  <a:rPr lang="en-US" sz="2400" dirty="0"/>
-                  <a:t>with </a:t>
-                </a:r>
-                <a:r>
-                  <a:rPr lang="en-US" sz="2400" b="1" dirty="0"/>
-                  <a:t>hidden state </a:t>
-                </a:r>
-                <a14:m>
-                  <m:oMath xmlns:m="http://schemas.openxmlformats.org/officeDocument/2006/math">
-                    <m:sSub>
-                      <m:sSubPr>
-                        <m:ctrlPr>
-                          <a:rPr lang="en-US" sz="2400" b="0" i="1" smtClean="0">
-                            <a:latin typeface="Cambria Math" panose="02040503050406030204" pitchFamily="18" charset="0"/>
-                          </a:rPr>
-                        </m:ctrlPr>
-                      </m:sSubPr>
-                      <m:e>
-                        <m:r>
-                          <a:rPr lang="en-US" sz="2400" b="0" i="1" smtClean="0">
-                            <a:latin typeface="Cambria Math" panose="02040503050406030204" pitchFamily="18" charset="0"/>
-                          </a:rPr>
-                          <m:t>𝑠</m:t>
-                        </m:r>
-                      </m:e>
-                      <m:sub>
-                        <m:r>
-                          <a:rPr lang="en-US" sz="2400" b="0" i="1" smtClean="0">
-                            <a:latin typeface="Cambria Math" panose="02040503050406030204" pitchFamily="18" charset="0"/>
-                          </a:rPr>
-                          <m:t>𝑖</m:t>
-                        </m:r>
-                      </m:sub>
-                    </m:sSub>
-                    <m:r>
-                      <a:rPr lang="en-US" sz="2400" b="0" i="1" smtClean="0">
-                        <a:latin typeface="Cambria Math" panose="02040503050406030204" pitchFamily="18" charset="0"/>
-                      </a:rPr>
-                      <m:t>=</m:t>
-                    </m:r>
-                    <m:r>
-                      <a:rPr lang="en-US" sz="2400" b="0" i="1" smtClean="0">
-                        <a:latin typeface="Cambria Math" panose="02040503050406030204" pitchFamily="18" charset="0"/>
-                      </a:rPr>
-                      <m:t>𝑓</m:t>
-                    </m:r>
-                    <m:d>
-                      <m:dPr>
-                        <m:ctrlPr>
-                          <a:rPr lang="en-US" sz="2400" b="0" i="1" smtClean="0">
-                            <a:latin typeface="Cambria Math" panose="02040503050406030204" pitchFamily="18" charset="0"/>
-                          </a:rPr>
-                        </m:ctrlPr>
-                      </m:dPr>
-                      <m:e>
-                        <m:sSub>
-                          <m:sSubPr>
-                            <m:ctrlPr>
-                              <a:rPr lang="en-US" sz="2400" b="0" i="1" smtClean="0">
-                                <a:latin typeface="Cambria Math" panose="02040503050406030204" pitchFamily="18" charset="0"/>
-                              </a:rPr>
-                            </m:ctrlPr>
-                          </m:sSubPr>
-                          <m:e>
-                            <m:r>
-                              <a:rPr lang="en-US" sz="2400" b="0" i="1" smtClean="0">
-                                <a:latin typeface="Cambria Math" panose="02040503050406030204" pitchFamily="18" charset="0"/>
-                              </a:rPr>
-                              <m:t>𝑠</m:t>
-                            </m:r>
-                          </m:e>
-                          <m:sub>
-                            <m:r>
-                              <a:rPr lang="en-US" sz="2400" b="0" i="1" smtClean="0">
-                                <a:latin typeface="Cambria Math" panose="02040503050406030204" pitchFamily="18" charset="0"/>
-                              </a:rPr>
-                              <m:t>𝑖</m:t>
-                            </m:r>
-                            <m:r>
-                              <a:rPr lang="en-US" sz="2400" b="0" i="1" smtClean="0">
-                                <a:latin typeface="Cambria Math" panose="02040503050406030204" pitchFamily="18" charset="0"/>
-                              </a:rPr>
-                              <m:t>−1</m:t>
-                            </m:r>
-                          </m:sub>
-                        </m:sSub>
-                        <m:r>
-                          <a:rPr lang="en-US" sz="2400" b="0" i="1" smtClean="0">
-                            <a:latin typeface="Cambria Math" panose="02040503050406030204" pitchFamily="18" charset="0"/>
-                          </a:rPr>
-                          <m:t>,</m:t>
-                        </m:r>
-                        <m:sSub>
-                          <m:sSubPr>
-                            <m:ctrlPr>
-                              <a:rPr lang="en-US" sz="2400" b="0" i="1" smtClean="0">
-                                <a:latin typeface="Cambria Math" panose="02040503050406030204" pitchFamily="18" charset="0"/>
-                              </a:rPr>
-                            </m:ctrlPr>
-                          </m:sSubPr>
-                          <m:e>
-                            <m:r>
-                              <a:rPr lang="en-US" sz="2400" b="0" i="1" smtClean="0">
-                                <a:latin typeface="Cambria Math" panose="02040503050406030204" pitchFamily="18" charset="0"/>
-                              </a:rPr>
-                              <m:t>𝑦</m:t>
-                            </m:r>
-                          </m:e>
-                          <m:sub>
-                            <m:r>
-                              <a:rPr lang="en-US" sz="2400" b="0" i="1" smtClean="0">
-                                <a:latin typeface="Cambria Math" panose="02040503050406030204" pitchFamily="18" charset="0"/>
-                              </a:rPr>
-                              <m:t>𝑖</m:t>
-                            </m:r>
-                            <m:r>
-                              <a:rPr lang="en-US" sz="2400" b="0" i="1" smtClean="0">
-                                <a:latin typeface="Cambria Math" panose="02040503050406030204" pitchFamily="18" charset="0"/>
-                              </a:rPr>
-                              <m:t>−1</m:t>
-                            </m:r>
-                          </m:sub>
-                        </m:sSub>
-                        <m:r>
-                          <a:rPr lang="en-US" sz="2400" b="0" i="1" smtClean="0">
-                            <a:latin typeface="Cambria Math" panose="02040503050406030204" pitchFamily="18" charset="0"/>
-                          </a:rPr>
-                          <m:t>,</m:t>
-                        </m:r>
-                        <m:sSub>
-                          <m:sSubPr>
-                            <m:ctrlPr>
-                              <a:rPr lang="en-US" sz="2400" b="0" i="1" smtClean="0">
-                                <a:latin typeface="Cambria Math" panose="02040503050406030204" pitchFamily="18" charset="0"/>
-                              </a:rPr>
-                            </m:ctrlPr>
-                          </m:sSubPr>
-                          <m:e>
-                            <m:r>
-                              <a:rPr lang="en-US" sz="2400" b="0" i="1" smtClean="0">
-                                <a:latin typeface="Cambria Math" panose="02040503050406030204" pitchFamily="18" charset="0"/>
-                              </a:rPr>
-                              <m:t>𝑐</m:t>
-                            </m:r>
-                          </m:e>
-                          <m:sub>
-                            <m:r>
-                              <a:rPr lang="en-US" sz="2400" b="0" i="1" smtClean="0">
-                                <a:latin typeface="Cambria Math" panose="02040503050406030204" pitchFamily="18" charset="0"/>
-                              </a:rPr>
-                              <m:t>𝑖</m:t>
-                            </m:r>
-                          </m:sub>
-                        </m:sSub>
-                      </m:e>
-                    </m:d>
-                  </m:oMath>
-                </a14:m>
-                <a:r>
-                  <a:rPr lang="en-US" sz="2400" dirty="0"/>
-                  <a:t>, </a:t>
-                </a:r>
-                <a:r>
-                  <a:rPr lang="en-US" sz="2400" b="1" dirty="0"/>
-                  <a:t>alignment</a:t>
-                </a:r>
-                <a:r>
-                  <a:rPr lang="en-US" sz="2400" dirty="0"/>
-                  <a:t> </a:t>
-                </a:r>
-                <a14:m>
-                  <m:oMath xmlns:m="http://schemas.openxmlformats.org/officeDocument/2006/math">
-                    <m:sSub>
-                      <m:sSubPr>
-                        <m:ctrlPr>
-                          <a:rPr lang="en-US" sz="2400" i="1">
-                            <a:latin typeface="Cambria Math" panose="02040503050406030204" pitchFamily="18" charset="0"/>
-                          </a:rPr>
-                        </m:ctrlPr>
-                      </m:sSubPr>
-                      <m:e>
-                        <m:r>
-                          <a:rPr lang="en-US" sz="2400" i="1">
-                            <a:latin typeface="Cambria Math" panose="02040503050406030204" pitchFamily="18" charset="0"/>
-                          </a:rPr>
-                          <m:t>𝑒</m:t>
-                        </m:r>
-                      </m:e>
-                      <m:sub>
-                        <m:r>
-                          <a:rPr lang="en-US" sz="2400" i="1">
-                            <a:latin typeface="Cambria Math" panose="02040503050406030204" pitchFamily="18" charset="0"/>
-                          </a:rPr>
-                          <m:t>𝑖𝑗</m:t>
-                        </m:r>
-                      </m:sub>
-                    </m:sSub>
-                    <m:r>
-                      <a:rPr lang="en-US" sz="2400" i="1">
-                        <a:latin typeface="Cambria Math" panose="02040503050406030204" pitchFamily="18" charset="0"/>
-                      </a:rPr>
-                      <m:t>=</m:t>
-                    </m:r>
-                    <m:r>
-                      <a:rPr lang="en-US" sz="2400" i="1">
-                        <a:latin typeface="Cambria Math" panose="02040503050406030204" pitchFamily="18" charset="0"/>
-                      </a:rPr>
-                      <m:t>𝑎</m:t>
-                    </m:r>
-                    <m:r>
-                      <a:rPr lang="en-US" sz="2400" i="1">
-                        <a:latin typeface="Cambria Math" panose="02040503050406030204" pitchFamily="18" charset="0"/>
-                      </a:rPr>
-                      <m:t>(</m:t>
-                    </m:r>
-                    <m:sSub>
-                      <m:sSubPr>
-                        <m:ctrlPr>
-                          <a:rPr lang="en-US" sz="2400" i="1">
-                            <a:latin typeface="Cambria Math" panose="02040503050406030204" pitchFamily="18" charset="0"/>
-                          </a:rPr>
-                        </m:ctrlPr>
-                      </m:sSubPr>
-                      <m:e>
-                        <m:r>
-                          <a:rPr lang="en-US" sz="2400" i="1">
-                            <a:latin typeface="Cambria Math" panose="02040503050406030204" pitchFamily="18" charset="0"/>
-                          </a:rPr>
-                          <m:t>𝑠</m:t>
-                        </m:r>
-                      </m:e>
-                      <m:sub>
-                        <m:r>
-                          <a:rPr lang="en-US" sz="2400" i="1">
-                            <a:latin typeface="Cambria Math" panose="02040503050406030204" pitchFamily="18" charset="0"/>
-                          </a:rPr>
-                          <m:t>𝑖</m:t>
-                        </m:r>
-                        <m:r>
-                          <a:rPr lang="en-US" sz="2400" i="1">
-                            <a:latin typeface="Cambria Math" panose="02040503050406030204" pitchFamily="18" charset="0"/>
-                          </a:rPr>
-                          <m:t>−1</m:t>
-                        </m:r>
-                      </m:sub>
-                    </m:sSub>
-                    <m:r>
-                      <a:rPr lang="en-US" sz="2400" i="1">
-                        <a:latin typeface="Cambria Math" panose="02040503050406030204" pitchFamily="18" charset="0"/>
-                      </a:rPr>
-                      <m:t>,</m:t>
-                    </m:r>
-                    <m:sSub>
-                      <m:sSubPr>
-                        <m:ctrlPr>
-                          <a:rPr lang="en-US" sz="2400" i="1">
-                            <a:latin typeface="Cambria Math" panose="02040503050406030204" pitchFamily="18" charset="0"/>
-                          </a:rPr>
-                        </m:ctrlPr>
-                      </m:sSubPr>
-                      <m:e>
-                        <m:r>
-                          <a:rPr lang="en-US" sz="2400" i="1">
-                            <a:latin typeface="Cambria Math" panose="02040503050406030204" pitchFamily="18" charset="0"/>
-                          </a:rPr>
-                          <m:t>h</m:t>
-                        </m:r>
-                      </m:e>
-                      <m:sub>
-                        <m:r>
-                          <a:rPr lang="en-US" sz="2400" i="1">
-                            <a:latin typeface="Cambria Math" panose="02040503050406030204" pitchFamily="18" charset="0"/>
-                          </a:rPr>
-                          <m:t>𝑗</m:t>
-                        </m:r>
-                      </m:sub>
-                    </m:sSub>
-                    <m:r>
-                      <a:rPr lang="en-US" sz="2400" i="1">
-                        <a:latin typeface="Cambria Math" panose="02040503050406030204" pitchFamily="18" charset="0"/>
-                      </a:rPr>
-                      <m:t>)</m:t>
-                    </m:r>
-                  </m:oMath>
-                </a14:m>
-                <a:r>
-                  <a:rPr lang="en-US" sz="2400" dirty="0"/>
-                  <a:t>, and </a:t>
-                </a:r>
-                <a:r>
-                  <a:rPr lang="en-US" sz="2400" b="1" dirty="0"/>
-                  <a:t>context</a:t>
-                </a:r>
-                <a:r>
-                  <a:rPr lang="en-US" sz="2400" dirty="0"/>
-                  <a:t> </a:t>
-                </a:r>
-              </a:p>
-              <a:p>
-                <a:pPr marL="0" indent="0">
-                  <a:spcAft>
-                    <a:spcPts val="600"/>
-                  </a:spcAft>
-                  <a:buNone/>
-                </a:pPr>
-                <a14:m>
-                  <m:oMathPara xmlns:m="http://schemas.openxmlformats.org/officeDocument/2006/math">
-                    <m:oMathParaPr>
-                      <m:jc m:val="centerGroup"/>
-                    </m:oMathParaPr>
-                    <m:oMath xmlns:m="http://schemas.openxmlformats.org/officeDocument/2006/math">
-                      <m:sSub>
-                        <m:sSubPr>
-                          <m:ctrlPr>
-                            <a:rPr lang="en-US" sz="2400" b="0" i="1" smtClean="0">
-                              <a:latin typeface="Cambria Math" panose="02040503050406030204" pitchFamily="18" charset="0"/>
-                            </a:rPr>
-                          </m:ctrlPr>
-                        </m:sSubPr>
-                        <m:e>
-                          <m:r>
-                            <a:rPr lang="en-US" sz="2400" b="0" i="1" smtClean="0">
-                              <a:latin typeface="Cambria Math" panose="02040503050406030204" pitchFamily="18" charset="0"/>
-                            </a:rPr>
-                            <m:t>𝑐</m:t>
-                          </m:r>
-                        </m:e>
-                        <m:sub>
-                          <m:r>
-                            <a:rPr lang="en-US" sz="2400" b="0" i="1" smtClean="0">
-                              <a:latin typeface="Cambria Math" panose="02040503050406030204" pitchFamily="18" charset="0"/>
-                            </a:rPr>
-                            <m:t>𝑖</m:t>
-                          </m:r>
-                        </m:sub>
-                      </m:sSub>
-                      <m:r>
-                        <a:rPr lang="en-US" sz="2400" b="0" i="1" smtClean="0">
-                          <a:latin typeface="Cambria Math" panose="02040503050406030204" pitchFamily="18" charset="0"/>
-                        </a:rPr>
-                        <m:t>=</m:t>
-                      </m:r>
-                      <m:nary>
-                        <m:naryPr>
-                          <m:chr m:val="∑"/>
-                          <m:supHide m:val="on"/>
-                          <m:ctrlPr>
-                            <a:rPr lang="en-US" sz="2400" b="0" i="1" smtClean="0">
-                              <a:latin typeface="Cambria Math" panose="02040503050406030204" pitchFamily="18" charset="0"/>
-                            </a:rPr>
-                          </m:ctrlPr>
-                        </m:naryPr>
-                        <m:sub>
-                          <m:r>
-                            <a:rPr lang="en-US" sz="2400" b="0" i="1" smtClean="0">
-                              <a:latin typeface="Cambria Math" panose="02040503050406030204" pitchFamily="18" charset="0"/>
-                            </a:rPr>
-                            <m:t>𝑗</m:t>
-                          </m:r>
-                        </m:sub>
-                        <m:sup/>
-                        <m:e>
-                          <m:sSub>
-                            <m:sSubPr>
-                              <m:ctrlPr>
-                                <a:rPr lang="en-US" sz="2400" b="0" i="1" smtClean="0">
-                                  <a:latin typeface="Cambria Math" panose="02040503050406030204" pitchFamily="18" charset="0"/>
-                                </a:rPr>
-                              </m:ctrlPr>
-                            </m:sSubPr>
-                            <m:e>
-                              <m:r>
-                                <a:rPr lang="en-US" sz="2400" b="0" i="1" smtClean="0">
-                                  <a:latin typeface="Cambria Math" panose="02040503050406030204" pitchFamily="18" charset="0"/>
-                                </a:rPr>
-                                <m:t>𝛼</m:t>
-                              </m:r>
-                            </m:e>
-                            <m:sub>
-                              <m:r>
-                                <a:rPr lang="en-US" sz="2400" b="0" i="1" smtClean="0">
-                                  <a:latin typeface="Cambria Math" panose="02040503050406030204" pitchFamily="18" charset="0"/>
-                                </a:rPr>
-                                <m:t>𝑖𝑗</m:t>
-                              </m:r>
-                            </m:sub>
-                          </m:sSub>
-                          <m:sSub>
-                            <m:sSubPr>
-                              <m:ctrlPr>
-                                <a:rPr lang="en-US" sz="2400" b="0" i="1" smtClean="0">
-                                  <a:latin typeface="Cambria Math" panose="02040503050406030204" pitchFamily="18" charset="0"/>
-                                </a:rPr>
-                              </m:ctrlPr>
-                            </m:sSubPr>
-                            <m:e>
-                              <m:r>
-                                <a:rPr lang="en-US" sz="2400" b="0" i="1" smtClean="0">
-                                  <a:latin typeface="Cambria Math" panose="02040503050406030204" pitchFamily="18" charset="0"/>
-                                </a:rPr>
-                                <m:t>h</m:t>
-                              </m:r>
-                            </m:e>
-                            <m:sub>
-                              <m:r>
-                                <a:rPr lang="en-US" sz="2400" b="0" i="1" smtClean="0">
-                                  <a:latin typeface="Cambria Math" panose="02040503050406030204" pitchFamily="18" charset="0"/>
-                                </a:rPr>
-                                <m:t>𝑗</m:t>
-                              </m:r>
-                            </m:sub>
-                          </m:sSub>
-                        </m:e>
-                      </m:nary>
-                    </m:oMath>
-                  </m:oMathPara>
-                </a14:m>
-                <a:endParaRPr lang="en-US" sz="2400" b="0" i="1" dirty="0">
-                  <a:latin typeface="Cambria Math" panose="02040503050406030204" pitchFamily="18" charset="0"/>
-                </a:endParaRPr>
-              </a:p>
-              <a:p>
-                <a:pPr marL="0" indent="0">
-                  <a:buNone/>
-                </a:pPr>
-                <a14:m>
-                  <m:oMathPara xmlns:m="http://schemas.openxmlformats.org/officeDocument/2006/math">
-                    <m:oMathParaPr>
-                      <m:jc m:val="centerGroup"/>
-                    </m:oMathParaPr>
-                    <m:oMath xmlns:m="http://schemas.openxmlformats.org/officeDocument/2006/math">
-                      <m:sSub>
-                        <m:sSubPr>
-                          <m:ctrlPr>
-                            <a:rPr lang="en-US" sz="2400" b="0" i="1" smtClean="0">
-                              <a:latin typeface="Cambria Math" panose="02040503050406030204" pitchFamily="18" charset="0"/>
-                            </a:rPr>
-                          </m:ctrlPr>
-                        </m:sSubPr>
-                        <m:e>
-                          <m:r>
-                            <a:rPr lang="en-US" sz="2400" b="0" i="1" smtClean="0">
-                              <a:latin typeface="Cambria Math" panose="02040503050406030204" pitchFamily="18" charset="0"/>
-                            </a:rPr>
-                            <m:t>𝛼</m:t>
-                          </m:r>
-                        </m:e>
-                        <m:sub>
-                          <m:r>
-                            <a:rPr lang="en-US" sz="2400" b="0" i="1" smtClean="0">
-                              <a:latin typeface="Cambria Math" panose="02040503050406030204" pitchFamily="18" charset="0"/>
-                            </a:rPr>
-                            <m:t>𝑖𝑗</m:t>
-                          </m:r>
-                        </m:sub>
-                      </m:sSub>
-                      <m:r>
-                        <a:rPr lang="en-US" sz="2400" b="0" i="1" smtClean="0">
-                          <a:latin typeface="Cambria Math" panose="02040503050406030204" pitchFamily="18" charset="0"/>
-                        </a:rPr>
-                        <m:t>=</m:t>
-                      </m:r>
-                      <m:r>
-                        <a:rPr lang="en-US" sz="2400" b="0" i="1" smtClean="0">
-                          <a:latin typeface="Cambria Math" panose="02040503050406030204" pitchFamily="18" charset="0"/>
-                        </a:rPr>
-                        <m:t>𝑠𝑜𝑓𝑡𝑚𝑎𝑥</m:t>
-                      </m:r>
-                      <m:r>
-                        <a:rPr lang="en-US" sz="2400" b="0" i="1" smtClean="0">
-                          <a:latin typeface="Cambria Math" panose="02040503050406030204" pitchFamily="18" charset="0"/>
-                        </a:rPr>
-                        <m:t>(</m:t>
-                      </m:r>
-                      <m:sSub>
-                        <m:sSubPr>
-                          <m:ctrlPr>
-                            <a:rPr lang="en-US" sz="2400" b="0" i="1" smtClean="0">
-                              <a:latin typeface="Cambria Math" panose="02040503050406030204" pitchFamily="18" charset="0"/>
-                            </a:rPr>
-                          </m:ctrlPr>
-                        </m:sSubPr>
-                        <m:e>
-                          <m:r>
-                            <a:rPr lang="en-US" sz="2400" b="0" i="1" smtClean="0">
-                              <a:latin typeface="Cambria Math" panose="02040503050406030204" pitchFamily="18" charset="0"/>
-                            </a:rPr>
-                            <m:t>𝑒</m:t>
-                          </m:r>
-                        </m:e>
-                        <m:sub>
-                          <m:r>
-                            <a:rPr lang="en-US" sz="2400" b="0" i="1" smtClean="0">
-                              <a:latin typeface="Cambria Math" panose="02040503050406030204" pitchFamily="18" charset="0"/>
-                            </a:rPr>
-                            <m:t>𝑖𝑗</m:t>
-                          </m:r>
-                        </m:sub>
-                      </m:sSub>
-                      <m:r>
-                        <a:rPr lang="en-US" sz="2400" b="0" i="1" smtClean="0">
-                          <a:latin typeface="Cambria Math" panose="02040503050406030204" pitchFamily="18" charset="0"/>
-                        </a:rPr>
-                        <m:t>)</m:t>
-                      </m:r>
-                    </m:oMath>
-                  </m:oMathPara>
-                </a14:m>
-                <a:endParaRPr lang="en-US" sz="2400" dirty="0"/>
-              </a:p>
-            </p:txBody>
-          </p:sp>
-        </mc:Choice>
-        <mc:Fallback>
-          <p:sp>
-            <p:nvSpPr>
-              <p:cNvPr id="3" name="Content Placeholder 2">
-                <a:extLst>
-                  <a:ext uri="{FF2B5EF4-FFF2-40B4-BE49-F238E27FC236}">
-                    <a16:creationId xmlns:a16="http://schemas.microsoft.com/office/drawing/2014/main" id="{26AEE493-2925-4569-B4CD-B6B84050BD4D}"/>
-                  </a:ext>
-                </a:extLst>
-              </p:cNvPr>
-              <p:cNvSpPr>
-                <a:spLocks noGrp="1" noRot="1" noChangeAspect="1" noMove="1" noResize="1" noEditPoints="1" noAdjustHandles="1" noChangeArrowheads="1" noChangeShapeType="1" noTextEdit="1"/>
-              </p:cNvSpPr>
-              <p:nvPr>
-                <p:ph idx="1"/>
-              </p:nvPr>
-            </p:nvSpPr>
-            <p:spPr>
-              <a:xfrm>
-                <a:off x="838200" y="1825625"/>
-                <a:ext cx="7013594" cy="4351338"/>
-              </a:xfrm>
-              <a:blipFill>
-                <a:blip r:embed="rId2"/>
-                <a:stretch>
-                  <a:fillRect l="-1217" t="-1961" r="-1913"/>
-                </a:stretch>
-              </a:blipFill>
-            </p:spPr>
-            <p:txBody>
-              <a:bodyPr/>
-              <a:lstStyle/>
-              <a:p>
-                <a:r>
-                  <a:rPr lang="en-US">
-                    <a:noFill/>
-                  </a:rPr>
-                  <a:t> </a:t>
-                </a:r>
-              </a:p>
-            </p:txBody>
-          </p:sp>
-        </mc:Fallback>
-      </mc:AlternateContent>
-      <p:sp>
-        <p:nvSpPr>
-          <p:cNvPr id="4" name="Slide Number Placeholder 3">
-            <a:extLst>
-              <a:ext uri="{FF2B5EF4-FFF2-40B4-BE49-F238E27FC236}">
-                <a16:creationId xmlns:a16="http://schemas.microsoft.com/office/drawing/2014/main" id="{7BB802C3-B2ED-4974-BD56-BA54FB3CC275}"/>
-              </a:ext>
-            </a:extLst>
-          </p:cNvPr>
-          <p:cNvSpPr>
-            <a:spLocks noGrp="1"/>
-          </p:cNvSpPr>
-          <p:nvPr>
-            <p:ph type="sldNum" sz="quarter" idx="12"/>
-          </p:nvPr>
-        </p:nvSpPr>
-        <p:spPr/>
-        <p:txBody>
-          <a:bodyPr/>
-          <a:lstStyle/>
-          <a:p>
-            <a:fld id="{17214B29-2612-49B7-BCD5-5B417A3C392C}" type="slidenum">
-              <a:rPr lang="en-US" smtClean="0"/>
-              <a:t>3</a:t>
-            </a:fld>
-            <a:endParaRPr lang="en-US"/>
-          </a:p>
-        </p:txBody>
-      </p:sp>
-      <p:pic>
-        <p:nvPicPr>
-          <p:cNvPr id="6" name="Picture 5">
-            <a:extLst>
-              <a:ext uri="{FF2B5EF4-FFF2-40B4-BE49-F238E27FC236}">
-                <a16:creationId xmlns:a16="http://schemas.microsoft.com/office/drawing/2014/main" id="{423D0A32-2DA2-4E51-8956-180C05DE7954}"/>
-              </a:ext>
-            </a:extLst>
-          </p:cNvPr>
-          <p:cNvPicPr>
-            <a:picLocks noChangeAspect="1"/>
-          </p:cNvPicPr>
-          <p:nvPr/>
-        </p:nvPicPr>
-        <p:blipFill>
-          <a:blip r:embed="rId3"/>
-          <a:stretch>
-            <a:fillRect/>
-          </a:stretch>
-        </p:blipFill>
-        <p:spPr>
-          <a:xfrm>
-            <a:off x="8325464" y="1604793"/>
-            <a:ext cx="3313472" cy="4472622"/>
-          </a:xfrm>
-          <a:prstGeom prst="rect">
-            <a:avLst/>
-          </a:prstGeom>
-        </p:spPr>
-      </p:pic>
-    </p:spTree>
-    <p:extLst>
-      <p:ext uri="{BB962C8B-B14F-4D97-AF65-F5344CB8AC3E}">
-        <p14:creationId xmlns:p14="http://schemas.microsoft.com/office/powerpoint/2010/main" val="2059420120"/>
-      </p:ext>
-    </p:extLst>
-  </p:cSld>
-  <p:clrMapOvr>
-    <a:masterClrMapping/>
-  </p:clrMapOvr>
-</p:sld>
-</file>
-
-<file path=ppt/slides/slide4.xml><?xml version="1.0" encoding="utf-8"?>
-<p:sld xmlns:a="http://schemas.openxmlformats.org/drawingml/2006/main" xmlns:r="http://schemas.openxmlformats.org/officeDocument/2006/relationships" xmlns:p="http://schemas.openxmlformats.org/presentationml/2006/main">
-  <p:cSld>
-    <p:spTree>
-      <p:nvGrpSpPr>
-        <p:cNvPr id="1" name=""/>
-        <p:cNvGrpSpPr/>
-        <p:nvPr/>
-      </p:nvGrpSpPr>
-      <p:grpSpPr>
-        <a:xfrm>
-          <a:off x="0" y="0"/>
-          <a:ext cx="0" cy="0"/>
-          <a:chOff x="0" y="0"/>
-          <a:chExt cx="0" cy="0"/>
-        </a:xfrm>
-      </p:grpSpPr>
-      <p:sp>
-        <p:nvSpPr>
-          <p:cNvPr id="2" name="Title 1">
-            <a:extLst>
-              <a:ext uri="{FF2B5EF4-FFF2-40B4-BE49-F238E27FC236}">
-                <a16:creationId xmlns:a16="http://schemas.microsoft.com/office/drawing/2014/main" id="{2EA46EF3-58CC-4A53-B793-C9F77107E807}"/>
-              </a:ext>
-            </a:extLst>
-          </p:cNvPr>
-          <p:cNvSpPr>
-            <a:spLocks noGrp="1"/>
-          </p:cNvSpPr>
-          <p:nvPr>
-            <p:ph type="title"/>
-          </p:nvPr>
-        </p:nvSpPr>
-        <p:spPr/>
-        <p:txBody>
-          <a:bodyPr/>
-          <a:lstStyle/>
-          <a:p>
-            <a:r>
-              <a:rPr lang="en-US" dirty="0"/>
-              <a:t>An Example of Global Attention [2]</a:t>
-            </a:r>
-          </a:p>
-        </p:txBody>
-      </p:sp>
-      <p:sp>
-        <p:nvSpPr>
-          <p:cNvPr id="3" name="Content Placeholder 2">
-            <a:extLst>
-              <a:ext uri="{FF2B5EF4-FFF2-40B4-BE49-F238E27FC236}">
-                <a16:creationId xmlns:a16="http://schemas.microsoft.com/office/drawing/2014/main" id="{26AEE493-2925-4569-B4CD-B6B84050BD4D}"/>
-              </a:ext>
-            </a:extLst>
-          </p:cNvPr>
-          <p:cNvSpPr>
-            <a:spLocks noGrp="1"/>
-          </p:cNvSpPr>
-          <p:nvPr>
-            <p:ph idx="1"/>
-          </p:nvPr>
-        </p:nvSpPr>
-        <p:spPr>
-          <a:xfrm>
-            <a:off x="838199" y="1578634"/>
-            <a:ext cx="10868311" cy="4598329"/>
-          </a:xfrm>
-        </p:spPr>
-        <p:txBody>
-          <a:bodyPr>
-            <a:normAutofit/>
-          </a:bodyPr>
-          <a:lstStyle/>
-          <a:p>
-            <a:pPr>
-              <a:spcAft>
-                <a:spcPts val="1200"/>
-              </a:spcAft>
-            </a:pPr>
-            <a:r>
-              <a:rPr lang="en-US" sz="2400" dirty="0"/>
-              <a:t>Examples of Normalized alignments between input (x-axis) and generated sentences </a:t>
-            </a:r>
-          </a:p>
-        </p:txBody>
-      </p:sp>
-      <p:sp>
-        <p:nvSpPr>
-          <p:cNvPr id="4" name="Slide Number Placeholder 3">
-            <a:extLst>
-              <a:ext uri="{FF2B5EF4-FFF2-40B4-BE49-F238E27FC236}">
-                <a16:creationId xmlns:a16="http://schemas.microsoft.com/office/drawing/2014/main" id="{7BB802C3-B2ED-4974-BD56-BA54FB3CC275}"/>
-              </a:ext>
-            </a:extLst>
-          </p:cNvPr>
-          <p:cNvSpPr>
-            <a:spLocks noGrp="1"/>
-          </p:cNvSpPr>
-          <p:nvPr>
-            <p:ph type="sldNum" sz="quarter" idx="12"/>
-          </p:nvPr>
-        </p:nvSpPr>
-        <p:spPr/>
-        <p:txBody>
-          <a:bodyPr/>
-          <a:lstStyle/>
-          <a:p>
-            <a:fld id="{17214B29-2612-49B7-BCD5-5B417A3C392C}" type="slidenum">
-              <a:rPr lang="en-US" smtClean="0"/>
-              <a:t>4</a:t>
-            </a:fld>
-            <a:endParaRPr lang="en-US"/>
-          </a:p>
-        </p:txBody>
-      </p:sp>
-      <p:pic>
-        <p:nvPicPr>
-          <p:cNvPr id="8" name="Picture 7">
-            <a:extLst>
-              <a:ext uri="{FF2B5EF4-FFF2-40B4-BE49-F238E27FC236}">
-                <a16:creationId xmlns:a16="http://schemas.microsoft.com/office/drawing/2014/main" id="{2D7AEBBA-9DDC-4D0B-8D78-EF5D0DA552F8}"/>
-              </a:ext>
-            </a:extLst>
-          </p:cNvPr>
-          <p:cNvPicPr>
-            <a:picLocks noChangeAspect="1"/>
-          </p:cNvPicPr>
-          <p:nvPr/>
-        </p:nvPicPr>
-        <p:blipFill>
-          <a:blip r:embed="rId2"/>
-          <a:stretch>
-            <a:fillRect/>
-          </a:stretch>
-        </p:blipFill>
-        <p:spPr>
-          <a:xfrm>
-            <a:off x="1828800" y="2302514"/>
-            <a:ext cx="8382913" cy="4058176"/>
-          </a:xfrm>
-          <a:prstGeom prst="rect">
-            <a:avLst/>
-          </a:prstGeom>
-        </p:spPr>
-      </p:pic>
-    </p:spTree>
-    <p:extLst>
-      <p:ext uri="{BB962C8B-B14F-4D97-AF65-F5344CB8AC3E}">
-        <p14:creationId xmlns:p14="http://schemas.microsoft.com/office/powerpoint/2010/main" val="1563529817"/>
-      </p:ext>
-    </p:extLst>
-  </p:cSld>
-  <p:clrMapOvr>
-    <a:masterClrMapping/>
-  </p:clrMapOvr>
-</p:sld>
-</file>
-
-<file path=ppt/slides/slide5.xml><?xml version="1.0" encoding="utf-8"?>
-<p:sld xmlns:a="http://schemas.openxmlformats.org/drawingml/2006/main" xmlns:r="http://schemas.openxmlformats.org/officeDocument/2006/relationships" xmlns:p="http://schemas.openxmlformats.org/presentationml/2006/main">
-  <p:cSld>
-    <p:spTree>
-      <p:nvGrpSpPr>
-        <p:cNvPr id="1" name=""/>
-        <p:cNvGrpSpPr/>
-        <p:nvPr/>
-      </p:nvGrpSpPr>
-      <p:grpSpPr>
-        <a:xfrm>
-          <a:off x="0" y="0"/>
-          <a:ext cx="0" cy="0"/>
-          <a:chOff x="0" y="0"/>
-          <a:chExt cx="0" cy="0"/>
-        </a:xfrm>
-      </p:grpSpPr>
-      <p:pic>
-        <p:nvPicPr>
-          <p:cNvPr id="2050" name="Picture 2">
-            <a:extLst>
-              <a:ext uri="{FF2B5EF4-FFF2-40B4-BE49-F238E27FC236}">
-                <a16:creationId xmlns:a16="http://schemas.microsoft.com/office/drawing/2014/main" id="{65A11CE8-1514-5E2D-3358-83AC6E085259}"/>
-              </a:ext>
-            </a:extLst>
-          </p:cNvPr>
-          <p:cNvPicPr>
-            <a:picLocks noChangeAspect="1" noChangeArrowheads="1"/>
-          </p:cNvPicPr>
-          <p:nvPr/>
-        </p:nvPicPr>
-        <p:blipFill>
-          <a:blip r:embed="rId2">
-            <a:extLst>
-              <a:ext uri="{28A0092B-C50C-407E-A947-70E740481C1C}">
-                <a14:useLocalDpi xmlns:a14="http://schemas.microsoft.com/office/drawing/2010/main" val="0"/>
-              </a:ext>
-            </a:extLst>
-          </a:blip>
-          <a:srcRect/>
-          <a:stretch>
-            <a:fillRect/>
-          </a:stretch>
-        </p:blipFill>
-        <p:spPr bwMode="auto">
-          <a:xfrm>
-            <a:off x="3537857" y="1849695"/>
-            <a:ext cx="4231817" cy="4964246"/>
-          </a:xfrm>
-          <a:prstGeom prst="rect">
-            <a:avLst/>
-          </a:prstGeom>
-          <a:noFill/>
-          <a:extLst>
-            <a:ext uri="{909E8E84-426E-40DD-AFC4-6F175D3DCCD1}">
-              <a14:hiddenFill xmlns:a14="http://schemas.microsoft.com/office/drawing/2010/main">
-                <a:solidFill>
-                  <a:srgbClr val="FFFFFF"/>
-                </a:solidFill>
-              </a14:hiddenFill>
-            </a:ext>
-          </a:extLst>
-        </p:spPr>
-      </p:pic>
-      <p:sp>
-        <p:nvSpPr>
-          <p:cNvPr id="2" name="Title 1">
-            <a:extLst>
-              <a:ext uri="{FF2B5EF4-FFF2-40B4-BE49-F238E27FC236}">
-                <a16:creationId xmlns:a16="http://schemas.microsoft.com/office/drawing/2014/main" id="{7E4F19E5-DCB3-4318-AEEA-AD41A70CF8CB}"/>
-              </a:ext>
-            </a:extLst>
-          </p:cNvPr>
-          <p:cNvSpPr>
-            <a:spLocks noGrp="1"/>
-          </p:cNvSpPr>
-          <p:nvPr>
-            <p:ph type="title"/>
-          </p:nvPr>
-        </p:nvSpPr>
-        <p:spPr/>
-        <p:txBody>
-          <a:bodyPr/>
-          <a:lstStyle/>
-          <a:p>
-            <a:r>
-              <a:rPr lang="en-US" dirty="0"/>
-              <a:t>Transformers – Model [3,4]</a:t>
-            </a:r>
-          </a:p>
-        </p:txBody>
-      </p:sp>
-      <p:sp>
-        <p:nvSpPr>
-          <p:cNvPr id="3" name="Content Placeholder 2">
-            <a:extLst>
-              <a:ext uri="{FF2B5EF4-FFF2-40B4-BE49-F238E27FC236}">
-                <a16:creationId xmlns:a16="http://schemas.microsoft.com/office/drawing/2014/main" id="{966FAD1C-77FE-4FF3-A363-4402AFC53D85}"/>
-              </a:ext>
-            </a:extLst>
-          </p:cNvPr>
-          <p:cNvSpPr>
-            <a:spLocks noGrp="1"/>
-          </p:cNvSpPr>
-          <p:nvPr>
-            <p:ph idx="1"/>
-          </p:nvPr>
-        </p:nvSpPr>
-        <p:spPr>
-          <a:xfrm>
-            <a:off x="838200" y="1690688"/>
-            <a:ext cx="5159829" cy="4758127"/>
-          </a:xfrm>
-        </p:spPr>
-        <p:txBody>
-          <a:bodyPr>
-            <a:normAutofit/>
-          </a:bodyPr>
-          <a:lstStyle/>
-          <a:p>
-            <a:r>
-              <a:rPr lang="en-US" dirty="0"/>
-              <a:t>Consists of an encoding / decoding architecture</a:t>
-            </a:r>
-          </a:p>
-          <a:p>
-            <a:pPr marL="0" indent="0">
-              <a:buNone/>
-            </a:pPr>
-            <a:endParaRPr lang="en-US" dirty="0"/>
-          </a:p>
-        </p:txBody>
-      </p:sp>
-      <p:sp>
-        <p:nvSpPr>
-          <p:cNvPr id="4" name="Slide Number Placeholder 3">
-            <a:extLst>
-              <a:ext uri="{FF2B5EF4-FFF2-40B4-BE49-F238E27FC236}">
-                <a16:creationId xmlns:a16="http://schemas.microsoft.com/office/drawing/2014/main" id="{E989CF12-AB08-407C-B037-D420F44A96AA}"/>
-              </a:ext>
-            </a:extLst>
-          </p:cNvPr>
-          <p:cNvSpPr>
-            <a:spLocks noGrp="1"/>
-          </p:cNvSpPr>
-          <p:nvPr>
-            <p:ph type="sldNum" sz="quarter" idx="12"/>
-          </p:nvPr>
-        </p:nvSpPr>
-        <p:spPr/>
-        <p:txBody>
-          <a:bodyPr/>
-          <a:lstStyle/>
-          <a:p>
-            <a:fld id="{17214B29-2612-49B7-BCD5-5B417A3C392C}" type="slidenum">
-              <a:rPr lang="en-US" smtClean="0"/>
-              <a:t>5</a:t>
-            </a:fld>
-            <a:endParaRPr lang="en-US"/>
-          </a:p>
-        </p:txBody>
-      </p:sp>
-      <p:pic>
-        <p:nvPicPr>
-          <p:cNvPr id="7" name="Picture 6"/>
-          <p:cNvPicPr>
-            <a:picLocks noChangeAspect="1"/>
-          </p:cNvPicPr>
-          <p:nvPr/>
-        </p:nvPicPr>
-        <p:blipFill>
-          <a:blip r:embed="rId3"/>
-          <a:stretch>
-            <a:fillRect/>
-          </a:stretch>
-        </p:blipFill>
-        <p:spPr>
-          <a:xfrm>
-            <a:off x="7898281" y="821596"/>
-            <a:ext cx="4088936" cy="6036404"/>
-          </a:xfrm>
-          <a:prstGeom prst="rect">
-            <a:avLst/>
-          </a:prstGeom>
-        </p:spPr>
-      </p:pic>
-    </p:spTree>
-    <p:extLst>
-      <p:ext uri="{BB962C8B-B14F-4D97-AF65-F5344CB8AC3E}">
-        <p14:creationId xmlns:p14="http://schemas.microsoft.com/office/powerpoint/2010/main" val="186432248"/>
-      </p:ext>
-    </p:extLst>
-  </p:cSld>
-  <p:clrMapOvr>
-    <a:masterClrMapping/>
-  </p:clrMapOvr>
-</p:sld>
-</file>
-
-<file path=ppt/slides/slide6.xml><?xml version="1.0" encoding="utf-8"?>
-<p:sld xmlns:a="http://schemas.openxmlformats.org/drawingml/2006/main" xmlns:r="http://schemas.openxmlformats.org/officeDocument/2006/relationships" xmlns:p="http://schemas.openxmlformats.org/presentationml/2006/main">
-  <p:cSld>
-    <p:spTree>
-      <p:nvGrpSpPr>
-        <p:cNvPr id="1" name=""/>
-        <p:cNvGrpSpPr/>
-        <p:nvPr/>
-      </p:nvGrpSpPr>
-      <p:grpSpPr>
-        <a:xfrm>
-          <a:off x="0" y="0"/>
-          <a:ext cx="0" cy="0"/>
-          <a:chOff x="0" y="0"/>
-          <a:chExt cx="0" cy="0"/>
-        </a:xfrm>
-      </p:grpSpPr>
-      <p:sp>
-        <p:nvSpPr>
-          <p:cNvPr id="2" name="Title 1">
-            <a:extLst>
-              <a:ext uri="{FF2B5EF4-FFF2-40B4-BE49-F238E27FC236}">
-                <a16:creationId xmlns:a16="http://schemas.microsoft.com/office/drawing/2014/main" id="{6655A8A6-5672-0E14-5176-CF4CE54C2898}"/>
-              </a:ext>
-            </a:extLst>
-          </p:cNvPr>
-          <p:cNvSpPr>
-            <a:spLocks noGrp="1"/>
-          </p:cNvSpPr>
-          <p:nvPr>
-            <p:ph type="title"/>
-          </p:nvPr>
-        </p:nvSpPr>
-        <p:spPr>
-          <a:xfrm>
-            <a:off x="838199" y="365125"/>
-            <a:ext cx="10686691" cy="1325563"/>
-          </a:xfrm>
-        </p:spPr>
-        <p:txBody>
-          <a:bodyPr>
-            <a:normAutofit/>
-          </a:bodyPr>
-          <a:lstStyle/>
-          <a:p>
-            <a:r>
-              <a:rPr lang="en-US" dirty="0"/>
-              <a:t>Bleu (Bilingual Evaluation Understudy) Score</a:t>
-            </a:r>
-          </a:p>
-        </p:txBody>
-      </p:sp>
-      <p:sp>
-        <p:nvSpPr>
-          <p:cNvPr id="3" name="Content Placeholder 2">
-            <a:extLst>
-              <a:ext uri="{FF2B5EF4-FFF2-40B4-BE49-F238E27FC236}">
-                <a16:creationId xmlns:a16="http://schemas.microsoft.com/office/drawing/2014/main" id="{81D2D611-7761-484D-98B9-9715085BB748}"/>
-              </a:ext>
-            </a:extLst>
-          </p:cNvPr>
-          <p:cNvSpPr>
-            <a:spLocks noGrp="1"/>
-          </p:cNvSpPr>
-          <p:nvPr>
-            <p:ph idx="1"/>
-          </p:nvPr>
-        </p:nvSpPr>
-        <p:spPr/>
-        <p:txBody>
-          <a:bodyPr/>
-          <a:lstStyle/>
-          <a:p>
-            <a:r>
-              <a:rPr lang="en-US" dirty="0"/>
-              <a:t>It is a weighted version of the geometric average of n-grams:</a:t>
-            </a:r>
-          </a:p>
-          <a:p>
-            <a:endParaRPr lang="en-US" dirty="0"/>
-          </a:p>
-          <a:p>
-            <a:pPr indent="0">
-              <a:buNone/>
-            </a:pPr>
-            <a:r>
-              <a:rPr lang="en-US" dirty="0"/>
-              <a:t>where</a:t>
-            </a:r>
-          </a:p>
-          <a:p>
-            <a:endParaRPr lang="en-US" dirty="0"/>
-          </a:p>
-          <a:p>
-            <a:endParaRPr lang="en-US" dirty="0"/>
-          </a:p>
-          <a:p>
-            <a:endParaRPr lang="en-US" dirty="0"/>
-          </a:p>
-          <a:p>
-            <a:endParaRPr lang="en-US" dirty="0"/>
-          </a:p>
-        </p:txBody>
-      </p:sp>
-      <p:sp>
-        <p:nvSpPr>
-          <p:cNvPr id="4" name="Slide Number Placeholder 3">
-            <a:extLst>
-              <a:ext uri="{FF2B5EF4-FFF2-40B4-BE49-F238E27FC236}">
-                <a16:creationId xmlns:a16="http://schemas.microsoft.com/office/drawing/2014/main" id="{426AF488-44D5-FF5B-8EDB-F2ABFF450F0F}"/>
-              </a:ext>
-            </a:extLst>
-          </p:cNvPr>
-          <p:cNvSpPr>
-            <a:spLocks noGrp="1"/>
-          </p:cNvSpPr>
-          <p:nvPr>
-            <p:ph type="sldNum" sz="quarter" idx="12"/>
-          </p:nvPr>
-        </p:nvSpPr>
-        <p:spPr/>
-        <p:txBody>
-          <a:bodyPr/>
-          <a:lstStyle/>
-          <a:p>
-            <a:fld id="{17214B29-2612-49B7-BCD5-5B417A3C392C}" type="slidenum">
-              <a:rPr lang="en-US" smtClean="0"/>
-              <a:t>6</a:t>
-            </a:fld>
-            <a:endParaRPr lang="en-US"/>
-          </a:p>
-        </p:txBody>
-      </p:sp>
-      <p:pic>
-        <p:nvPicPr>
-          <p:cNvPr id="4108" name="Picture 12">
-            <a:extLst>
-              <a:ext uri="{FF2B5EF4-FFF2-40B4-BE49-F238E27FC236}">
-                <a16:creationId xmlns:a16="http://schemas.microsoft.com/office/drawing/2014/main" id="{ABAE5611-3C8C-C57E-BCC6-8150E90A8504}"/>
-              </a:ext>
-            </a:extLst>
-          </p:cNvPr>
-          <p:cNvPicPr>
-            <a:picLocks noChangeAspect="1" noChangeArrowheads="1"/>
-          </p:cNvPicPr>
-          <p:nvPr/>
-        </p:nvPicPr>
-        <p:blipFill>
-          <a:blip r:embed="rId2">
-            <a:extLst>
-              <a:ext uri="{28A0092B-C50C-407E-A947-70E740481C1C}">
-                <a14:useLocalDpi xmlns:a14="http://schemas.microsoft.com/office/drawing/2010/main" val="0"/>
-              </a:ext>
-            </a:extLst>
-          </a:blip>
-          <a:srcRect/>
-          <a:stretch>
-            <a:fillRect/>
-          </a:stretch>
-        </p:blipFill>
-        <p:spPr bwMode="auto">
-          <a:xfrm>
-            <a:off x="4697867" y="3082248"/>
-            <a:ext cx="6581775" cy="1905000"/>
-          </a:xfrm>
-          <a:prstGeom prst="rect">
-            <a:avLst/>
-          </a:prstGeom>
-          <a:noFill/>
-          <a:extLst>
-            <a:ext uri="{909E8E84-426E-40DD-AFC4-6F175D3DCCD1}">
-              <a14:hiddenFill xmlns:a14="http://schemas.microsoft.com/office/drawing/2010/main">
-                <a:solidFill>
-                  <a:srgbClr val="FFFFFF"/>
-                </a:solidFill>
-              </a14:hiddenFill>
-            </a:ext>
-          </a:extLst>
-        </p:spPr>
-      </p:pic>
-      <p:pic>
-        <p:nvPicPr>
-          <p:cNvPr id="4112" name="Picture 16">
-            <a:extLst>
-              <a:ext uri="{FF2B5EF4-FFF2-40B4-BE49-F238E27FC236}">
-                <a16:creationId xmlns:a16="http://schemas.microsoft.com/office/drawing/2014/main" id="{0594B2EB-9B6F-1C6C-732C-03E5599653CA}"/>
-              </a:ext>
-            </a:extLst>
-          </p:cNvPr>
-          <p:cNvPicPr>
-            <a:picLocks noChangeAspect="1" noChangeArrowheads="1"/>
-          </p:cNvPicPr>
-          <p:nvPr/>
-        </p:nvPicPr>
-        <p:blipFill>
-          <a:blip r:embed="rId3">
-            <a:extLst>
-              <a:ext uri="{28A0092B-C50C-407E-A947-70E740481C1C}">
-                <a14:useLocalDpi xmlns:a14="http://schemas.microsoft.com/office/drawing/2010/main" val="0"/>
-              </a:ext>
-            </a:extLst>
-          </a:blip>
-          <a:srcRect/>
-          <a:stretch>
-            <a:fillRect/>
-          </a:stretch>
-        </p:blipFill>
-        <p:spPr bwMode="auto">
-          <a:xfrm>
-            <a:off x="2743881" y="2264229"/>
-            <a:ext cx="7109732" cy="398145"/>
-          </a:xfrm>
-          <a:prstGeom prst="rect">
-            <a:avLst/>
-          </a:prstGeom>
-          <a:noFill/>
-          <a:extLst>
-            <a:ext uri="{909E8E84-426E-40DD-AFC4-6F175D3DCCD1}">
-              <a14:hiddenFill xmlns:a14="http://schemas.microsoft.com/office/drawing/2010/main">
-                <a:solidFill>
-                  <a:srgbClr val="FFFFFF"/>
-                </a:solidFill>
-              </a14:hiddenFill>
-            </a:ext>
-          </a:extLst>
-        </p:spPr>
-      </p:pic>
-      <p:pic>
-        <p:nvPicPr>
-          <p:cNvPr id="6" name="Picture 5">
-            <a:extLst>
-              <a:ext uri="{FF2B5EF4-FFF2-40B4-BE49-F238E27FC236}">
-                <a16:creationId xmlns:a16="http://schemas.microsoft.com/office/drawing/2014/main" id="{2C51BB66-3E32-AF48-1909-FE8B312709AC}"/>
-              </a:ext>
-            </a:extLst>
-          </p:cNvPr>
-          <p:cNvPicPr>
-            <a:picLocks noChangeAspect="1"/>
-          </p:cNvPicPr>
-          <p:nvPr/>
-        </p:nvPicPr>
-        <p:blipFill>
-          <a:blip r:embed="rId4"/>
-          <a:stretch>
-            <a:fillRect/>
-          </a:stretch>
-        </p:blipFill>
-        <p:spPr>
-          <a:xfrm>
-            <a:off x="1401681" y="4001294"/>
-            <a:ext cx="5728461" cy="2277152"/>
-          </a:xfrm>
-          <a:prstGeom prst="rect">
-            <a:avLst/>
-          </a:prstGeom>
-          <a:ln>
-            <a:solidFill>
-              <a:schemeClr val="tx1"/>
-            </a:solidFill>
-          </a:ln>
-        </p:spPr>
-      </p:pic>
-    </p:spTree>
-    <p:extLst>
-      <p:ext uri="{BB962C8B-B14F-4D97-AF65-F5344CB8AC3E}">
-        <p14:creationId xmlns:p14="http://schemas.microsoft.com/office/powerpoint/2010/main" val="4166467394"/>
-      </p:ext>
-    </p:extLst>
-  </p:cSld>
-  <p:clrMapOvr>
-    <a:masterClrMapping/>
-  </p:clrMapOvr>
-</p:sld>
-</file>
-
-<file path=ppt/slides/slide7.xml><?xml version="1.0" encoding="utf-8"?>
-<p:sld xmlns:a="http://schemas.openxmlformats.org/drawingml/2006/main" xmlns:r="http://schemas.openxmlformats.org/officeDocument/2006/relationships" xmlns:p="http://schemas.openxmlformats.org/presentationml/2006/main">
-  <p:cSld>
-    <p:spTree>
-      <p:nvGrpSpPr>
-        <p:cNvPr id="1" name=""/>
-        <p:cNvGrpSpPr/>
-        <p:nvPr/>
-      </p:nvGrpSpPr>
-      <p:grpSpPr>
-        <a:xfrm>
-          <a:off x="0" y="0"/>
-          <a:ext cx="0" cy="0"/>
-          <a:chOff x="0" y="0"/>
-          <a:chExt cx="0" cy="0"/>
-        </a:xfrm>
-      </p:grpSpPr>
-      <p:sp>
-        <p:nvSpPr>
           <p:cNvPr id="2" name="Title 1">
             <a:extLst>
               <a:ext uri="{FF2B5EF4-FFF2-40B4-BE49-F238E27FC236}">
@@ -25006,7 +22841,7 @@
           <a:p>
             <a:fld id="{17214B29-2612-49B7-BCD5-5B417A3C392C}" type="slidenum">
               <a:rPr lang="en-US" smtClean="0"/>
-              <a:t>7</a:t>
+              <a:t>10</a:t>
             </a:fld>
             <a:endParaRPr lang="en-US"/>
           </a:p>
@@ -25289,7 +23124,7 @@
 </p:sld>
 </file>
 
-<file path=ppt/slides/slide8.xml><?xml version="1.0" encoding="utf-8"?>
+<file path=ppt/slides/slide11.xml><?xml version="1.0" encoding="utf-8"?>
 <p:sld xmlns:a="http://schemas.openxmlformats.org/drawingml/2006/main" xmlns:r="http://schemas.openxmlformats.org/officeDocument/2006/relationships" xmlns:p="http://schemas.openxmlformats.org/presentationml/2006/main">
   <p:cSld>
     <p:spTree>
@@ -25323,7 +23158,7 @@
           <a:p>
             <a:r>
               <a:rPr lang="en-US" dirty="0"/>
-              <a:t>Transformers – Results [3]</a:t>
+              <a:t>Transformers – NLP Results</a:t>
             </a:r>
           </a:p>
         </p:txBody>
@@ -25372,7 +23207,7 @@
           <a:p>
             <a:fld id="{17214B29-2612-49B7-BCD5-5B417A3C392C}" type="slidenum">
               <a:rPr lang="en-US" smtClean="0"/>
-              <a:t>8</a:t>
+              <a:t>11</a:t>
             </a:fld>
             <a:endParaRPr lang="en-US"/>
           </a:p>
@@ -25415,7 +23250,7 @@
 </p:sld>
 </file>
 
-<file path=ppt/slides/slide9.xml><?xml version="1.0" encoding="utf-8"?>
+<file path=ppt/slides/slide12.xml><?xml version="1.0" encoding="utf-8"?>
 <p:sld xmlns:a="http://schemas.openxmlformats.org/drawingml/2006/main" xmlns:r="http://schemas.openxmlformats.org/officeDocument/2006/relationships" xmlns:p="http://schemas.openxmlformats.org/presentationml/2006/main">
   <p:cSld>
     <p:spTree>
@@ -25449,7 +23284,7 @@
           <a:p>
             <a:r>
               <a:rPr lang="en-US" dirty="0"/>
-              <a:t>Transformers for Image Classification [5]</a:t>
+              <a:t>Transformers – Computer Vision*</a:t>
             </a:r>
           </a:p>
         </p:txBody>
@@ -25510,7 +23345,7 @@
           <a:p>
             <a:fld id="{17214B29-2612-49B7-BCD5-5B417A3C392C}" type="slidenum">
               <a:rPr lang="en-US" smtClean="0"/>
-              <a:t>9</a:t>
+              <a:t>12</a:t>
             </a:fld>
             <a:endParaRPr lang="en-US"/>
           </a:p>
@@ -25540,10 +23375,4692 @@
           </a:prstGeom>
         </p:spPr>
       </p:pic>
+      <p:sp>
+        <p:nvSpPr>
+          <p:cNvPr id="6" name="TextBox 5">
+            <a:extLst>
+              <a:ext uri="{FF2B5EF4-FFF2-40B4-BE49-F238E27FC236}">
+                <a16:creationId xmlns:a16="http://schemas.microsoft.com/office/drawing/2014/main" id="{CAD208D9-C467-FFD9-3726-24486E7DED22}"/>
+              </a:ext>
+            </a:extLst>
+          </p:cNvPr>
+          <p:cNvSpPr txBox="1"/>
+          <p:nvPr/>
+        </p:nvSpPr>
+        <p:spPr>
+          <a:xfrm>
+            <a:off x="379384" y="6550223"/>
+            <a:ext cx="8028214" cy="307777"/>
+          </a:xfrm>
+          <a:prstGeom prst="rect">
+            <a:avLst/>
+          </a:prstGeom>
+          <a:noFill/>
+        </p:spPr>
+        <p:txBody>
+          <a:bodyPr wrap="square">
+            <a:spAutoFit/>
+          </a:bodyPr>
+          <a:lstStyle/>
+          <a:p>
+            <a:r>
+              <a:rPr lang="en-US" sz="1400" dirty="0"/>
+              <a:t>* A. </a:t>
+            </a:r>
+            <a:r>
+              <a:rPr lang="en-US" sz="1400" dirty="0" err="1"/>
+              <a:t>Dosovitskiy</a:t>
+            </a:r>
+            <a:r>
+              <a:rPr lang="en-US" sz="1400" dirty="0"/>
+              <a:t> et al, “An Image is Worth 16x16 Words: Transformers for Image Recognition at Scale”, 2021</a:t>
+            </a:r>
+          </a:p>
+        </p:txBody>
+      </p:sp>
     </p:spTree>
     <p:extLst>
       <p:ext uri="{BB962C8B-B14F-4D97-AF65-F5344CB8AC3E}">
         <p14:creationId xmlns:p14="http://schemas.microsoft.com/office/powerpoint/2010/main" val="2377937035"/>
+      </p:ext>
+    </p:extLst>
+  </p:cSld>
+  <p:clrMapOvr>
+    <a:masterClrMapping/>
+  </p:clrMapOvr>
+</p:sld>
+</file>
+
+<file path=ppt/slides/slide13.xml><?xml version="1.0" encoding="utf-8"?>
+<p:sld xmlns:a="http://schemas.openxmlformats.org/drawingml/2006/main" xmlns:r="http://schemas.openxmlformats.org/officeDocument/2006/relationships" xmlns:p="http://schemas.openxmlformats.org/presentationml/2006/main">
+  <p:cSld>
+    <p:spTree>
+      <p:nvGrpSpPr>
+        <p:cNvPr id="1" name=""/>
+        <p:cNvGrpSpPr/>
+        <p:nvPr/>
+      </p:nvGrpSpPr>
+      <p:grpSpPr>
+        <a:xfrm>
+          <a:off x="0" y="0"/>
+          <a:ext cx="0" cy="0"/>
+          <a:chOff x="0" y="0"/>
+          <a:chExt cx="0" cy="0"/>
+        </a:xfrm>
+      </p:grpSpPr>
+      <p:sp>
+        <p:nvSpPr>
+          <p:cNvPr id="2" name="Title 1"/>
+          <p:cNvSpPr>
+            <a:spLocks noGrp="1"/>
+          </p:cNvSpPr>
+          <p:nvPr>
+            <p:ph type="title"/>
+          </p:nvPr>
+        </p:nvSpPr>
+        <p:spPr/>
+        <p:txBody>
+          <a:bodyPr/>
+          <a:lstStyle/>
+          <a:p>
+            <a:r>
+              <a:rPr lang="en-US" dirty="0"/>
+              <a:t>Transformers – Computer Vision</a:t>
+            </a:r>
+          </a:p>
+        </p:txBody>
+      </p:sp>
+      <p:sp>
+        <p:nvSpPr>
+          <p:cNvPr id="3" name="Content Placeholder 2"/>
+          <p:cNvSpPr>
+            <a:spLocks noGrp="1"/>
+          </p:cNvSpPr>
+          <p:nvPr>
+            <p:ph idx="1"/>
+          </p:nvPr>
+        </p:nvSpPr>
+        <p:spPr>
+          <a:xfrm>
+            <a:off x="838200" y="1825625"/>
+            <a:ext cx="8195268" cy="4351338"/>
+          </a:xfrm>
+        </p:spPr>
+        <p:txBody>
+          <a:bodyPr/>
+          <a:lstStyle/>
+          <a:p>
+            <a:r>
+              <a:rPr lang="en-US" dirty="0"/>
+              <a:t>Compared models against ResNet152 (60 million parameters):</a:t>
+            </a:r>
+          </a:p>
+          <a:p>
+            <a:endParaRPr lang="en-US" dirty="0"/>
+          </a:p>
+          <a:p>
+            <a:endParaRPr lang="en-US" dirty="0"/>
+          </a:p>
+          <a:p>
+            <a:endParaRPr lang="en-US" dirty="0"/>
+          </a:p>
+          <a:p>
+            <a:endParaRPr lang="en-US" dirty="0"/>
+          </a:p>
+          <a:p>
+            <a:r>
+              <a:rPr lang="en-US" dirty="0"/>
+              <a:t>Accuracy of network on ImageNet is 88.55% compared to ResNet152 at 87.54%.</a:t>
+            </a:r>
+          </a:p>
+          <a:p>
+            <a:endParaRPr lang="en-US" dirty="0"/>
+          </a:p>
+        </p:txBody>
+      </p:sp>
+      <p:sp>
+        <p:nvSpPr>
+          <p:cNvPr id="4" name="Slide Number Placeholder 3"/>
+          <p:cNvSpPr>
+            <a:spLocks noGrp="1"/>
+          </p:cNvSpPr>
+          <p:nvPr>
+            <p:ph type="sldNum" sz="quarter" idx="12"/>
+          </p:nvPr>
+        </p:nvSpPr>
+        <p:spPr/>
+        <p:txBody>
+          <a:bodyPr/>
+          <a:lstStyle/>
+          <a:p>
+            <a:fld id="{17214B29-2612-49B7-BCD5-5B417A3C392C}" type="slidenum">
+              <a:rPr lang="en-US" smtClean="0"/>
+              <a:t>13</a:t>
+            </a:fld>
+            <a:endParaRPr lang="en-US"/>
+          </a:p>
+        </p:txBody>
+      </p:sp>
+      <p:pic>
+        <p:nvPicPr>
+          <p:cNvPr id="5" name="Picture 4"/>
+          <p:cNvPicPr>
+            <a:picLocks noChangeAspect="1"/>
+          </p:cNvPicPr>
+          <p:nvPr/>
+        </p:nvPicPr>
+        <p:blipFill>
+          <a:blip r:embed="rId2"/>
+          <a:stretch>
+            <a:fillRect/>
+          </a:stretch>
+        </p:blipFill>
+        <p:spPr>
+          <a:xfrm>
+            <a:off x="9178825" y="1690688"/>
+            <a:ext cx="2676899" cy="4448796"/>
+          </a:xfrm>
+          <a:prstGeom prst="rect">
+            <a:avLst/>
+          </a:prstGeom>
+        </p:spPr>
+      </p:pic>
+      <p:pic>
+        <p:nvPicPr>
+          <p:cNvPr id="6" name="Picture 5"/>
+          <p:cNvPicPr>
+            <a:picLocks noChangeAspect="1"/>
+          </p:cNvPicPr>
+          <p:nvPr/>
+        </p:nvPicPr>
+        <p:blipFill>
+          <a:blip r:embed="rId3"/>
+          <a:stretch>
+            <a:fillRect/>
+          </a:stretch>
+        </p:blipFill>
+        <p:spPr>
+          <a:xfrm>
+            <a:off x="1589695" y="2409926"/>
+            <a:ext cx="7020905" cy="1505160"/>
+          </a:xfrm>
+          <a:prstGeom prst="rect">
+            <a:avLst/>
+          </a:prstGeom>
+        </p:spPr>
+      </p:pic>
+    </p:spTree>
+    <p:extLst>
+      <p:ext uri="{BB962C8B-B14F-4D97-AF65-F5344CB8AC3E}">
+        <p14:creationId xmlns:p14="http://schemas.microsoft.com/office/powerpoint/2010/main" val="3810792061"/>
+      </p:ext>
+    </p:extLst>
+  </p:cSld>
+  <p:clrMapOvr>
+    <a:masterClrMapping/>
+  </p:clrMapOvr>
+</p:sld>
+</file>
+
+<file path=ppt/slides/slide14.xml><?xml version="1.0" encoding="utf-8"?>
+<p:sld xmlns:a="http://schemas.openxmlformats.org/drawingml/2006/main" xmlns:r="http://schemas.openxmlformats.org/officeDocument/2006/relationships" xmlns:p="http://schemas.openxmlformats.org/presentationml/2006/main">
+  <p:cSld>
+    <p:spTree>
+      <p:nvGrpSpPr>
+        <p:cNvPr id="1" name=""/>
+        <p:cNvGrpSpPr/>
+        <p:nvPr/>
+      </p:nvGrpSpPr>
+      <p:grpSpPr>
+        <a:xfrm>
+          <a:off x="0" y="0"/>
+          <a:ext cx="0" cy="0"/>
+          <a:chOff x="0" y="0"/>
+          <a:chExt cx="0" cy="0"/>
+        </a:xfrm>
+      </p:grpSpPr>
+      <p:sp>
+        <p:nvSpPr>
+          <p:cNvPr id="24" name="Title 23">
+            <a:extLst>
+              <a:ext uri="{FF2B5EF4-FFF2-40B4-BE49-F238E27FC236}">
+                <a16:creationId xmlns:a16="http://schemas.microsoft.com/office/drawing/2014/main" id="{AD2C8D04-263D-9589-1CFF-A5968D7C33D7}"/>
+              </a:ext>
+            </a:extLst>
+          </p:cNvPr>
+          <p:cNvSpPr>
+            <a:spLocks noGrp="1"/>
+          </p:cNvSpPr>
+          <p:nvPr>
+            <p:ph type="title"/>
+          </p:nvPr>
+        </p:nvSpPr>
+        <p:spPr/>
+        <p:txBody>
+          <a:bodyPr/>
+          <a:lstStyle/>
+          <a:p>
+            <a:r>
+              <a:rPr lang="en-US" dirty="0"/>
+              <a:t>Thank you</a:t>
+            </a:r>
+          </a:p>
+        </p:txBody>
+      </p:sp>
+      <p:pic>
+        <p:nvPicPr>
+          <p:cNvPr id="14" name="图片占位符 13" descr="People working in office">
+            <a:extLst>
+              <a:ext uri="{FF2B5EF4-FFF2-40B4-BE49-F238E27FC236}">
+                <a16:creationId xmlns:a16="http://schemas.microsoft.com/office/drawing/2014/main" id="{496155F4-61B2-441D-9F16-788866450DA2}"/>
+              </a:ext>
+            </a:extLst>
+          </p:cNvPr>
+          <p:cNvPicPr>
+            <a:picLocks noGrp="1" noChangeAspect="1"/>
+          </p:cNvPicPr>
+          <p:nvPr>
+            <p:ph type="pic" sz="quarter" idx="49"/>
+          </p:nvPr>
+        </p:nvPicPr>
+        <p:blipFill rotWithShape="1">
+          <a:blip r:embed="rId2" cstate="print">
+            <a:extLst>
+              <a:ext uri="{28A0092B-C50C-407E-A947-70E740481C1C}">
+                <a14:useLocalDpi xmlns:a14="http://schemas.microsoft.com/office/drawing/2010/main"/>
+              </a:ext>
+            </a:extLst>
+          </a:blip>
+          <a:srcRect/>
+          <a:stretch/>
+        </p:blipFill>
+        <p:spPr/>
+      </p:pic>
+      <p:pic>
+        <p:nvPicPr>
+          <p:cNvPr id="16" name="图片占位符 15" descr="People in an office discussing work over a laptop&#10;">
+            <a:extLst>
+              <a:ext uri="{FF2B5EF4-FFF2-40B4-BE49-F238E27FC236}">
+                <a16:creationId xmlns:a16="http://schemas.microsoft.com/office/drawing/2014/main" id="{BCD5762E-DD49-42B3-9CA8-46A4AD7193E2}"/>
+              </a:ext>
+            </a:extLst>
+          </p:cNvPr>
+          <p:cNvPicPr>
+            <a:picLocks noGrp="1" noChangeAspect="1"/>
+          </p:cNvPicPr>
+          <p:nvPr>
+            <p:ph type="pic" sz="quarter" idx="48"/>
+          </p:nvPr>
+        </p:nvPicPr>
+        <p:blipFill rotWithShape="1">
+          <a:blip r:embed="rId3" cstate="print">
+            <a:extLst>
+              <a:ext uri="{28A0092B-C50C-407E-A947-70E740481C1C}">
+                <a14:useLocalDpi xmlns:a14="http://schemas.microsoft.com/office/drawing/2010/main"/>
+              </a:ext>
+            </a:extLst>
+          </a:blip>
+          <a:srcRect/>
+          <a:stretch/>
+        </p:blipFill>
+        <p:spPr/>
+      </p:pic>
+      <p:pic>
+        <p:nvPicPr>
+          <p:cNvPr id="18" name="图片占位符 17" descr="Layout of website design sketches on white paper">
+            <a:extLst>
+              <a:ext uri="{FF2B5EF4-FFF2-40B4-BE49-F238E27FC236}">
+                <a16:creationId xmlns:a16="http://schemas.microsoft.com/office/drawing/2014/main" id="{1051CD21-1408-4D13-BF0B-0D7013AD2D0C}"/>
+              </a:ext>
+            </a:extLst>
+          </p:cNvPr>
+          <p:cNvPicPr>
+            <a:picLocks noGrp="1" noChangeAspect="1"/>
+          </p:cNvPicPr>
+          <p:nvPr>
+            <p:ph type="pic" sz="quarter" idx="51"/>
+          </p:nvPr>
+        </p:nvPicPr>
+        <p:blipFill rotWithShape="1">
+          <a:blip r:embed="rId4" cstate="print">
+            <a:extLst>
+              <a:ext uri="{28A0092B-C50C-407E-A947-70E740481C1C}">
+                <a14:useLocalDpi xmlns:a14="http://schemas.microsoft.com/office/drawing/2010/main"/>
+              </a:ext>
+            </a:extLst>
+          </a:blip>
+          <a:srcRect/>
+          <a:stretch/>
+        </p:blipFill>
+        <p:spPr/>
+      </p:pic>
+      <p:sp>
+        <p:nvSpPr>
+          <p:cNvPr id="25" name="Text Placeholder 24">
+            <a:extLst>
+              <a:ext uri="{FF2B5EF4-FFF2-40B4-BE49-F238E27FC236}">
+                <a16:creationId xmlns:a16="http://schemas.microsoft.com/office/drawing/2014/main" id="{B993E4D5-4AD0-4740-096D-6822944C8FF6}"/>
+              </a:ext>
+            </a:extLst>
+          </p:cNvPr>
+          <p:cNvSpPr>
+            <a:spLocks noGrp="1"/>
+          </p:cNvSpPr>
+          <p:nvPr>
+            <p:ph type="body" sz="quarter" idx="27"/>
+          </p:nvPr>
+        </p:nvSpPr>
+        <p:spPr>
+          <a:xfrm>
+            <a:off x="6096000" y="3093990"/>
+            <a:ext cx="4247072" cy="1879791"/>
+          </a:xfrm>
+        </p:spPr>
+        <p:txBody>
+          <a:bodyPr/>
+          <a:lstStyle/>
+          <a:p>
+            <a:r>
+              <a:rPr lang="en-US" dirty="0"/>
+              <a:t>Edgar Lobaton</a:t>
+            </a:r>
+          </a:p>
+          <a:p>
+            <a:pPr lvl="0"/>
+            <a:r>
+              <a:rPr lang="en-US" dirty="0"/>
+              <a:t>edgar.lobaton@ncsu.edu</a:t>
+            </a:r>
+          </a:p>
+          <a:p>
+            <a:pPr lvl="0"/>
+            <a:r>
+              <a:rPr lang="en-US" dirty="0"/>
+              <a:t>https://research.ece.ncsu.edu/aros/</a:t>
+            </a:r>
+          </a:p>
+        </p:txBody>
+      </p:sp>
+      <p:pic>
+        <p:nvPicPr>
+          <p:cNvPr id="28" name="Picture Placeholder 27" descr="Businesswoman reviewing sticky notes on a wall">
+            <a:extLst>
+              <a:ext uri="{FF2B5EF4-FFF2-40B4-BE49-F238E27FC236}">
+                <a16:creationId xmlns:a16="http://schemas.microsoft.com/office/drawing/2014/main" id="{B746A775-E65C-70F6-9DB4-E51F7F2DAECE}"/>
+              </a:ext>
+            </a:extLst>
+          </p:cNvPr>
+          <p:cNvPicPr>
+            <a:picLocks noGrp="1" noChangeAspect="1"/>
+          </p:cNvPicPr>
+          <p:nvPr>
+            <p:ph type="pic" sz="quarter" idx="50"/>
+          </p:nvPr>
+        </p:nvPicPr>
+        <p:blipFill>
+          <a:blip r:embed="rId5" cstate="print">
+            <a:extLst>
+              <a:ext uri="{28A0092B-C50C-407E-A947-70E740481C1C}">
+                <a14:useLocalDpi xmlns:a14="http://schemas.microsoft.com/office/drawing/2010/main"/>
+              </a:ext>
+            </a:extLst>
+          </a:blip>
+          <a:srcRect/>
+          <a:stretch>
+            <a:fillRect/>
+          </a:stretch>
+        </p:blipFill>
+        <p:spPr/>
+      </p:pic>
+    </p:spTree>
+    <p:extLst>
+      <p:ext uri="{BB962C8B-B14F-4D97-AF65-F5344CB8AC3E}">
+        <p14:creationId xmlns:p14="http://schemas.microsoft.com/office/powerpoint/2010/main" val="529279411"/>
+      </p:ext>
+    </p:extLst>
+  </p:cSld>
+  <p:clrMapOvr>
+    <a:masterClrMapping/>
+  </p:clrMapOvr>
+</p:sld>
+</file>
+
+<file path=ppt/slides/slide2.xml><?xml version="1.0" encoding="utf-8"?>
+<p:sld xmlns:a="http://schemas.openxmlformats.org/drawingml/2006/main" xmlns:r="http://schemas.openxmlformats.org/officeDocument/2006/relationships" xmlns:p="http://schemas.openxmlformats.org/presentationml/2006/main">
+  <p:cSld>
+    <p:spTree>
+      <p:nvGrpSpPr>
+        <p:cNvPr id="1" name=""/>
+        <p:cNvGrpSpPr/>
+        <p:nvPr/>
+      </p:nvGrpSpPr>
+      <p:grpSpPr>
+        <a:xfrm>
+          <a:off x="0" y="0"/>
+          <a:ext cx="0" cy="0"/>
+          <a:chOff x="0" y="0"/>
+          <a:chExt cx="0" cy="0"/>
+        </a:xfrm>
+      </p:grpSpPr>
+      <p:sp>
+        <p:nvSpPr>
+          <p:cNvPr id="2" name="Title 1"/>
+          <p:cNvSpPr>
+            <a:spLocks noGrp="1"/>
+          </p:cNvSpPr>
+          <p:nvPr>
+            <p:ph type="title"/>
+          </p:nvPr>
+        </p:nvSpPr>
+        <p:spPr/>
+        <p:txBody>
+          <a:bodyPr/>
+          <a:lstStyle/>
+          <a:p>
+            <a:r>
+              <a:rPr lang="en-US" dirty="0"/>
+              <a:t>Transformers - Motivation</a:t>
+            </a:r>
+          </a:p>
+        </p:txBody>
+      </p:sp>
+      <p:sp>
+        <p:nvSpPr>
+          <p:cNvPr id="5" name="Content Placeholder 4"/>
+          <p:cNvSpPr>
+            <a:spLocks noGrp="1"/>
+          </p:cNvSpPr>
+          <p:nvPr>
+            <p:ph idx="1"/>
+          </p:nvPr>
+        </p:nvSpPr>
+        <p:spPr>
+          <a:xfrm>
+            <a:off x="838200" y="1825624"/>
+            <a:ext cx="10515600" cy="4825341"/>
+          </a:xfrm>
+        </p:spPr>
+        <p:txBody>
+          <a:bodyPr>
+            <a:normAutofit/>
+          </a:bodyPr>
+          <a:lstStyle/>
+          <a:p>
+            <a:pPr>
+              <a:lnSpc>
+                <a:spcPct val="110000"/>
+              </a:lnSpc>
+            </a:pPr>
+            <a:r>
+              <a:rPr lang="en-US" sz="2400" dirty="0"/>
+              <a:t>CNNs and RNNs allow for the integration of information on a neighborhood but they are limited on the support of their context. Even LSTMs are not good at finding relationships that are far away.</a:t>
+            </a:r>
+          </a:p>
+          <a:p>
+            <a:pPr>
+              <a:lnSpc>
+                <a:spcPct val="110000"/>
+              </a:lnSpc>
+            </a:pPr>
+            <a:r>
+              <a:rPr lang="en-US" sz="2400" dirty="0"/>
+              <a:t>Training in RNNs is sequential and prone to vanishing gradients.</a:t>
+            </a:r>
+          </a:p>
+          <a:p>
+            <a:pPr>
+              <a:lnSpc>
+                <a:spcPct val="110000"/>
+              </a:lnSpc>
+            </a:pPr>
+            <a:r>
+              <a:rPr lang="en-US" sz="2400" b="1" dirty="0"/>
+              <a:t>Attention</a:t>
+            </a:r>
+            <a:r>
+              <a:rPr lang="en-US" sz="2400" dirty="0"/>
+              <a:t> is a mechanisms that has been used to improve performance in RNNs.</a:t>
+            </a:r>
+          </a:p>
+          <a:p>
+            <a:pPr>
+              <a:lnSpc>
+                <a:spcPct val="110000"/>
+              </a:lnSpc>
+            </a:pPr>
+            <a:r>
+              <a:rPr lang="en-US" sz="2400" b="1" dirty="0"/>
+              <a:t>Transformers </a:t>
+            </a:r>
+            <a:r>
+              <a:rPr lang="en-US" sz="2400" dirty="0"/>
+              <a:t>make use of </a:t>
+            </a:r>
+            <a:r>
+              <a:rPr lang="en-US" sz="2400" b="1" dirty="0"/>
+              <a:t>self-attention </a:t>
+            </a:r>
+            <a:r>
+              <a:rPr lang="en-US" sz="2400" dirty="0"/>
+              <a:t>to encode the represent of their input while capturing the long-range relations.</a:t>
+            </a:r>
+          </a:p>
+          <a:p>
+            <a:pPr>
+              <a:lnSpc>
+                <a:spcPct val="110000"/>
+              </a:lnSpc>
+            </a:pPr>
+            <a:r>
+              <a:rPr lang="en-US" sz="2400" dirty="0"/>
+              <a:t>This framework was original applied to NLP.</a:t>
+            </a:r>
+          </a:p>
+        </p:txBody>
+      </p:sp>
+      <p:sp>
+        <p:nvSpPr>
+          <p:cNvPr id="4" name="Slide Number Placeholder 3"/>
+          <p:cNvSpPr>
+            <a:spLocks noGrp="1"/>
+          </p:cNvSpPr>
+          <p:nvPr>
+            <p:ph type="sldNum" sz="quarter" idx="12"/>
+          </p:nvPr>
+        </p:nvSpPr>
+        <p:spPr/>
+        <p:txBody>
+          <a:bodyPr/>
+          <a:lstStyle/>
+          <a:p>
+            <a:pPr>
+              <a:defRPr/>
+            </a:pPr>
+            <a:fld id="{3FF2C605-4958-CF43-AA48-80339EFDB0AF}" type="slidenum">
+              <a:rPr lang="en-US" smtClean="0"/>
+              <a:pPr>
+                <a:defRPr/>
+              </a:pPr>
+              <a:t>2</a:t>
+            </a:fld>
+            <a:endParaRPr lang="en-US"/>
+          </a:p>
+        </p:txBody>
+      </p:sp>
+    </p:spTree>
+    <p:extLst>
+      <p:ext uri="{BB962C8B-B14F-4D97-AF65-F5344CB8AC3E}">
+        <p14:creationId xmlns:p14="http://schemas.microsoft.com/office/powerpoint/2010/main" val="3288624539"/>
+      </p:ext>
+    </p:extLst>
+  </p:cSld>
+  <p:clrMapOvr>
+    <a:masterClrMapping/>
+  </p:clrMapOvr>
+</p:sld>
+</file>
+
+<file path=ppt/slides/slide3.xml><?xml version="1.0" encoding="utf-8"?>
+<p:sld xmlns:a="http://schemas.openxmlformats.org/drawingml/2006/main" xmlns:r="http://schemas.openxmlformats.org/officeDocument/2006/relationships" xmlns:p="http://schemas.openxmlformats.org/presentationml/2006/main">
+  <p:cSld>
+    <p:spTree>
+      <p:nvGrpSpPr>
+        <p:cNvPr id="1" name=""/>
+        <p:cNvGrpSpPr/>
+        <p:nvPr/>
+      </p:nvGrpSpPr>
+      <p:grpSpPr>
+        <a:xfrm>
+          <a:off x="0" y="0"/>
+          <a:ext cx="0" cy="0"/>
+          <a:chOff x="0" y="0"/>
+          <a:chExt cx="0" cy="0"/>
+        </a:xfrm>
+      </p:grpSpPr>
+      <p:sp>
+        <p:nvSpPr>
+          <p:cNvPr id="2" name="Title 1">
+            <a:extLst>
+              <a:ext uri="{FF2B5EF4-FFF2-40B4-BE49-F238E27FC236}">
+                <a16:creationId xmlns:a16="http://schemas.microsoft.com/office/drawing/2014/main" id="{2EA46EF3-58CC-4A53-B793-C9F77107E807}"/>
+              </a:ext>
+            </a:extLst>
+          </p:cNvPr>
+          <p:cNvSpPr>
+            <a:spLocks noGrp="1"/>
+          </p:cNvSpPr>
+          <p:nvPr>
+            <p:ph type="title"/>
+          </p:nvPr>
+        </p:nvSpPr>
+        <p:spPr/>
+        <p:txBody>
+          <a:bodyPr/>
+          <a:lstStyle/>
+          <a:p>
+            <a:r>
+              <a:rPr lang="en-US" dirty="0"/>
+              <a:t>An Example of Global Attention*</a:t>
+            </a:r>
+          </a:p>
+        </p:txBody>
+      </p:sp>
+      <mc:AlternateContent xmlns:mc="http://schemas.openxmlformats.org/markup-compatibility/2006" xmlns:a14="http://schemas.microsoft.com/office/drawing/2010/main">
+        <mc:Choice Requires="a14">
+          <p:sp>
+            <p:nvSpPr>
+              <p:cNvPr id="3" name="Content Placeholder 2">
+                <a:extLst>
+                  <a:ext uri="{FF2B5EF4-FFF2-40B4-BE49-F238E27FC236}">
+                    <a16:creationId xmlns:a16="http://schemas.microsoft.com/office/drawing/2014/main" id="{26AEE493-2925-4569-B4CD-B6B84050BD4D}"/>
+                  </a:ext>
+                </a:extLst>
+              </p:cNvPr>
+              <p:cNvSpPr>
+                <a:spLocks noGrp="1"/>
+              </p:cNvSpPr>
+              <p:nvPr>
+                <p:ph idx="1"/>
+              </p:nvPr>
+            </p:nvSpPr>
+            <p:spPr>
+              <a:xfrm>
+                <a:off x="838200" y="1825625"/>
+                <a:ext cx="7013594" cy="4351338"/>
+              </a:xfrm>
+            </p:spPr>
+            <p:txBody>
+              <a:bodyPr>
+                <a:normAutofit/>
+              </a:bodyPr>
+              <a:lstStyle/>
+              <a:p>
+                <a:pPr>
+                  <a:spcAft>
+                    <a:spcPts val="1200"/>
+                  </a:spcAft>
+                </a:pPr>
+                <a:r>
+                  <a:rPr lang="en-US" dirty="0"/>
+                  <a:t>The goal is to translate a sentence</a:t>
+                </a:r>
+              </a:p>
+              <a:p>
+                <a:pPr>
+                  <a:spcAft>
+                    <a:spcPts val="1200"/>
+                  </a:spcAft>
+                </a:pPr>
+                <a:r>
+                  <a:rPr lang="en-US" dirty="0"/>
+                  <a:t>We define the </a:t>
+                </a:r>
+                <a:r>
+                  <a:rPr lang="en-US" b="1" dirty="0"/>
+                  <a:t>conditional probability of generating a word in the translation </a:t>
+                </a:r>
+                <a:r>
+                  <a:rPr lang="en-US" dirty="0"/>
+                  <a:t>as</a:t>
+                </a:r>
+              </a:p>
+              <a:p>
+                <a:pPr marL="0" indent="0">
+                  <a:buNone/>
+                </a:pPr>
+                <a14:m>
+                  <m:oMathPara xmlns:m="http://schemas.openxmlformats.org/officeDocument/2006/math">
+                    <m:oMathParaPr>
+                      <m:jc m:val="centerGroup"/>
+                    </m:oMathParaPr>
+                    <m:oMath xmlns:m="http://schemas.openxmlformats.org/officeDocument/2006/math">
+                      <m:r>
+                        <a:rPr lang="en-US" b="0" i="1" smtClean="0">
+                          <a:latin typeface="Cambria Math" panose="02040503050406030204" pitchFamily="18" charset="0"/>
+                        </a:rPr>
+                        <m:t>𝑝</m:t>
+                      </m:r>
+                      <m:d>
+                        <m:dPr>
+                          <m:ctrlPr>
+                            <a:rPr lang="en-US" b="0" i="1" smtClean="0">
+                              <a:latin typeface="Cambria Math" panose="02040503050406030204" pitchFamily="18" charset="0"/>
+                            </a:rPr>
+                          </m:ctrlPr>
+                        </m:dPr>
+                        <m:e>
+                          <m:sSub>
+                            <m:sSubPr>
+                              <m:ctrlPr>
+                                <a:rPr lang="en-US" b="0" i="1" smtClean="0">
+                                  <a:latin typeface="Cambria Math" panose="02040503050406030204" pitchFamily="18" charset="0"/>
+                                </a:rPr>
+                              </m:ctrlPr>
+                            </m:sSubPr>
+                            <m:e>
+                              <m:r>
+                                <a:rPr lang="en-US" b="0" i="1" smtClean="0">
+                                  <a:latin typeface="Cambria Math" panose="02040503050406030204" pitchFamily="18" charset="0"/>
+                                </a:rPr>
+                                <m:t>𝑦</m:t>
+                              </m:r>
+                            </m:e>
+                            <m:sub>
+                              <m:r>
+                                <a:rPr lang="en-US" b="0" i="1" smtClean="0">
+                                  <a:latin typeface="Cambria Math" panose="02040503050406030204" pitchFamily="18" charset="0"/>
+                                </a:rPr>
+                                <m:t>𝑡</m:t>
+                              </m:r>
+                            </m:sub>
+                          </m:sSub>
+                        </m:e>
+                        <m:e>
+                          <m:sSub>
+                            <m:sSubPr>
+                              <m:ctrlPr>
+                                <a:rPr lang="en-US" b="0" i="1" smtClean="0">
+                                  <a:latin typeface="Cambria Math" panose="02040503050406030204" pitchFamily="18" charset="0"/>
+                                </a:rPr>
+                              </m:ctrlPr>
+                            </m:sSubPr>
+                            <m:e>
+                              <m:r>
+                                <a:rPr lang="en-US" b="0" i="1" smtClean="0">
+                                  <a:latin typeface="Cambria Math" panose="02040503050406030204" pitchFamily="18" charset="0"/>
+                                </a:rPr>
+                                <m:t>𝑦</m:t>
+                              </m:r>
+                            </m:e>
+                            <m:sub>
+                              <m:r>
+                                <a:rPr lang="en-US" b="0" i="1" smtClean="0">
+                                  <a:latin typeface="Cambria Math" panose="02040503050406030204" pitchFamily="18" charset="0"/>
+                                </a:rPr>
+                                <m:t>1:</m:t>
+                              </m:r>
+                              <m:r>
+                                <a:rPr lang="en-US" b="0" i="1" smtClean="0">
+                                  <a:latin typeface="Cambria Math" panose="02040503050406030204" pitchFamily="18" charset="0"/>
+                                </a:rPr>
+                                <m:t>𝑡</m:t>
+                              </m:r>
+                              <m:r>
+                                <a:rPr lang="en-US" b="0" i="1" smtClean="0">
+                                  <a:latin typeface="Cambria Math" panose="02040503050406030204" pitchFamily="18" charset="0"/>
+                                </a:rPr>
+                                <m:t>−1</m:t>
+                              </m:r>
+                            </m:sub>
+                          </m:sSub>
+                          <m:r>
+                            <a:rPr lang="en-US" b="0" i="1" smtClean="0">
+                              <a:latin typeface="Cambria Math" panose="02040503050406030204" pitchFamily="18" charset="0"/>
+                            </a:rPr>
+                            <m:t>,</m:t>
+                          </m:r>
+                          <m:r>
+                            <a:rPr lang="en-US" b="0" i="1" smtClean="0">
+                              <a:latin typeface="Cambria Math" panose="02040503050406030204" pitchFamily="18" charset="0"/>
+                            </a:rPr>
+                            <m:t>𝑥</m:t>
+                          </m:r>
+                        </m:e>
+                      </m:d>
+                      <m:r>
+                        <a:rPr lang="en-US" b="0" i="1" smtClean="0">
+                          <a:latin typeface="Cambria Math" panose="02040503050406030204" pitchFamily="18" charset="0"/>
+                        </a:rPr>
+                        <m:t>=</m:t>
+                      </m:r>
+                      <m:r>
+                        <a:rPr lang="en-US" b="0" i="1" smtClean="0">
+                          <a:latin typeface="Cambria Math" panose="02040503050406030204" pitchFamily="18" charset="0"/>
+                        </a:rPr>
+                        <m:t>𝑔</m:t>
+                      </m:r>
+                      <m:d>
+                        <m:dPr>
+                          <m:ctrlPr>
+                            <a:rPr lang="en-US" b="0" i="1" smtClean="0">
+                              <a:latin typeface="Cambria Math" panose="02040503050406030204" pitchFamily="18" charset="0"/>
+                            </a:rPr>
+                          </m:ctrlPr>
+                        </m:dPr>
+                        <m:e>
+                          <m:sSub>
+                            <m:sSubPr>
+                              <m:ctrlPr>
+                                <a:rPr lang="en-US" b="0" i="1" smtClean="0">
+                                  <a:latin typeface="Cambria Math" panose="02040503050406030204" pitchFamily="18" charset="0"/>
+                                </a:rPr>
+                              </m:ctrlPr>
+                            </m:sSubPr>
+                            <m:e>
+                              <m:r>
+                                <a:rPr lang="en-US" b="0" i="1" smtClean="0">
+                                  <a:latin typeface="Cambria Math" panose="02040503050406030204" pitchFamily="18" charset="0"/>
+                                </a:rPr>
+                                <m:t>𝑦</m:t>
+                              </m:r>
+                            </m:e>
+                            <m:sub>
+                              <m:r>
+                                <a:rPr lang="en-US" b="0" i="1" smtClean="0">
+                                  <a:latin typeface="Cambria Math" panose="02040503050406030204" pitchFamily="18" charset="0"/>
+                                </a:rPr>
+                                <m:t>𝑡</m:t>
+                              </m:r>
+                              <m:r>
+                                <a:rPr lang="en-US" b="0" i="1" smtClean="0">
+                                  <a:latin typeface="Cambria Math" panose="02040503050406030204" pitchFamily="18" charset="0"/>
+                                </a:rPr>
+                                <m:t>−1</m:t>
+                              </m:r>
+                            </m:sub>
+                          </m:sSub>
+                          <m:r>
+                            <a:rPr lang="en-US" b="0" i="1" smtClean="0">
+                              <a:latin typeface="Cambria Math" panose="02040503050406030204" pitchFamily="18" charset="0"/>
+                            </a:rPr>
+                            <m:t>,</m:t>
+                          </m:r>
+                          <m:sSub>
+                            <m:sSubPr>
+                              <m:ctrlPr>
+                                <a:rPr lang="en-US" b="0" i="1" smtClean="0">
+                                  <a:latin typeface="Cambria Math" panose="02040503050406030204" pitchFamily="18" charset="0"/>
+                                </a:rPr>
+                              </m:ctrlPr>
+                            </m:sSubPr>
+                            <m:e>
+                              <m:r>
+                                <a:rPr lang="en-US" b="0" i="1" smtClean="0">
+                                  <a:latin typeface="Cambria Math" panose="02040503050406030204" pitchFamily="18" charset="0"/>
+                                </a:rPr>
+                                <m:t>𝑠</m:t>
+                              </m:r>
+                            </m:e>
+                            <m:sub>
+                              <m:r>
+                                <a:rPr lang="en-US" b="0" i="1" smtClean="0">
+                                  <a:latin typeface="Cambria Math" panose="02040503050406030204" pitchFamily="18" charset="0"/>
+                                </a:rPr>
+                                <m:t>𝑡</m:t>
+                              </m:r>
+                            </m:sub>
+                          </m:sSub>
+                          <m:r>
+                            <a:rPr lang="en-US" b="0" i="1" smtClean="0">
+                              <a:latin typeface="Cambria Math" panose="02040503050406030204" pitchFamily="18" charset="0"/>
+                            </a:rPr>
+                            <m:t>, </m:t>
+                          </m:r>
+                          <m:sSub>
+                            <m:sSubPr>
+                              <m:ctrlPr>
+                                <a:rPr lang="en-US" b="0" i="1" smtClean="0">
+                                  <a:latin typeface="Cambria Math" panose="02040503050406030204" pitchFamily="18" charset="0"/>
+                                </a:rPr>
+                              </m:ctrlPr>
+                            </m:sSubPr>
+                            <m:e>
+                              <m:r>
+                                <a:rPr lang="en-US" b="0" i="1" smtClean="0">
+                                  <a:latin typeface="Cambria Math" panose="02040503050406030204" pitchFamily="18" charset="0"/>
+                                </a:rPr>
+                                <m:t>𝑐</m:t>
+                              </m:r>
+                            </m:e>
+                            <m:sub>
+                              <m:r>
+                                <a:rPr lang="en-US" b="0" i="1" smtClean="0">
+                                  <a:latin typeface="Cambria Math" panose="02040503050406030204" pitchFamily="18" charset="0"/>
+                                </a:rPr>
+                                <m:t>𝑡</m:t>
+                              </m:r>
+                            </m:sub>
+                          </m:sSub>
+                        </m:e>
+                      </m:d>
+                    </m:oMath>
+                  </m:oMathPara>
+                </a14:m>
+                <a:endParaRPr lang="en-US" dirty="0"/>
+              </a:p>
+              <a:p>
+                <a:pPr marL="230188" indent="0">
+                  <a:spcBef>
+                    <a:spcPts val="1800"/>
+                  </a:spcBef>
+                  <a:spcAft>
+                    <a:spcPts val="1200"/>
+                  </a:spcAft>
+                  <a:buNone/>
+                </a:pPr>
+                <a:r>
+                  <a:rPr lang="en-US" dirty="0"/>
+                  <a:t>with </a:t>
+                </a:r>
+                <a:r>
+                  <a:rPr lang="en-US" b="1" dirty="0"/>
+                  <a:t>hidden state </a:t>
+                </a:r>
+                <a14:m>
+                  <m:oMath xmlns:m="http://schemas.openxmlformats.org/officeDocument/2006/math">
+                    <m:sSub>
+                      <m:sSubPr>
+                        <m:ctrlPr>
+                          <a:rPr lang="en-US" b="0" i="1" smtClean="0">
+                            <a:latin typeface="Cambria Math" panose="02040503050406030204" pitchFamily="18" charset="0"/>
+                          </a:rPr>
+                        </m:ctrlPr>
+                      </m:sSubPr>
+                      <m:e>
+                        <m:r>
+                          <a:rPr lang="en-US" b="0" i="1" smtClean="0">
+                            <a:latin typeface="Cambria Math" panose="02040503050406030204" pitchFamily="18" charset="0"/>
+                          </a:rPr>
+                          <m:t>𝑠</m:t>
+                        </m:r>
+                      </m:e>
+                      <m:sub>
+                        <m:r>
+                          <a:rPr lang="en-US" b="0" i="1" smtClean="0">
+                            <a:latin typeface="Cambria Math" panose="02040503050406030204" pitchFamily="18" charset="0"/>
+                          </a:rPr>
+                          <m:t>𝑡</m:t>
+                        </m:r>
+                      </m:sub>
+                    </m:sSub>
+                    <m:r>
+                      <a:rPr lang="en-US" b="0" i="1" smtClean="0">
+                        <a:latin typeface="Cambria Math" panose="02040503050406030204" pitchFamily="18" charset="0"/>
+                      </a:rPr>
+                      <m:t>=</m:t>
+                    </m:r>
+                    <m:r>
+                      <a:rPr lang="en-US" b="0" i="1" smtClean="0">
+                        <a:latin typeface="Cambria Math" panose="02040503050406030204" pitchFamily="18" charset="0"/>
+                      </a:rPr>
+                      <m:t>𝑓</m:t>
+                    </m:r>
+                    <m:d>
+                      <m:dPr>
+                        <m:ctrlPr>
+                          <a:rPr lang="en-US" b="0" i="1" smtClean="0">
+                            <a:latin typeface="Cambria Math" panose="02040503050406030204" pitchFamily="18" charset="0"/>
+                          </a:rPr>
+                        </m:ctrlPr>
+                      </m:dPr>
+                      <m:e>
+                        <m:sSub>
+                          <m:sSubPr>
+                            <m:ctrlPr>
+                              <a:rPr lang="en-US" b="0" i="1" smtClean="0">
+                                <a:latin typeface="Cambria Math" panose="02040503050406030204" pitchFamily="18" charset="0"/>
+                              </a:rPr>
+                            </m:ctrlPr>
+                          </m:sSubPr>
+                          <m:e>
+                            <m:r>
+                              <a:rPr lang="en-US" b="0" i="1" smtClean="0">
+                                <a:latin typeface="Cambria Math" panose="02040503050406030204" pitchFamily="18" charset="0"/>
+                              </a:rPr>
+                              <m:t>𝑠</m:t>
+                            </m:r>
+                          </m:e>
+                          <m:sub>
+                            <m:r>
+                              <a:rPr lang="en-US" b="0" i="1" smtClean="0">
+                                <a:latin typeface="Cambria Math" panose="02040503050406030204" pitchFamily="18" charset="0"/>
+                              </a:rPr>
+                              <m:t>𝑡</m:t>
+                            </m:r>
+                            <m:r>
+                              <a:rPr lang="en-US" b="0" i="1" smtClean="0">
+                                <a:latin typeface="Cambria Math" panose="02040503050406030204" pitchFamily="18" charset="0"/>
+                              </a:rPr>
+                              <m:t>−1</m:t>
+                            </m:r>
+                          </m:sub>
+                        </m:sSub>
+                        <m:r>
+                          <a:rPr lang="en-US" b="0" i="1" smtClean="0">
+                            <a:latin typeface="Cambria Math" panose="02040503050406030204" pitchFamily="18" charset="0"/>
+                          </a:rPr>
+                          <m:t>,</m:t>
+                        </m:r>
+                        <m:sSub>
+                          <m:sSubPr>
+                            <m:ctrlPr>
+                              <a:rPr lang="en-US" b="0" i="1" smtClean="0">
+                                <a:latin typeface="Cambria Math" panose="02040503050406030204" pitchFamily="18" charset="0"/>
+                              </a:rPr>
+                            </m:ctrlPr>
+                          </m:sSubPr>
+                          <m:e>
+                            <m:r>
+                              <a:rPr lang="en-US" b="0" i="1" smtClean="0">
+                                <a:latin typeface="Cambria Math" panose="02040503050406030204" pitchFamily="18" charset="0"/>
+                              </a:rPr>
+                              <m:t>𝑦</m:t>
+                            </m:r>
+                          </m:e>
+                          <m:sub>
+                            <m:r>
+                              <a:rPr lang="en-US" b="0" i="1" smtClean="0">
+                                <a:latin typeface="Cambria Math" panose="02040503050406030204" pitchFamily="18" charset="0"/>
+                              </a:rPr>
+                              <m:t>𝑡</m:t>
+                            </m:r>
+                            <m:r>
+                              <a:rPr lang="en-US" b="0" i="1" smtClean="0">
+                                <a:latin typeface="Cambria Math" panose="02040503050406030204" pitchFamily="18" charset="0"/>
+                              </a:rPr>
+                              <m:t>−1</m:t>
+                            </m:r>
+                          </m:sub>
+                        </m:sSub>
+                        <m:r>
+                          <a:rPr lang="en-US" b="0" i="1" smtClean="0">
+                            <a:latin typeface="Cambria Math" panose="02040503050406030204" pitchFamily="18" charset="0"/>
+                          </a:rPr>
+                          <m:t>,</m:t>
+                        </m:r>
+                        <m:sSub>
+                          <m:sSubPr>
+                            <m:ctrlPr>
+                              <a:rPr lang="en-US" b="0" i="1" smtClean="0">
+                                <a:latin typeface="Cambria Math" panose="02040503050406030204" pitchFamily="18" charset="0"/>
+                              </a:rPr>
+                            </m:ctrlPr>
+                          </m:sSubPr>
+                          <m:e>
+                            <m:r>
+                              <a:rPr lang="en-US" b="0" i="1" smtClean="0">
+                                <a:latin typeface="Cambria Math" panose="02040503050406030204" pitchFamily="18" charset="0"/>
+                              </a:rPr>
+                              <m:t>𝑐</m:t>
+                            </m:r>
+                          </m:e>
+                          <m:sub>
+                            <m:r>
+                              <a:rPr lang="en-US" b="0" i="1" smtClean="0">
+                                <a:latin typeface="Cambria Math" panose="02040503050406030204" pitchFamily="18" charset="0"/>
+                              </a:rPr>
+                              <m:t>𝑡</m:t>
+                            </m:r>
+                          </m:sub>
+                        </m:sSub>
+                      </m:e>
+                    </m:d>
+                  </m:oMath>
+                </a14:m>
+                <a:r>
+                  <a:rPr lang="en-US" dirty="0"/>
+                  <a:t>, </a:t>
+                </a:r>
+                <a:r>
+                  <a:rPr lang="en-US" b="1" dirty="0"/>
+                  <a:t>alignment</a:t>
+                </a:r>
+                <a:r>
+                  <a:rPr lang="en-US" dirty="0"/>
+                  <a:t> </a:t>
+                </a:r>
+                <a14:m>
+                  <m:oMath xmlns:m="http://schemas.openxmlformats.org/officeDocument/2006/math">
+                    <m:sSub>
+                      <m:sSubPr>
+                        <m:ctrlPr>
+                          <a:rPr lang="en-US" i="1">
+                            <a:latin typeface="Cambria Math" panose="02040503050406030204" pitchFamily="18" charset="0"/>
+                          </a:rPr>
+                        </m:ctrlPr>
+                      </m:sSubPr>
+                      <m:e>
+                        <m:r>
+                          <a:rPr lang="en-US" b="0" i="1" smtClean="0">
+                            <a:latin typeface="Cambria Math" panose="02040503050406030204" pitchFamily="18" charset="0"/>
+                          </a:rPr>
+                          <m:t>𝑎</m:t>
+                        </m:r>
+                      </m:e>
+                      <m:sub>
+                        <m:r>
+                          <a:rPr lang="en-US" b="0" i="1" smtClean="0">
+                            <a:latin typeface="Cambria Math" panose="02040503050406030204" pitchFamily="18" charset="0"/>
+                          </a:rPr>
+                          <m:t>𝑡</m:t>
+                        </m:r>
+                        <m:r>
+                          <a:rPr lang="en-US" b="0" i="1" smtClean="0">
+                            <a:latin typeface="Cambria Math" panose="02040503050406030204" pitchFamily="18" charset="0"/>
+                          </a:rPr>
+                          <m:t>,</m:t>
+                        </m:r>
+                        <m:r>
+                          <a:rPr lang="en-US" b="0" i="1" smtClean="0">
+                            <a:latin typeface="Cambria Math" panose="02040503050406030204" pitchFamily="18" charset="0"/>
+                          </a:rPr>
+                          <m:t>𝑖</m:t>
+                        </m:r>
+                      </m:sub>
+                    </m:sSub>
+                    <m:r>
+                      <a:rPr lang="en-US" i="1">
+                        <a:latin typeface="Cambria Math" panose="02040503050406030204" pitchFamily="18" charset="0"/>
+                      </a:rPr>
+                      <m:t>=</m:t>
+                    </m:r>
+                    <m:r>
+                      <a:rPr lang="en-US" b="0" i="1" smtClean="0">
+                        <a:latin typeface="Cambria Math" panose="02040503050406030204" pitchFamily="18" charset="0"/>
+                      </a:rPr>
+                      <m:t>𝐴</m:t>
+                    </m:r>
+                    <m:r>
+                      <a:rPr lang="en-US" i="1">
+                        <a:latin typeface="Cambria Math" panose="02040503050406030204" pitchFamily="18" charset="0"/>
+                      </a:rPr>
+                      <m:t>(</m:t>
+                    </m:r>
+                    <m:sSub>
+                      <m:sSubPr>
+                        <m:ctrlPr>
+                          <a:rPr lang="en-US" i="1">
+                            <a:latin typeface="Cambria Math" panose="02040503050406030204" pitchFamily="18" charset="0"/>
+                          </a:rPr>
+                        </m:ctrlPr>
+                      </m:sSubPr>
+                      <m:e>
+                        <m:r>
+                          <a:rPr lang="en-US" i="1">
+                            <a:latin typeface="Cambria Math" panose="02040503050406030204" pitchFamily="18" charset="0"/>
+                          </a:rPr>
+                          <m:t>𝑠</m:t>
+                        </m:r>
+                      </m:e>
+                      <m:sub>
+                        <m:r>
+                          <a:rPr lang="en-US" b="0" i="1" smtClean="0">
+                            <a:latin typeface="Cambria Math" panose="02040503050406030204" pitchFamily="18" charset="0"/>
+                          </a:rPr>
+                          <m:t>𝑡</m:t>
+                        </m:r>
+                        <m:r>
+                          <a:rPr lang="en-US" i="1">
+                            <a:latin typeface="Cambria Math" panose="02040503050406030204" pitchFamily="18" charset="0"/>
+                          </a:rPr>
+                          <m:t>−1</m:t>
+                        </m:r>
+                      </m:sub>
+                    </m:sSub>
+                    <m:r>
+                      <a:rPr lang="en-US" i="1">
+                        <a:latin typeface="Cambria Math" panose="02040503050406030204" pitchFamily="18" charset="0"/>
+                      </a:rPr>
+                      <m:t>,</m:t>
+                    </m:r>
+                    <m:sSub>
+                      <m:sSubPr>
+                        <m:ctrlPr>
+                          <a:rPr lang="en-US" i="1">
+                            <a:latin typeface="Cambria Math" panose="02040503050406030204" pitchFamily="18" charset="0"/>
+                          </a:rPr>
+                        </m:ctrlPr>
+                      </m:sSubPr>
+                      <m:e>
+                        <m:r>
+                          <a:rPr lang="en-US" i="1">
+                            <a:latin typeface="Cambria Math" panose="02040503050406030204" pitchFamily="18" charset="0"/>
+                          </a:rPr>
+                          <m:t>h</m:t>
+                        </m:r>
+                      </m:e>
+                      <m:sub>
+                        <m:r>
+                          <a:rPr lang="en-US" b="0" i="1" smtClean="0">
+                            <a:latin typeface="Cambria Math" panose="02040503050406030204" pitchFamily="18" charset="0"/>
+                          </a:rPr>
+                          <m:t>𝑖</m:t>
+                        </m:r>
+                      </m:sub>
+                    </m:sSub>
+                    <m:r>
+                      <a:rPr lang="en-US" i="1">
+                        <a:latin typeface="Cambria Math" panose="02040503050406030204" pitchFamily="18" charset="0"/>
+                      </a:rPr>
+                      <m:t>)</m:t>
+                    </m:r>
+                  </m:oMath>
+                </a14:m>
+                <a:r>
+                  <a:rPr lang="en-US" dirty="0"/>
+                  <a:t>, and </a:t>
+                </a:r>
+                <a:r>
+                  <a:rPr lang="en-US" b="1" dirty="0"/>
+                  <a:t>context</a:t>
+                </a:r>
+                <a:r>
+                  <a:rPr lang="en-US" dirty="0"/>
+                  <a:t> </a:t>
+                </a:r>
+              </a:p>
+              <a:p>
+                <a:pPr marL="0" indent="0">
+                  <a:spcAft>
+                    <a:spcPts val="600"/>
+                  </a:spcAft>
+                  <a:buNone/>
+                </a:pPr>
+                <a14:m>
+                  <m:oMathPara xmlns:m="http://schemas.openxmlformats.org/officeDocument/2006/math">
+                    <m:oMathParaPr>
+                      <m:jc m:val="centerGroup"/>
+                    </m:oMathParaPr>
+                    <m:oMath xmlns:m="http://schemas.openxmlformats.org/officeDocument/2006/math">
+                      <m:sSub>
+                        <m:sSubPr>
+                          <m:ctrlPr>
+                            <a:rPr lang="en-US" b="0" i="1" smtClean="0">
+                              <a:latin typeface="Cambria Math" panose="02040503050406030204" pitchFamily="18" charset="0"/>
+                            </a:rPr>
+                          </m:ctrlPr>
+                        </m:sSubPr>
+                        <m:e>
+                          <m:r>
+                            <a:rPr lang="en-US" b="0" i="1" smtClean="0">
+                              <a:latin typeface="Cambria Math" panose="02040503050406030204" pitchFamily="18" charset="0"/>
+                            </a:rPr>
+                            <m:t>𝑐</m:t>
+                          </m:r>
+                        </m:e>
+                        <m:sub>
+                          <m:r>
+                            <a:rPr lang="en-US" b="0" i="1" smtClean="0">
+                              <a:latin typeface="Cambria Math" panose="02040503050406030204" pitchFamily="18" charset="0"/>
+                            </a:rPr>
+                            <m:t>𝑡</m:t>
+                          </m:r>
+                        </m:sub>
+                      </m:sSub>
+                      <m:r>
+                        <a:rPr lang="en-US" b="0" i="1" smtClean="0">
+                          <a:latin typeface="Cambria Math" panose="02040503050406030204" pitchFamily="18" charset="0"/>
+                        </a:rPr>
+                        <m:t>=</m:t>
+                      </m:r>
+                      <m:nary>
+                        <m:naryPr>
+                          <m:chr m:val="∑"/>
+                          <m:supHide m:val="on"/>
+                          <m:ctrlPr>
+                            <a:rPr lang="en-US" b="0" i="1" smtClean="0">
+                              <a:latin typeface="Cambria Math" panose="02040503050406030204" pitchFamily="18" charset="0"/>
+                            </a:rPr>
+                          </m:ctrlPr>
+                        </m:naryPr>
+                        <m:sub>
+                          <m:r>
+                            <a:rPr lang="en-US" b="0" i="1" smtClean="0">
+                              <a:latin typeface="Cambria Math" panose="02040503050406030204" pitchFamily="18" charset="0"/>
+                            </a:rPr>
+                            <m:t>𝑖</m:t>
+                          </m:r>
+                        </m:sub>
+                        <m:sup/>
+                        <m:e>
+                          <m:r>
+                            <a:rPr lang="en-US" i="1">
+                              <a:latin typeface="Cambria Math" panose="02040503050406030204" pitchFamily="18" charset="0"/>
+                            </a:rPr>
+                            <m:t>𝑠𝑜𝑓𝑡𝑚𝑎𝑥</m:t>
+                          </m:r>
+                          <m:r>
+                            <a:rPr lang="en-US" i="1">
+                              <a:latin typeface="Cambria Math" panose="02040503050406030204" pitchFamily="18" charset="0"/>
+                            </a:rPr>
+                            <m:t>(</m:t>
+                          </m:r>
+                          <m:sSub>
+                            <m:sSubPr>
+                              <m:ctrlPr>
+                                <a:rPr lang="en-US" i="1">
+                                  <a:latin typeface="Cambria Math" panose="02040503050406030204" pitchFamily="18" charset="0"/>
+                                </a:rPr>
+                              </m:ctrlPr>
+                            </m:sSubPr>
+                            <m:e>
+                              <m:r>
+                                <a:rPr lang="en-US" i="1">
+                                  <a:latin typeface="Cambria Math" panose="02040503050406030204" pitchFamily="18" charset="0"/>
+                                </a:rPr>
+                                <m:t>𝑎</m:t>
+                              </m:r>
+                            </m:e>
+                            <m:sub>
+                              <m:r>
+                                <a:rPr lang="en-US" i="1">
+                                  <a:latin typeface="Cambria Math" panose="02040503050406030204" pitchFamily="18" charset="0"/>
+                                </a:rPr>
+                                <m:t>𝑡</m:t>
+                              </m:r>
+                              <m:r>
+                                <a:rPr lang="en-US" i="1">
+                                  <a:latin typeface="Cambria Math" panose="02040503050406030204" pitchFamily="18" charset="0"/>
+                                </a:rPr>
+                                <m:t>,</m:t>
+                              </m:r>
+                              <m:r>
+                                <a:rPr lang="en-US" i="1">
+                                  <a:latin typeface="Cambria Math" panose="02040503050406030204" pitchFamily="18" charset="0"/>
+                                </a:rPr>
+                                <m:t>𝑖</m:t>
+                              </m:r>
+                            </m:sub>
+                          </m:sSub>
+                          <m:r>
+                            <a:rPr lang="en-US" i="1">
+                              <a:latin typeface="Cambria Math" panose="02040503050406030204" pitchFamily="18" charset="0"/>
+                            </a:rPr>
+                            <m:t>)</m:t>
+                          </m:r>
+                          <m:sSub>
+                            <m:sSubPr>
+                              <m:ctrlPr>
+                                <a:rPr lang="en-US" b="0" i="1" smtClean="0">
+                                  <a:latin typeface="Cambria Math" panose="02040503050406030204" pitchFamily="18" charset="0"/>
+                                </a:rPr>
+                              </m:ctrlPr>
+                            </m:sSubPr>
+                            <m:e>
+                              <m:r>
+                                <a:rPr lang="en-US" b="0" i="1" smtClean="0">
+                                  <a:latin typeface="Cambria Math" panose="02040503050406030204" pitchFamily="18" charset="0"/>
+                                </a:rPr>
+                                <m:t>h</m:t>
+                              </m:r>
+                            </m:e>
+                            <m:sub>
+                              <m:r>
+                                <a:rPr lang="en-US" b="0" i="1" smtClean="0">
+                                  <a:latin typeface="Cambria Math" panose="02040503050406030204" pitchFamily="18" charset="0"/>
+                                </a:rPr>
+                                <m:t>𝑖</m:t>
+                              </m:r>
+                            </m:sub>
+                          </m:sSub>
+                        </m:e>
+                      </m:nary>
+                    </m:oMath>
+                  </m:oMathPara>
+                </a14:m>
+                <a:endParaRPr lang="en-US" b="0" i="1" dirty="0">
+                  <a:latin typeface="Cambria Math" panose="02040503050406030204" pitchFamily="18" charset="0"/>
+                </a:endParaRPr>
+              </a:p>
+            </p:txBody>
+          </p:sp>
+        </mc:Choice>
+        <mc:Fallback xmlns="">
+          <p:sp>
+            <p:nvSpPr>
+              <p:cNvPr id="3" name="Content Placeholder 2">
+                <a:extLst>
+                  <a:ext uri="{FF2B5EF4-FFF2-40B4-BE49-F238E27FC236}">
+                    <a16:creationId xmlns:a16="http://schemas.microsoft.com/office/drawing/2014/main" id="{26AEE493-2925-4569-B4CD-B6B84050BD4D}"/>
+                  </a:ext>
+                </a:extLst>
+              </p:cNvPr>
+              <p:cNvSpPr>
+                <a:spLocks noGrp="1" noRot="1" noChangeAspect="1" noMove="1" noResize="1" noEditPoints="1" noAdjustHandles="1" noChangeArrowheads="1" noChangeShapeType="1" noTextEdit="1"/>
+              </p:cNvSpPr>
+              <p:nvPr>
+                <p:ph idx="1"/>
+              </p:nvPr>
+            </p:nvSpPr>
+            <p:spPr>
+              <a:xfrm>
+                <a:off x="838200" y="1825625"/>
+                <a:ext cx="7013594" cy="4351338"/>
+              </a:xfrm>
+              <a:blipFill>
+                <a:blip r:embed="rId2"/>
+                <a:stretch>
+                  <a:fillRect l="-1217" t="-1961" r="-87"/>
+                </a:stretch>
+              </a:blipFill>
+            </p:spPr>
+            <p:txBody>
+              <a:bodyPr/>
+              <a:lstStyle/>
+              <a:p>
+                <a:r>
+                  <a:rPr lang="en-US">
+                    <a:noFill/>
+                  </a:rPr>
+                  <a:t> </a:t>
+                </a:r>
+              </a:p>
+            </p:txBody>
+          </p:sp>
+        </mc:Fallback>
+      </mc:AlternateContent>
+      <p:sp>
+        <p:nvSpPr>
+          <p:cNvPr id="4" name="Slide Number Placeholder 3">
+            <a:extLst>
+              <a:ext uri="{FF2B5EF4-FFF2-40B4-BE49-F238E27FC236}">
+                <a16:creationId xmlns:a16="http://schemas.microsoft.com/office/drawing/2014/main" id="{7BB802C3-B2ED-4974-BD56-BA54FB3CC275}"/>
+              </a:ext>
+            </a:extLst>
+          </p:cNvPr>
+          <p:cNvSpPr>
+            <a:spLocks noGrp="1"/>
+          </p:cNvSpPr>
+          <p:nvPr>
+            <p:ph type="sldNum" sz="quarter" idx="12"/>
+          </p:nvPr>
+        </p:nvSpPr>
+        <p:spPr/>
+        <p:txBody>
+          <a:bodyPr/>
+          <a:lstStyle/>
+          <a:p>
+            <a:fld id="{17214B29-2612-49B7-BCD5-5B417A3C392C}" type="slidenum">
+              <a:rPr lang="en-US" smtClean="0"/>
+              <a:t>3</a:t>
+            </a:fld>
+            <a:endParaRPr lang="en-US"/>
+          </a:p>
+        </p:txBody>
+      </p:sp>
+      <p:pic>
+        <p:nvPicPr>
+          <p:cNvPr id="6" name="Picture 5">
+            <a:extLst>
+              <a:ext uri="{FF2B5EF4-FFF2-40B4-BE49-F238E27FC236}">
+                <a16:creationId xmlns:a16="http://schemas.microsoft.com/office/drawing/2014/main" id="{423D0A32-2DA2-4E51-8956-180C05DE7954}"/>
+              </a:ext>
+            </a:extLst>
+          </p:cNvPr>
+          <p:cNvPicPr>
+            <a:picLocks noChangeAspect="1"/>
+          </p:cNvPicPr>
+          <p:nvPr/>
+        </p:nvPicPr>
+        <p:blipFill>
+          <a:blip r:embed="rId3"/>
+          <a:stretch>
+            <a:fillRect/>
+          </a:stretch>
+        </p:blipFill>
+        <p:spPr>
+          <a:xfrm>
+            <a:off x="8325464" y="1604793"/>
+            <a:ext cx="3313472" cy="4472622"/>
+          </a:xfrm>
+          <a:prstGeom prst="rect">
+            <a:avLst/>
+          </a:prstGeom>
+        </p:spPr>
+      </p:pic>
+      <p:sp>
+        <p:nvSpPr>
+          <p:cNvPr id="7" name="TextBox 6">
+            <a:extLst>
+              <a:ext uri="{FF2B5EF4-FFF2-40B4-BE49-F238E27FC236}">
+                <a16:creationId xmlns:a16="http://schemas.microsoft.com/office/drawing/2014/main" id="{AF828427-3452-E3C0-AADF-28A78D621C7D}"/>
+              </a:ext>
+            </a:extLst>
+          </p:cNvPr>
+          <p:cNvSpPr txBox="1"/>
+          <p:nvPr/>
+        </p:nvSpPr>
+        <p:spPr>
+          <a:xfrm>
+            <a:off x="265575" y="6550223"/>
+            <a:ext cx="8158843" cy="307777"/>
+          </a:xfrm>
+          <a:prstGeom prst="rect">
+            <a:avLst/>
+          </a:prstGeom>
+          <a:noFill/>
+        </p:spPr>
+        <p:txBody>
+          <a:bodyPr wrap="square">
+            <a:spAutoFit/>
+          </a:bodyPr>
+          <a:lstStyle/>
+          <a:p>
+            <a:r>
+              <a:rPr lang="en-US" sz="1400" dirty="0"/>
+              <a:t>*D. </a:t>
+            </a:r>
+            <a:r>
+              <a:rPr lang="en-US" sz="1400" dirty="0" err="1"/>
+              <a:t>Bahdanau</a:t>
+            </a:r>
+            <a:r>
+              <a:rPr lang="en-US" sz="1400" dirty="0"/>
+              <a:t> et al, "Neural Machine Translation by Jointly Learning to Align and Translate," ICLR 2015.</a:t>
+            </a:r>
+          </a:p>
+        </p:txBody>
+      </p:sp>
+    </p:spTree>
+    <p:extLst>
+      <p:ext uri="{BB962C8B-B14F-4D97-AF65-F5344CB8AC3E}">
+        <p14:creationId xmlns:p14="http://schemas.microsoft.com/office/powerpoint/2010/main" val="4089332206"/>
+      </p:ext>
+    </p:extLst>
+  </p:cSld>
+  <p:clrMapOvr>
+    <a:masterClrMapping/>
+  </p:clrMapOvr>
+</p:sld>
+</file>
+
+<file path=ppt/slides/slide4.xml><?xml version="1.0" encoding="utf-8"?>
+<p:sld xmlns:a="http://schemas.openxmlformats.org/drawingml/2006/main" xmlns:r="http://schemas.openxmlformats.org/officeDocument/2006/relationships" xmlns:p="http://schemas.openxmlformats.org/presentationml/2006/main">
+  <p:cSld>
+    <p:spTree>
+      <p:nvGrpSpPr>
+        <p:cNvPr id="1" name=""/>
+        <p:cNvGrpSpPr/>
+        <p:nvPr/>
+      </p:nvGrpSpPr>
+      <p:grpSpPr>
+        <a:xfrm>
+          <a:off x="0" y="0"/>
+          <a:ext cx="0" cy="0"/>
+          <a:chOff x="0" y="0"/>
+          <a:chExt cx="0" cy="0"/>
+        </a:xfrm>
+      </p:grpSpPr>
+      <p:sp>
+        <p:nvSpPr>
+          <p:cNvPr id="2" name="Title 1">
+            <a:extLst>
+              <a:ext uri="{FF2B5EF4-FFF2-40B4-BE49-F238E27FC236}">
+                <a16:creationId xmlns:a16="http://schemas.microsoft.com/office/drawing/2014/main" id="{2EA46EF3-58CC-4A53-B793-C9F77107E807}"/>
+              </a:ext>
+            </a:extLst>
+          </p:cNvPr>
+          <p:cNvSpPr>
+            <a:spLocks noGrp="1"/>
+          </p:cNvSpPr>
+          <p:nvPr>
+            <p:ph type="title"/>
+          </p:nvPr>
+        </p:nvSpPr>
+        <p:spPr/>
+        <p:txBody>
+          <a:bodyPr>
+            <a:normAutofit/>
+          </a:bodyPr>
+          <a:lstStyle/>
+          <a:p>
+            <a:r>
+              <a:rPr lang="en-US" dirty="0"/>
+              <a:t>An Example of Global Attention: EN-FR</a:t>
+            </a:r>
+          </a:p>
+        </p:txBody>
+      </p:sp>
+      <p:sp>
+        <p:nvSpPr>
+          <p:cNvPr id="3" name="Content Placeholder 2">
+            <a:extLst>
+              <a:ext uri="{FF2B5EF4-FFF2-40B4-BE49-F238E27FC236}">
+                <a16:creationId xmlns:a16="http://schemas.microsoft.com/office/drawing/2014/main" id="{26AEE493-2925-4569-B4CD-B6B84050BD4D}"/>
+              </a:ext>
+            </a:extLst>
+          </p:cNvPr>
+          <p:cNvSpPr>
+            <a:spLocks noGrp="1"/>
+          </p:cNvSpPr>
+          <p:nvPr>
+            <p:ph idx="1"/>
+          </p:nvPr>
+        </p:nvSpPr>
+        <p:spPr>
+          <a:xfrm>
+            <a:off x="838199" y="1825625"/>
+            <a:ext cx="10868311" cy="4351338"/>
+          </a:xfrm>
+        </p:spPr>
+        <p:txBody>
+          <a:bodyPr>
+            <a:normAutofit/>
+          </a:bodyPr>
+          <a:lstStyle/>
+          <a:p>
+            <a:pPr>
+              <a:spcAft>
+                <a:spcPts val="1200"/>
+              </a:spcAft>
+            </a:pPr>
+            <a:r>
+              <a:rPr lang="en-US" dirty="0"/>
+              <a:t>Examples of Normalized alignments between input (x-axis) and generated sentences </a:t>
+            </a:r>
+          </a:p>
+        </p:txBody>
+      </p:sp>
+      <p:sp>
+        <p:nvSpPr>
+          <p:cNvPr id="4" name="Slide Number Placeholder 3">
+            <a:extLst>
+              <a:ext uri="{FF2B5EF4-FFF2-40B4-BE49-F238E27FC236}">
+                <a16:creationId xmlns:a16="http://schemas.microsoft.com/office/drawing/2014/main" id="{7BB802C3-B2ED-4974-BD56-BA54FB3CC275}"/>
+              </a:ext>
+            </a:extLst>
+          </p:cNvPr>
+          <p:cNvSpPr>
+            <a:spLocks noGrp="1"/>
+          </p:cNvSpPr>
+          <p:nvPr>
+            <p:ph type="sldNum" sz="quarter" idx="12"/>
+          </p:nvPr>
+        </p:nvSpPr>
+        <p:spPr/>
+        <p:txBody>
+          <a:bodyPr/>
+          <a:lstStyle/>
+          <a:p>
+            <a:fld id="{17214B29-2612-49B7-BCD5-5B417A3C392C}" type="slidenum">
+              <a:rPr lang="en-US" smtClean="0"/>
+              <a:t>4</a:t>
+            </a:fld>
+            <a:endParaRPr lang="en-US"/>
+          </a:p>
+        </p:txBody>
+      </p:sp>
+      <p:pic>
+        <p:nvPicPr>
+          <p:cNvPr id="8" name="Picture 7">
+            <a:extLst>
+              <a:ext uri="{FF2B5EF4-FFF2-40B4-BE49-F238E27FC236}">
+                <a16:creationId xmlns:a16="http://schemas.microsoft.com/office/drawing/2014/main" id="{2D7AEBBA-9DDC-4D0B-8D78-EF5D0DA552F8}"/>
+              </a:ext>
+            </a:extLst>
+          </p:cNvPr>
+          <p:cNvPicPr>
+            <a:picLocks noChangeAspect="1"/>
+          </p:cNvPicPr>
+          <p:nvPr/>
+        </p:nvPicPr>
+        <p:blipFill>
+          <a:blip r:embed="rId2"/>
+          <a:stretch>
+            <a:fillRect/>
+          </a:stretch>
+        </p:blipFill>
+        <p:spPr>
+          <a:xfrm>
+            <a:off x="1828800" y="2302514"/>
+            <a:ext cx="8382913" cy="4058176"/>
+          </a:xfrm>
+          <a:prstGeom prst="rect">
+            <a:avLst/>
+          </a:prstGeom>
+        </p:spPr>
+      </p:pic>
+    </p:spTree>
+    <p:extLst>
+      <p:ext uri="{BB962C8B-B14F-4D97-AF65-F5344CB8AC3E}">
+        <p14:creationId xmlns:p14="http://schemas.microsoft.com/office/powerpoint/2010/main" val="2143611231"/>
+      </p:ext>
+    </p:extLst>
+  </p:cSld>
+  <p:clrMapOvr>
+    <a:masterClrMapping/>
+  </p:clrMapOvr>
+</p:sld>
+</file>
+
+<file path=ppt/slides/slide5.xml><?xml version="1.0" encoding="utf-8"?>
+<p:sld xmlns:a="http://schemas.openxmlformats.org/drawingml/2006/main" xmlns:r="http://schemas.openxmlformats.org/officeDocument/2006/relationships" xmlns:p="http://schemas.openxmlformats.org/presentationml/2006/main">
+  <p:cSld>
+    <p:spTree>
+      <p:nvGrpSpPr>
+        <p:cNvPr id="1" name=""/>
+        <p:cNvGrpSpPr/>
+        <p:nvPr/>
+      </p:nvGrpSpPr>
+      <p:grpSpPr>
+        <a:xfrm>
+          <a:off x="0" y="0"/>
+          <a:ext cx="0" cy="0"/>
+          <a:chOff x="0" y="0"/>
+          <a:chExt cx="0" cy="0"/>
+        </a:xfrm>
+      </p:grpSpPr>
+      <p:pic>
+        <p:nvPicPr>
+          <p:cNvPr id="2050" name="Picture 2">
+            <a:extLst>
+              <a:ext uri="{FF2B5EF4-FFF2-40B4-BE49-F238E27FC236}">
+                <a16:creationId xmlns:a16="http://schemas.microsoft.com/office/drawing/2014/main" id="{65A11CE8-1514-5E2D-3358-83AC6E085259}"/>
+              </a:ext>
+            </a:extLst>
+          </p:cNvPr>
+          <p:cNvPicPr>
+            <a:picLocks noChangeAspect="1" noChangeArrowheads="1"/>
+          </p:cNvPicPr>
+          <p:nvPr/>
+        </p:nvPicPr>
+        <p:blipFill>
+          <a:blip r:embed="rId2">
+            <a:extLst>
+              <a:ext uri="{28A0092B-C50C-407E-A947-70E740481C1C}">
+                <a14:useLocalDpi xmlns:a14="http://schemas.microsoft.com/office/drawing/2010/main" val="0"/>
+              </a:ext>
+            </a:extLst>
+          </a:blip>
+          <a:srcRect/>
+          <a:stretch>
+            <a:fillRect/>
+          </a:stretch>
+        </p:blipFill>
+        <p:spPr bwMode="auto">
+          <a:xfrm>
+            <a:off x="3537857" y="1849695"/>
+            <a:ext cx="4231817" cy="4964246"/>
+          </a:xfrm>
+          <a:prstGeom prst="rect">
+            <a:avLst/>
+          </a:prstGeom>
+          <a:noFill/>
+          <a:extLst>
+            <a:ext uri="{909E8E84-426E-40DD-AFC4-6F175D3DCCD1}">
+              <a14:hiddenFill xmlns:a14="http://schemas.microsoft.com/office/drawing/2010/main">
+                <a:solidFill>
+                  <a:srgbClr val="FFFFFF"/>
+                </a:solidFill>
+              </a14:hiddenFill>
+            </a:ext>
+          </a:extLst>
+        </p:spPr>
+      </p:pic>
+      <p:sp>
+        <p:nvSpPr>
+          <p:cNvPr id="2" name="Title 1">
+            <a:extLst>
+              <a:ext uri="{FF2B5EF4-FFF2-40B4-BE49-F238E27FC236}">
+                <a16:creationId xmlns:a16="http://schemas.microsoft.com/office/drawing/2014/main" id="{7E4F19E5-DCB3-4318-AEEA-AD41A70CF8CB}"/>
+              </a:ext>
+            </a:extLst>
+          </p:cNvPr>
+          <p:cNvSpPr>
+            <a:spLocks noGrp="1"/>
+          </p:cNvSpPr>
+          <p:nvPr>
+            <p:ph type="title"/>
+          </p:nvPr>
+        </p:nvSpPr>
+        <p:spPr/>
+        <p:txBody>
+          <a:bodyPr/>
+          <a:lstStyle/>
+          <a:p>
+            <a:r>
+              <a:rPr lang="en-US" dirty="0"/>
+              <a:t>Transformers – Model*</a:t>
+            </a:r>
+          </a:p>
+        </p:txBody>
+      </p:sp>
+      <p:sp>
+        <p:nvSpPr>
+          <p:cNvPr id="3" name="Content Placeholder 2">
+            <a:extLst>
+              <a:ext uri="{FF2B5EF4-FFF2-40B4-BE49-F238E27FC236}">
+                <a16:creationId xmlns:a16="http://schemas.microsoft.com/office/drawing/2014/main" id="{966FAD1C-77FE-4FF3-A363-4402AFC53D85}"/>
+              </a:ext>
+            </a:extLst>
+          </p:cNvPr>
+          <p:cNvSpPr>
+            <a:spLocks noGrp="1"/>
+          </p:cNvSpPr>
+          <p:nvPr>
+            <p:ph idx="1"/>
+          </p:nvPr>
+        </p:nvSpPr>
+        <p:spPr>
+          <a:xfrm>
+            <a:off x="838200" y="1690688"/>
+            <a:ext cx="5159829" cy="4758127"/>
+          </a:xfrm>
+        </p:spPr>
+        <p:txBody>
+          <a:bodyPr>
+            <a:normAutofit/>
+          </a:bodyPr>
+          <a:lstStyle/>
+          <a:p>
+            <a:r>
+              <a:rPr lang="en-US" dirty="0"/>
+              <a:t>Consists of an encoding / decoding architecture</a:t>
+            </a:r>
+          </a:p>
+          <a:p>
+            <a:pPr marL="0" indent="0">
+              <a:buNone/>
+            </a:pPr>
+            <a:endParaRPr lang="en-US" dirty="0"/>
+          </a:p>
+        </p:txBody>
+      </p:sp>
+      <p:sp>
+        <p:nvSpPr>
+          <p:cNvPr id="4" name="Slide Number Placeholder 3">
+            <a:extLst>
+              <a:ext uri="{FF2B5EF4-FFF2-40B4-BE49-F238E27FC236}">
+                <a16:creationId xmlns:a16="http://schemas.microsoft.com/office/drawing/2014/main" id="{E989CF12-AB08-407C-B037-D420F44A96AA}"/>
+              </a:ext>
+            </a:extLst>
+          </p:cNvPr>
+          <p:cNvSpPr>
+            <a:spLocks noGrp="1"/>
+          </p:cNvSpPr>
+          <p:nvPr>
+            <p:ph type="sldNum" sz="quarter" idx="12"/>
+          </p:nvPr>
+        </p:nvSpPr>
+        <p:spPr/>
+        <p:txBody>
+          <a:bodyPr/>
+          <a:lstStyle/>
+          <a:p>
+            <a:fld id="{17214B29-2612-49B7-BCD5-5B417A3C392C}" type="slidenum">
+              <a:rPr lang="en-US" smtClean="0"/>
+              <a:t>5</a:t>
+            </a:fld>
+            <a:endParaRPr lang="en-US"/>
+          </a:p>
+        </p:txBody>
+      </p:sp>
+      <p:pic>
+        <p:nvPicPr>
+          <p:cNvPr id="7" name="Picture 6"/>
+          <p:cNvPicPr>
+            <a:picLocks noChangeAspect="1"/>
+          </p:cNvPicPr>
+          <p:nvPr/>
+        </p:nvPicPr>
+        <p:blipFill>
+          <a:blip r:embed="rId3"/>
+          <a:stretch>
+            <a:fillRect/>
+          </a:stretch>
+        </p:blipFill>
+        <p:spPr>
+          <a:xfrm>
+            <a:off x="8105790" y="821596"/>
+            <a:ext cx="4088936" cy="6036404"/>
+          </a:xfrm>
+          <a:prstGeom prst="rect">
+            <a:avLst/>
+          </a:prstGeom>
+        </p:spPr>
+      </p:pic>
+      <p:sp>
+        <p:nvSpPr>
+          <p:cNvPr id="6" name="TextBox 5">
+            <a:extLst>
+              <a:ext uri="{FF2B5EF4-FFF2-40B4-BE49-F238E27FC236}">
+                <a16:creationId xmlns:a16="http://schemas.microsoft.com/office/drawing/2014/main" id="{C0C16DA6-1031-AF72-C876-A691286FBAD5}"/>
+              </a:ext>
+            </a:extLst>
+          </p:cNvPr>
+          <p:cNvSpPr txBox="1"/>
+          <p:nvPr/>
+        </p:nvSpPr>
+        <p:spPr>
+          <a:xfrm>
+            <a:off x="232010" y="6506164"/>
+            <a:ext cx="6106884" cy="307777"/>
+          </a:xfrm>
+          <a:prstGeom prst="rect">
+            <a:avLst/>
+          </a:prstGeom>
+          <a:noFill/>
+        </p:spPr>
+        <p:txBody>
+          <a:bodyPr wrap="square">
+            <a:spAutoFit/>
+          </a:bodyPr>
+          <a:lstStyle/>
+          <a:p>
+            <a:r>
+              <a:rPr lang="en-US" sz="1400" dirty="0"/>
+              <a:t>*A. Vaswani et al, “Attention is All You Need”, 2017</a:t>
+            </a:r>
+          </a:p>
+        </p:txBody>
+      </p:sp>
+    </p:spTree>
+    <p:extLst>
+      <p:ext uri="{BB962C8B-B14F-4D97-AF65-F5344CB8AC3E}">
+        <p14:creationId xmlns:p14="http://schemas.microsoft.com/office/powerpoint/2010/main" val="442399075"/>
+      </p:ext>
+    </p:extLst>
+  </p:cSld>
+  <p:clrMapOvr>
+    <a:masterClrMapping/>
+  </p:clrMapOvr>
+</p:sld>
+</file>
+
+<file path=ppt/slides/slide6.xml><?xml version="1.0" encoding="utf-8"?>
+<p:sld xmlns:a="http://schemas.openxmlformats.org/drawingml/2006/main" xmlns:r="http://schemas.openxmlformats.org/officeDocument/2006/relationships" xmlns:p="http://schemas.openxmlformats.org/presentationml/2006/main">
+  <p:cSld>
+    <p:spTree>
+      <p:nvGrpSpPr>
+        <p:cNvPr id="1" name=""/>
+        <p:cNvGrpSpPr/>
+        <p:nvPr/>
+      </p:nvGrpSpPr>
+      <p:grpSpPr>
+        <a:xfrm>
+          <a:off x="0" y="0"/>
+          <a:ext cx="0" cy="0"/>
+          <a:chOff x="0" y="0"/>
+          <a:chExt cx="0" cy="0"/>
+        </a:xfrm>
+      </p:grpSpPr>
+      <p:sp>
+        <p:nvSpPr>
+          <p:cNvPr id="2" name="Title 1">
+            <a:extLst>
+              <a:ext uri="{FF2B5EF4-FFF2-40B4-BE49-F238E27FC236}">
+                <a16:creationId xmlns:a16="http://schemas.microsoft.com/office/drawing/2014/main" id="{B1C1874F-6CD3-463C-9EC6-818F1DA9319F}"/>
+              </a:ext>
+            </a:extLst>
+          </p:cNvPr>
+          <p:cNvSpPr>
+            <a:spLocks noGrp="1"/>
+          </p:cNvSpPr>
+          <p:nvPr>
+            <p:ph type="title"/>
+          </p:nvPr>
+        </p:nvSpPr>
+        <p:spPr/>
+        <p:txBody>
+          <a:bodyPr/>
+          <a:lstStyle/>
+          <a:p>
+            <a:r>
+              <a:rPr lang="en-US" dirty="0"/>
+              <a:t>Transformers – Attention</a:t>
+            </a:r>
+          </a:p>
+        </p:txBody>
+      </p:sp>
+      <mc:AlternateContent xmlns:mc="http://schemas.openxmlformats.org/markup-compatibility/2006" xmlns:a14="http://schemas.microsoft.com/office/drawing/2010/main">
+        <mc:Choice Requires="a14">
+          <p:sp>
+            <p:nvSpPr>
+              <p:cNvPr id="3" name="Content Placeholder 2">
+                <a:extLst>
+                  <a:ext uri="{FF2B5EF4-FFF2-40B4-BE49-F238E27FC236}">
+                    <a16:creationId xmlns:a16="http://schemas.microsoft.com/office/drawing/2014/main" id="{0B9F7512-FF46-4746-BDE8-B8E0F82D2F65}"/>
+                  </a:ext>
+                </a:extLst>
+              </p:cNvPr>
+              <p:cNvSpPr>
+                <a:spLocks noGrp="1"/>
+              </p:cNvSpPr>
+              <p:nvPr>
+                <p:ph idx="1"/>
+              </p:nvPr>
+            </p:nvSpPr>
+            <p:spPr/>
+            <p:txBody>
+              <a:bodyPr/>
+              <a:lstStyle/>
+              <a:p>
+                <a:pPr>
+                  <a:spcAft>
+                    <a:spcPts val="1200"/>
+                  </a:spcAft>
+                </a:pPr>
+                <a:r>
+                  <a:rPr lang="en-US" dirty="0"/>
+                  <a:t>For transformers, the context vector </a:t>
+                </a:r>
+                <a14:m>
+                  <m:oMath xmlns:m="http://schemas.openxmlformats.org/officeDocument/2006/math">
+                    <m:r>
+                      <a:rPr lang="en-US" i="1" dirty="0" smtClean="0">
+                        <a:latin typeface="Cambria Math" panose="02040503050406030204" pitchFamily="18" charset="0"/>
+                      </a:rPr>
+                      <m:t>𝐶</m:t>
+                    </m:r>
+                  </m:oMath>
+                </a14:m>
+                <a:r>
+                  <a:rPr lang="en-US" dirty="0"/>
+                  <a:t> due to attention is computed from a set of key-value </a:t>
+                </a:r>
+                <a14:m>
+                  <m:oMath xmlns:m="http://schemas.openxmlformats.org/officeDocument/2006/math">
+                    <m:r>
+                      <a:rPr lang="en-US" i="1" dirty="0" smtClean="0">
+                        <a:latin typeface="Cambria Math" panose="02040503050406030204" pitchFamily="18" charset="0"/>
+                      </a:rPr>
+                      <m:t>(</m:t>
+                    </m:r>
+                    <m:r>
+                      <a:rPr lang="en-US" i="1" dirty="0" smtClean="0">
+                        <a:latin typeface="Cambria Math" panose="02040503050406030204" pitchFamily="18" charset="0"/>
+                      </a:rPr>
+                      <m:t>𝐾</m:t>
+                    </m:r>
+                    <m:r>
+                      <a:rPr lang="en-US" i="1" dirty="0" smtClean="0">
+                        <a:latin typeface="Cambria Math" panose="02040503050406030204" pitchFamily="18" charset="0"/>
+                      </a:rPr>
+                      <m:t>,</m:t>
+                    </m:r>
+                    <m:r>
+                      <a:rPr lang="en-US" i="1" dirty="0" smtClean="0">
+                        <a:latin typeface="Cambria Math" panose="02040503050406030204" pitchFamily="18" charset="0"/>
+                      </a:rPr>
+                      <m:t>𝑉</m:t>
+                    </m:r>
+                    <m:r>
+                      <a:rPr lang="en-US" i="1" dirty="0" smtClean="0">
+                        <a:latin typeface="Cambria Math" panose="02040503050406030204" pitchFamily="18" charset="0"/>
+                      </a:rPr>
+                      <m:t>)</m:t>
+                    </m:r>
+                  </m:oMath>
+                </a14:m>
+                <a:r>
+                  <a:rPr lang="en-US" dirty="0"/>
+                  <a:t> pairs and a query </a:t>
+                </a:r>
+                <a14:m>
+                  <m:oMath xmlns:m="http://schemas.openxmlformats.org/officeDocument/2006/math">
+                    <m:r>
+                      <a:rPr lang="en-US" i="1" dirty="0" smtClean="0">
+                        <a:latin typeface="Cambria Math" panose="02040503050406030204" pitchFamily="18" charset="0"/>
+                      </a:rPr>
+                      <m:t>𝑄</m:t>
+                    </m:r>
+                  </m:oMath>
+                </a14:m>
+                <a:r>
+                  <a:rPr lang="en-US" dirty="0"/>
+                  <a:t>. Specifically,</a:t>
+                </a:r>
+              </a:p>
+              <a:p>
+                <a:pPr marL="0" indent="0">
+                  <a:buNone/>
+                </a:pPr>
+                <a14:m>
+                  <m:oMathPara xmlns:m="http://schemas.openxmlformats.org/officeDocument/2006/math">
+                    <m:oMathParaPr>
+                      <m:jc m:val="centerGroup"/>
+                    </m:oMathParaPr>
+                    <m:oMath xmlns:m="http://schemas.openxmlformats.org/officeDocument/2006/math">
+                      <m:r>
+                        <a:rPr lang="en-US" b="0" i="1" smtClean="0">
+                          <a:latin typeface="Cambria Math" panose="02040503050406030204" pitchFamily="18" charset="0"/>
+                        </a:rPr>
+                        <m:t>𝐶</m:t>
+                      </m:r>
+                      <m:r>
+                        <a:rPr lang="en-US" b="0" i="1" smtClean="0">
+                          <a:latin typeface="Cambria Math" panose="02040503050406030204" pitchFamily="18" charset="0"/>
+                        </a:rPr>
+                        <m:t>(</m:t>
+                      </m:r>
+                      <m:r>
+                        <a:rPr lang="en-US" b="0" i="1" smtClean="0">
+                          <a:latin typeface="Cambria Math" panose="02040503050406030204" pitchFamily="18" charset="0"/>
+                        </a:rPr>
+                        <m:t>𝐾</m:t>
+                      </m:r>
+                      <m:r>
+                        <a:rPr lang="en-US" b="0" i="1" smtClean="0">
+                          <a:latin typeface="Cambria Math" panose="02040503050406030204" pitchFamily="18" charset="0"/>
+                        </a:rPr>
+                        <m:t>,</m:t>
+                      </m:r>
+                      <m:r>
+                        <a:rPr lang="en-US" b="0" i="1" smtClean="0">
+                          <a:latin typeface="Cambria Math" panose="02040503050406030204" pitchFamily="18" charset="0"/>
+                        </a:rPr>
+                        <m:t>𝑉</m:t>
+                      </m:r>
+                      <m:r>
+                        <a:rPr lang="en-US" b="0" i="1" smtClean="0">
+                          <a:latin typeface="Cambria Math" panose="02040503050406030204" pitchFamily="18" charset="0"/>
+                        </a:rPr>
+                        <m:t>,</m:t>
+                      </m:r>
+                      <m:r>
+                        <a:rPr lang="en-US" b="0" i="1" smtClean="0">
+                          <a:latin typeface="Cambria Math" panose="02040503050406030204" pitchFamily="18" charset="0"/>
+                        </a:rPr>
+                        <m:t>𝑄</m:t>
+                      </m:r>
+                      <m:r>
+                        <a:rPr lang="en-US" b="0" i="1" smtClean="0">
+                          <a:latin typeface="Cambria Math" panose="02040503050406030204" pitchFamily="18" charset="0"/>
+                        </a:rPr>
+                        <m:t>)=</m:t>
+                      </m:r>
+                      <m:r>
+                        <a:rPr lang="en-US" b="0" i="1" smtClean="0">
+                          <a:latin typeface="Cambria Math" panose="02040503050406030204" pitchFamily="18" charset="0"/>
+                        </a:rPr>
+                        <m:t>𝑠𝑜𝑓𝑡𝑚𝑎𝑥</m:t>
+                      </m:r>
+                      <m:d>
+                        <m:dPr>
+                          <m:ctrlPr>
+                            <a:rPr lang="en-US" b="0" i="1" smtClean="0">
+                              <a:latin typeface="Cambria Math" panose="02040503050406030204" pitchFamily="18" charset="0"/>
+                            </a:rPr>
+                          </m:ctrlPr>
+                        </m:dPr>
+                        <m:e>
+                          <m:f>
+                            <m:fPr>
+                              <m:ctrlPr>
+                                <a:rPr lang="en-US" b="0" i="1" smtClean="0">
+                                  <a:latin typeface="Cambria Math" panose="02040503050406030204" pitchFamily="18" charset="0"/>
+                                </a:rPr>
+                              </m:ctrlPr>
+                            </m:fPr>
+                            <m:num>
+                              <m:r>
+                                <a:rPr lang="en-US" b="0" i="1" smtClean="0">
+                                  <a:latin typeface="Cambria Math" panose="02040503050406030204" pitchFamily="18" charset="0"/>
+                                </a:rPr>
+                                <m:t>𝑄</m:t>
+                              </m:r>
+                              <m:sSup>
+                                <m:sSupPr>
+                                  <m:ctrlPr>
+                                    <a:rPr lang="en-US" b="0" i="1" smtClean="0">
+                                      <a:latin typeface="Cambria Math" panose="02040503050406030204" pitchFamily="18" charset="0"/>
+                                    </a:rPr>
+                                  </m:ctrlPr>
+                                </m:sSupPr>
+                                <m:e>
+                                  <m:r>
+                                    <a:rPr lang="en-US" b="0" i="1" smtClean="0">
+                                      <a:latin typeface="Cambria Math" panose="02040503050406030204" pitchFamily="18" charset="0"/>
+                                    </a:rPr>
+                                    <m:t>𝐾</m:t>
+                                  </m:r>
+                                </m:e>
+                                <m:sup>
+                                  <m:r>
+                                    <a:rPr lang="en-US" b="0" i="1" smtClean="0">
+                                      <a:latin typeface="Cambria Math" panose="02040503050406030204" pitchFamily="18" charset="0"/>
+                                    </a:rPr>
+                                    <m:t>⊤</m:t>
+                                  </m:r>
+                                </m:sup>
+                              </m:sSup>
+                            </m:num>
+                            <m:den>
+                              <m:rad>
+                                <m:radPr>
+                                  <m:degHide m:val="on"/>
+                                  <m:ctrlPr>
+                                    <a:rPr lang="en-US" b="0" i="1" smtClean="0">
+                                      <a:latin typeface="Cambria Math" panose="02040503050406030204" pitchFamily="18" charset="0"/>
+                                    </a:rPr>
+                                  </m:ctrlPr>
+                                </m:radPr>
+                                <m:deg/>
+                                <m:e>
+                                  <m:sSub>
+                                    <m:sSubPr>
+                                      <m:ctrlPr>
+                                        <a:rPr lang="en-US" b="0" i="1" smtClean="0">
+                                          <a:latin typeface="Cambria Math" panose="02040503050406030204" pitchFamily="18" charset="0"/>
+                                        </a:rPr>
+                                      </m:ctrlPr>
+                                    </m:sSubPr>
+                                    <m:e>
+                                      <m:r>
+                                        <a:rPr lang="en-US" b="0" i="1" smtClean="0">
+                                          <a:latin typeface="Cambria Math" panose="02040503050406030204" pitchFamily="18" charset="0"/>
+                                        </a:rPr>
+                                        <m:t>𝑑</m:t>
+                                      </m:r>
+                                    </m:e>
+                                    <m:sub>
+                                      <m:r>
+                                        <a:rPr lang="en-US" b="0" i="1" smtClean="0">
+                                          <a:latin typeface="Cambria Math" panose="02040503050406030204" pitchFamily="18" charset="0"/>
+                                        </a:rPr>
+                                        <m:t>𝑘</m:t>
+                                      </m:r>
+                                    </m:sub>
+                                  </m:sSub>
+                                </m:e>
+                              </m:rad>
+                            </m:den>
+                          </m:f>
+                        </m:e>
+                      </m:d>
+                      <m:r>
+                        <a:rPr lang="en-US" b="0" i="1" smtClean="0">
+                          <a:latin typeface="Cambria Math" panose="02040503050406030204" pitchFamily="18" charset="0"/>
+                        </a:rPr>
+                        <m:t>𝑉</m:t>
+                      </m:r>
+                    </m:oMath>
+                  </m:oMathPara>
+                </a14:m>
+                <a:endParaRPr lang="en-US" dirty="0"/>
+              </a:p>
+              <a:p>
+                <a:pPr indent="0">
+                  <a:buNone/>
+                </a:pPr>
+                <a:r>
+                  <a:rPr lang="en-US" dirty="0"/>
+                  <a:t>where </a:t>
+                </a:r>
+                <a14:m>
+                  <m:oMath xmlns:m="http://schemas.openxmlformats.org/officeDocument/2006/math">
+                    <m:r>
+                      <a:rPr lang="en-US" i="1" dirty="0" smtClean="0">
+                        <a:latin typeface="Cambria Math" panose="02040503050406030204" pitchFamily="18" charset="0"/>
+                      </a:rPr>
+                      <m:t>(</m:t>
+                    </m:r>
+                    <m:r>
+                      <a:rPr lang="en-US" i="1" dirty="0" smtClean="0">
+                        <a:latin typeface="Cambria Math" panose="02040503050406030204" pitchFamily="18" charset="0"/>
+                      </a:rPr>
+                      <m:t>𝐾</m:t>
+                    </m:r>
+                    <m:r>
+                      <a:rPr lang="en-US" b="0" i="1" dirty="0" smtClean="0">
+                        <a:latin typeface="Cambria Math" panose="02040503050406030204" pitchFamily="18" charset="0"/>
+                      </a:rPr>
+                      <m:t>=</m:t>
+                    </m:r>
+                    <m:r>
+                      <a:rPr lang="en-US" b="0" i="1" dirty="0" smtClean="0">
+                        <a:latin typeface="Cambria Math" panose="02040503050406030204" pitchFamily="18" charset="0"/>
+                      </a:rPr>
+                      <m:t>𝑋</m:t>
+                    </m:r>
+                    <m:sSup>
+                      <m:sSupPr>
+                        <m:ctrlPr>
+                          <a:rPr lang="en-US" b="0" i="1" dirty="0" smtClean="0">
+                            <a:latin typeface="Cambria Math" panose="02040503050406030204" pitchFamily="18" charset="0"/>
+                          </a:rPr>
+                        </m:ctrlPr>
+                      </m:sSupPr>
+                      <m:e>
+                        <m:r>
+                          <a:rPr lang="en-US" b="0" i="1" dirty="0" smtClean="0">
+                            <a:latin typeface="Cambria Math" panose="02040503050406030204" pitchFamily="18" charset="0"/>
+                          </a:rPr>
+                          <m:t>𝑊</m:t>
+                        </m:r>
+                      </m:e>
+                      <m:sup>
+                        <m:r>
+                          <a:rPr lang="en-US" b="0" i="1" dirty="0" smtClean="0">
+                            <a:latin typeface="Cambria Math" panose="02040503050406030204" pitchFamily="18" charset="0"/>
+                          </a:rPr>
+                          <m:t>𝐾</m:t>
+                        </m:r>
+                      </m:sup>
+                    </m:sSup>
+                    <m:r>
+                      <a:rPr lang="en-US" i="1" dirty="0" smtClean="0">
+                        <a:latin typeface="Cambria Math" panose="02040503050406030204" pitchFamily="18" charset="0"/>
+                      </a:rPr>
+                      <m:t>,</m:t>
+                    </m:r>
+                    <m:r>
+                      <a:rPr lang="en-US" i="1" dirty="0" smtClean="0">
+                        <a:latin typeface="Cambria Math" panose="02040503050406030204" pitchFamily="18" charset="0"/>
+                      </a:rPr>
+                      <m:t>𝑉</m:t>
+                    </m:r>
+                    <m:r>
+                      <a:rPr lang="en-US" b="0" i="1" dirty="0" smtClean="0">
+                        <a:latin typeface="Cambria Math" panose="02040503050406030204" pitchFamily="18" charset="0"/>
+                      </a:rPr>
+                      <m:t>=</m:t>
+                    </m:r>
+                    <m:r>
+                      <a:rPr lang="en-US" b="0" i="1" dirty="0" smtClean="0">
+                        <a:latin typeface="Cambria Math" panose="02040503050406030204" pitchFamily="18" charset="0"/>
+                      </a:rPr>
+                      <m:t>𝑋</m:t>
+                    </m:r>
+                    <m:sSup>
+                      <m:sSupPr>
+                        <m:ctrlPr>
+                          <a:rPr lang="en-US" b="0" i="1" dirty="0" smtClean="0">
+                            <a:latin typeface="Cambria Math" panose="02040503050406030204" pitchFamily="18" charset="0"/>
+                          </a:rPr>
+                        </m:ctrlPr>
+                      </m:sSupPr>
+                      <m:e>
+                        <m:r>
+                          <a:rPr lang="en-US" b="0" i="1" dirty="0" smtClean="0">
+                            <a:latin typeface="Cambria Math" panose="02040503050406030204" pitchFamily="18" charset="0"/>
+                          </a:rPr>
+                          <m:t>𝑊</m:t>
+                        </m:r>
+                      </m:e>
+                      <m:sup>
+                        <m:r>
+                          <a:rPr lang="en-US" b="0" i="1" dirty="0" smtClean="0">
+                            <a:latin typeface="Cambria Math" panose="02040503050406030204" pitchFamily="18" charset="0"/>
+                          </a:rPr>
+                          <m:t>𝑉</m:t>
+                        </m:r>
+                      </m:sup>
+                    </m:sSup>
+                    <m:r>
+                      <a:rPr lang="en-US" i="1" dirty="0" smtClean="0">
+                        <a:latin typeface="Cambria Math" panose="02040503050406030204" pitchFamily="18" charset="0"/>
+                      </a:rPr>
+                      <m:t>,</m:t>
+                    </m:r>
+                    <m:r>
+                      <a:rPr lang="en-US" i="1" dirty="0" smtClean="0">
+                        <a:latin typeface="Cambria Math" panose="02040503050406030204" pitchFamily="18" charset="0"/>
+                      </a:rPr>
+                      <m:t>𝑄</m:t>
+                    </m:r>
+                    <m:r>
+                      <a:rPr lang="en-US" b="0" i="1" dirty="0" smtClean="0">
+                        <a:latin typeface="Cambria Math" panose="02040503050406030204" pitchFamily="18" charset="0"/>
+                      </a:rPr>
+                      <m:t>=</m:t>
+                    </m:r>
+                    <m:r>
+                      <a:rPr lang="en-US" b="0" i="1" dirty="0" smtClean="0">
+                        <a:latin typeface="Cambria Math" panose="02040503050406030204" pitchFamily="18" charset="0"/>
+                      </a:rPr>
+                      <m:t>𝑋</m:t>
+                    </m:r>
+                    <m:sSup>
+                      <m:sSupPr>
+                        <m:ctrlPr>
+                          <a:rPr lang="en-US" b="0" i="1" dirty="0" smtClean="0">
+                            <a:latin typeface="Cambria Math" panose="02040503050406030204" pitchFamily="18" charset="0"/>
+                          </a:rPr>
+                        </m:ctrlPr>
+                      </m:sSupPr>
+                      <m:e>
+                        <m:r>
+                          <a:rPr lang="en-US" b="0" i="1" dirty="0" smtClean="0">
+                            <a:latin typeface="Cambria Math" panose="02040503050406030204" pitchFamily="18" charset="0"/>
+                          </a:rPr>
+                          <m:t>𝑊</m:t>
+                        </m:r>
+                      </m:e>
+                      <m:sup>
+                        <m:r>
+                          <a:rPr lang="en-US" b="0" i="1" dirty="0" smtClean="0">
+                            <a:latin typeface="Cambria Math" panose="02040503050406030204" pitchFamily="18" charset="0"/>
+                          </a:rPr>
+                          <m:t>𝑄</m:t>
+                        </m:r>
+                      </m:sup>
+                    </m:sSup>
+                    <m:r>
+                      <a:rPr lang="en-US" i="1" dirty="0" smtClean="0">
+                        <a:latin typeface="Cambria Math" panose="02040503050406030204" pitchFamily="18" charset="0"/>
+                      </a:rPr>
+                      <m:t>)</m:t>
+                    </m:r>
+                  </m:oMath>
+                </a14:m>
+                <a:r>
+                  <a:rPr lang="en-US" dirty="0"/>
+                  <a:t>.</a:t>
+                </a:r>
+              </a:p>
+              <a:p>
+                <a:endParaRPr lang="en-US" dirty="0"/>
+              </a:p>
+              <a:p>
+                <a:r>
+                  <a:rPr lang="en-US" dirty="0"/>
+                  <a:t>Compare to previous approach in which</a:t>
+                </a:r>
+              </a:p>
+              <a:p>
+                <a:pPr marL="0" indent="0">
+                  <a:buNone/>
+                </a:pPr>
+                <a14:m>
+                  <m:oMathPara xmlns:m="http://schemas.openxmlformats.org/officeDocument/2006/math">
+                    <m:oMathParaPr>
+                      <m:jc m:val="centerGroup"/>
+                    </m:oMathParaPr>
+                    <m:oMath xmlns:m="http://schemas.openxmlformats.org/officeDocument/2006/math">
+                      <m:sSub>
+                        <m:sSubPr>
+                          <m:ctrlPr>
+                            <a:rPr lang="en-US" i="1" smtClean="0">
+                              <a:latin typeface="Cambria Math" panose="02040503050406030204" pitchFamily="18" charset="0"/>
+                            </a:rPr>
+                          </m:ctrlPr>
+                        </m:sSubPr>
+                        <m:e>
+                          <m:r>
+                            <a:rPr lang="en-US" i="1">
+                              <a:latin typeface="Cambria Math" panose="02040503050406030204" pitchFamily="18" charset="0"/>
+                            </a:rPr>
+                            <m:t>𝑐</m:t>
+                          </m:r>
+                        </m:e>
+                        <m:sub>
+                          <m:r>
+                            <a:rPr lang="en-US" i="1">
+                              <a:latin typeface="Cambria Math" panose="02040503050406030204" pitchFamily="18" charset="0"/>
+                            </a:rPr>
+                            <m:t>𝑡</m:t>
+                          </m:r>
+                        </m:sub>
+                      </m:sSub>
+                      <m:r>
+                        <a:rPr lang="en-US" i="1">
+                          <a:latin typeface="Cambria Math" panose="02040503050406030204" pitchFamily="18" charset="0"/>
+                        </a:rPr>
+                        <m:t>=</m:t>
+                      </m:r>
+                      <m:nary>
+                        <m:naryPr>
+                          <m:chr m:val="∑"/>
+                          <m:supHide m:val="on"/>
+                          <m:ctrlPr>
+                            <a:rPr lang="en-US" i="1">
+                              <a:latin typeface="Cambria Math" panose="02040503050406030204" pitchFamily="18" charset="0"/>
+                            </a:rPr>
+                          </m:ctrlPr>
+                        </m:naryPr>
+                        <m:sub>
+                          <m:r>
+                            <a:rPr lang="en-US" i="1">
+                              <a:latin typeface="Cambria Math" panose="02040503050406030204" pitchFamily="18" charset="0"/>
+                            </a:rPr>
+                            <m:t>𝑖</m:t>
+                          </m:r>
+                        </m:sub>
+                        <m:sup/>
+                        <m:e>
+                          <m:r>
+                            <a:rPr lang="en-US" i="1">
+                              <a:latin typeface="Cambria Math" panose="02040503050406030204" pitchFamily="18" charset="0"/>
+                            </a:rPr>
+                            <m:t>𝑠𝑜𝑓𝑡𝑚𝑎𝑥</m:t>
+                          </m:r>
+                          <m:r>
+                            <a:rPr lang="en-US" i="1">
+                              <a:latin typeface="Cambria Math" panose="02040503050406030204" pitchFamily="18" charset="0"/>
+                            </a:rPr>
+                            <m:t>(</m:t>
+                          </m:r>
+                          <m:sSub>
+                            <m:sSubPr>
+                              <m:ctrlPr>
+                                <a:rPr lang="en-US" i="1">
+                                  <a:latin typeface="Cambria Math" panose="02040503050406030204" pitchFamily="18" charset="0"/>
+                                </a:rPr>
+                              </m:ctrlPr>
+                            </m:sSubPr>
+                            <m:e>
+                              <m:r>
+                                <a:rPr lang="en-US" i="1">
+                                  <a:latin typeface="Cambria Math" panose="02040503050406030204" pitchFamily="18" charset="0"/>
+                                </a:rPr>
+                                <m:t>𝑎</m:t>
+                              </m:r>
+                            </m:e>
+                            <m:sub>
+                              <m:r>
+                                <a:rPr lang="en-US" i="1">
+                                  <a:latin typeface="Cambria Math" panose="02040503050406030204" pitchFamily="18" charset="0"/>
+                                </a:rPr>
+                                <m:t>𝑡</m:t>
+                              </m:r>
+                              <m:r>
+                                <a:rPr lang="en-US" i="1">
+                                  <a:latin typeface="Cambria Math" panose="02040503050406030204" pitchFamily="18" charset="0"/>
+                                </a:rPr>
+                                <m:t>,</m:t>
+                              </m:r>
+                              <m:r>
+                                <a:rPr lang="en-US" i="1">
+                                  <a:latin typeface="Cambria Math" panose="02040503050406030204" pitchFamily="18" charset="0"/>
+                                </a:rPr>
+                                <m:t>𝑖</m:t>
+                              </m:r>
+                            </m:sub>
+                          </m:sSub>
+                          <m:r>
+                            <a:rPr lang="en-US" i="1">
+                              <a:latin typeface="Cambria Math" panose="02040503050406030204" pitchFamily="18" charset="0"/>
+                            </a:rPr>
+                            <m:t>)</m:t>
+                          </m:r>
+                          <m:sSub>
+                            <m:sSubPr>
+                              <m:ctrlPr>
+                                <a:rPr lang="en-US" i="1">
+                                  <a:latin typeface="Cambria Math" panose="02040503050406030204" pitchFamily="18" charset="0"/>
+                                </a:rPr>
+                              </m:ctrlPr>
+                            </m:sSubPr>
+                            <m:e>
+                              <m:r>
+                                <a:rPr lang="en-US" i="1">
+                                  <a:latin typeface="Cambria Math" panose="02040503050406030204" pitchFamily="18" charset="0"/>
+                                </a:rPr>
+                                <m:t>h</m:t>
+                              </m:r>
+                            </m:e>
+                            <m:sub>
+                              <m:r>
+                                <a:rPr lang="en-US" i="1">
+                                  <a:latin typeface="Cambria Math" panose="02040503050406030204" pitchFamily="18" charset="0"/>
+                                </a:rPr>
+                                <m:t>𝑖</m:t>
+                              </m:r>
+                            </m:sub>
+                          </m:sSub>
+                        </m:e>
+                      </m:nary>
+                    </m:oMath>
+                  </m:oMathPara>
+                </a14:m>
+                <a:endParaRPr lang="en-US" i="1" dirty="0">
+                  <a:latin typeface="Cambria Math" panose="02040503050406030204" pitchFamily="18" charset="0"/>
+                </a:endParaRPr>
+              </a:p>
+              <a:p>
+                <a:pPr marL="0" indent="0">
+                  <a:buNone/>
+                </a:pPr>
+                <a:endParaRPr lang="en-US" dirty="0"/>
+              </a:p>
+            </p:txBody>
+          </p:sp>
+        </mc:Choice>
+        <mc:Fallback xmlns="">
+          <p:sp>
+            <p:nvSpPr>
+              <p:cNvPr id="3" name="Content Placeholder 2">
+                <a:extLst>
+                  <a:ext uri="{FF2B5EF4-FFF2-40B4-BE49-F238E27FC236}">
+                    <a16:creationId xmlns:a16="http://schemas.microsoft.com/office/drawing/2014/main" id="{0B9F7512-FF46-4746-BDE8-B8E0F82D2F65}"/>
+                  </a:ext>
+                </a:extLst>
+              </p:cNvPr>
+              <p:cNvSpPr>
+                <a:spLocks noGrp="1" noRot="1" noChangeAspect="1" noMove="1" noResize="1" noEditPoints="1" noAdjustHandles="1" noChangeArrowheads="1" noChangeShapeType="1" noTextEdit="1"/>
+              </p:cNvSpPr>
+              <p:nvPr>
+                <p:ph idx="1"/>
+              </p:nvPr>
+            </p:nvSpPr>
+            <p:spPr>
+              <a:blipFill>
+                <a:blip r:embed="rId2"/>
+                <a:stretch>
+                  <a:fillRect l="-812" t="-1961" r="-870"/>
+                </a:stretch>
+              </a:blipFill>
+            </p:spPr>
+            <p:txBody>
+              <a:bodyPr/>
+              <a:lstStyle/>
+              <a:p>
+                <a:r>
+                  <a:rPr lang="en-US">
+                    <a:noFill/>
+                  </a:rPr>
+                  <a:t> </a:t>
+                </a:r>
+              </a:p>
+            </p:txBody>
+          </p:sp>
+        </mc:Fallback>
+      </mc:AlternateContent>
+      <p:sp>
+        <p:nvSpPr>
+          <p:cNvPr id="4" name="Slide Number Placeholder 3">
+            <a:extLst>
+              <a:ext uri="{FF2B5EF4-FFF2-40B4-BE49-F238E27FC236}">
+                <a16:creationId xmlns:a16="http://schemas.microsoft.com/office/drawing/2014/main" id="{47E2940D-EFD3-49FA-B692-7F139193FC77}"/>
+              </a:ext>
+            </a:extLst>
+          </p:cNvPr>
+          <p:cNvSpPr>
+            <a:spLocks noGrp="1"/>
+          </p:cNvSpPr>
+          <p:nvPr>
+            <p:ph type="sldNum" sz="quarter" idx="12"/>
+          </p:nvPr>
+        </p:nvSpPr>
+        <p:spPr/>
+        <p:txBody>
+          <a:bodyPr/>
+          <a:lstStyle/>
+          <a:p>
+            <a:fld id="{17214B29-2612-49B7-BCD5-5B417A3C392C}" type="slidenum">
+              <a:rPr lang="en-US" smtClean="0"/>
+              <a:t>6</a:t>
+            </a:fld>
+            <a:endParaRPr lang="en-US"/>
+          </a:p>
+        </p:txBody>
+      </p:sp>
+      <p:pic>
+        <p:nvPicPr>
+          <p:cNvPr id="11" name="Picture 10">
+            <a:extLst>
+              <a:ext uri="{FF2B5EF4-FFF2-40B4-BE49-F238E27FC236}">
+                <a16:creationId xmlns:a16="http://schemas.microsoft.com/office/drawing/2014/main" id="{516A0823-1FBE-425F-9861-CC27253C04F7}"/>
+              </a:ext>
+            </a:extLst>
+          </p:cNvPr>
+          <p:cNvPicPr>
+            <a:picLocks noChangeAspect="1"/>
+          </p:cNvPicPr>
+          <p:nvPr/>
+        </p:nvPicPr>
+        <p:blipFill rotWithShape="1">
+          <a:blip r:embed="rId3"/>
+          <a:srcRect t="6542"/>
+          <a:stretch/>
+        </p:blipFill>
+        <p:spPr>
+          <a:xfrm>
+            <a:off x="9456031" y="2398247"/>
+            <a:ext cx="2332611" cy="3964226"/>
+          </a:xfrm>
+          <a:prstGeom prst="rect">
+            <a:avLst/>
+          </a:prstGeom>
+        </p:spPr>
+      </p:pic>
+    </p:spTree>
+    <p:extLst>
+      <p:ext uri="{BB962C8B-B14F-4D97-AF65-F5344CB8AC3E}">
+        <p14:creationId xmlns:p14="http://schemas.microsoft.com/office/powerpoint/2010/main" val="2277291052"/>
+      </p:ext>
+    </p:extLst>
+  </p:cSld>
+  <p:clrMapOvr>
+    <a:masterClrMapping/>
+  </p:clrMapOvr>
+</p:sld>
+</file>
+
+<file path=ppt/slides/slide7.xml><?xml version="1.0" encoding="utf-8"?>
+<p:sld xmlns:a="http://schemas.openxmlformats.org/drawingml/2006/main" xmlns:r="http://schemas.openxmlformats.org/officeDocument/2006/relationships" xmlns:p="http://schemas.openxmlformats.org/presentationml/2006/main">
+  <p:cSld>
+    <p:spTree>
+      <p:nvGrpSpPr>
+        <p:cNvPr id="1" name=""/>
+        <p:cNvGrpSpPr/>
+        <p:nvPr/>
+      </p:nvGrpSpPr>
+      <p:grpSpPr>
+        <a:xfrm>
+          <a:off x="0" y="0"/>
+          <a:ext cx="0" cy="0"/>
+          <a:chOff x="0" y="0"/>
+          <a:chExt cx="0" cy="0"/>
+        </a:xfrm>
+      </p:grpSpPr>
+      <p:sp>
+        <p:nvSpPr>
+          <p:cNvPr id="2" name="Title 1">
+            <a:extLst>
+              <a:ext uri="{FF2B5EF4-FFF2-40B4-BE49-F238E27FC236}">
+                <a16:creationId xmlns:a16="http://schemas.microsoft.com/office/drawing/2014/main" id="{6655A8A6-5672-0E14-5176-CF4CE54C2898}"/>
+              </a:ext>
+            </a:extLst>
+          </p:cNvPr>
+          <p:cNvSpPr>
+            <a:spLocks noGrp="1"/>
+          </p:cNvSpPr>
+          <p:nvPr>
+            <p:ph type="title"/>
+          </p:nvPr>
+        </p:nvSpPr>
+        <p:spPr>
+          <a:xfrm>
+            <a:off x="838199" y="365125"/>
+            <a:ext cx="10686691" cy="1325563"/>
+          </a:xfrm>
+        </p:spPr>
+        <p:txBody>
+          <a:bodyPr>
+            <a:normAutofit/>
+          </a:bodyPr>
+          <a:lstStyle/>
+          <a:p>
+            <a:r>
+              <a:rPr lang="en-US" dirty="0"/>
+              <a:t>Bleu (Bilingual Evaluation Understudy) Score</a:t>
+            </a:r>
+          </a:p>
+        </p:txBody>
+      </p:sp>
+      <p:sp>
+        <p:nvSpPr>
+          <p:cNvPr id="3" name="Content Placeholder 2">
+            <a:extLst>
+              <a:ext uri="{FF2B5EF4-FFF2-40B4-BE49-F238E27FC236}">
+                <a16:creationId xmlns:a16="http://schemas.microsoft.com/office/drawing/2014/main" id="{81D2D611-7761-484D-98B9-9715085BB748}"/>
+              </a:ext>
+            </a:extLst>
+          </p:cNvPr>
+          <p:cNvSpPr>
+            <a:spLocks noGrp="1"/>
+          </p:cNvSpPr>
+          <p:nvPr>
+            <p:ph idx="1"/>
+          </p:nvPr>
+        </p:nvSpPr>
+        <p:spPr/>
+        <p:txBody>
+          <a:bodyPr/>
+          <a:lstStyle/>
+          <a:p>
+            <a:r>
+              <a:rPr lang="en-US" dirty="0"/>
+              <a:t>It is a weighted version of the geometric average of n-grams:</a:t>
+            </a:r>
+          </a:p>
+          <a:p>
+            <a:endParaRPr lang="en-US" dirty="0"/>
+          </a:p>
+          <a:p>
+            <a:pPr indent="0">
+              <a:buNone/>
+            </a:pPr>
+            <a:r>
+              <a:rPr lang="en-US" dirty="0"/>
+              <a:t>where</a:t>
+            </a:r>
+          </a:p>
+          <a:p>
+            <a:endParaRPr lang="en-US" dirty="0"/>
+          </a:p>
+          <a:p>
+            <a:endParaRPr lang="en-US" dirty="0"/>
+          </a:p>
+          <a:p>
+            <a:endParaRPr lang="en-US" dirty="0"/>
+          </a:p>
+          <a:p>
+            <a:endParaRPr lang="en-US" dirty="0"/>
+          </a:p>
+        </p:txBody>
+      </p:sp>
+      <p:sp>
+        <p:nvSpPr>
+          <p:cNvPr id="4" name="Slide Number Placeholder 3">
+            <a:extLst>
+              <a:ext uri="{FF2B5EF4-FFF2-40B4-BE49-F238E27FC236}">
+                <a16:creationId xmlns:a16="http://schemas.microsoft.com/office/drawing/2014/main" id="{426AF488-44D5-FF5B-8EDB-F2ABFF450F0F}"/>
+              </a:ext>
+            </a:extLst>
+          </p:cNvPr>
+          <p:cNvSpPr>
+            <a:spLocks noGrp="1"/>
+          </p:cNvSpPr>
+          <p:nvPr>
+            <p:ph type="sldNum" sz="quarter" idx="12"/>
+          </p:nvPr>
+        </p:nvSpPr>
+        <p:spPr/>
+        <p:txBody>
+          <a:bodyPr/>
+          <a:lstStyle/>
+          <a:p>
+            <a:fld id="{17214B29-2612-49B7-BCD5-5B417A3C392C}" type="slidenum">
+              <a:rPr lang="en-US" smtClean="0"/>
+              <a:t>7</a:t>
+            </a:fld>
+            <a:endParaRPr lang="en-US"/>
+          </a:p>
+        </p:txBody>
+      </p:sp>
+      <p:pic>
+        <p:nvPicPr>
+          <p:cNvPr id="4108" name="Picture 12">
+            <a:extLst>
+              <a:ext uri="{FF2B5EF4-FFF2-40B4-BE49-F238E27FC236}">
+                <a16:creationId xmlns:a16="http://schemas.microsoft.com/office/drawing/2014/main" id="{ABAE5611-3C8C-C57E-BCC6-8150E90A8504}"/>
+              </a:ext>
+            </a:extLst>
+          </p:cNvPr>
+          <p:cNvPicPr>
+            <a:picLocks noChangeAspect="1" noChangeArrowheads="1"/>
+          </p:cNvPicPr>
+          <p:nvPr/>
+        </p:nvPicPr>
+        <p:blipFill>
+          <a:blip r:embed="rId2">
+            <a:extLst>
+              <a:ext uri="{28A0092B-C50C-407E-A947-70E740481C1C}">
+                <a14:useLocalDpi xmlns:a14="http://schemas.microsoft.com/office/drawing/2010/main" val="0"/>
+              </a:ext>
+            </a:extLst>
+          </a:blip>
+          <a:srcRect/>
+          <a:stretch>
+            <a:fillRect/>
+          </a:stretch>
+        </p:blipFill>
+        <p:spPr bwMode="auto">
+          <a:xfrm>
+            <a:off x="4697867" y="3082248"/>
+            <a:ext cx="6581775" cy="1905000"/>
+          </a:xfrm>
+          <a:prstGeom prst="rect">
+            <a:avLst/>
+          </a:prstGeom>
+          <a:noFill/>
+          <a:extLst>
+            <a:ext uri="{909E8E84-426E-40DD-AFC4-6F175D3DCCD1}">
+              <a14:hiddenFill xmlns:a14="http://schemas.microsoft.com/office/drawing/2010/main">
+                <a:solidFill>
+                  <a:srgbClr val="FFFFFF"/>
+                </a:solidFill>
+              </a14:hiddenFill>
+            </a:ext>
+          </a:extLst>
+        </p:spPr>
+      </p:pic>
+      <p:pic>
+        <p:nvPicPr>
+          <p:cNvPr id="4112" name="Picture 16">
+            <a:extLst>
+              <a:ext uri="{FF2B5EF4-FFF2-40B4-BE49-F238E27FC236}">
+                <a16:creationId xmlns:a16="http://schemas.microsoft.com/office/drawing/2014/main" id="{0594B2EB-9B6F-1C6C-732C-03E5599653CA}"/>
+              </a:ext>
+            </a:extLst>
+          </p:cNvPr>
+          <p:cNvPicPr>
+            <a:picLocks noChangeAspect="1" noChangeArrowheads="1"/>
+          </p:cNvPicPr>
+          <p:nvPr/>
+        </p:nvPicPr>
+        <p:blipFill>
+          <a:blip r:embed="rId3">
+            <a:extLst>
+              <a:ext uri="{28A0092B-C50C-407E-A947-70E740481C1C}">
+                <a14:useLocalDpi xmlns:a14="http://schemas.microsoft.com/office/drawing/2010/main" val="0"/>
+              </a:ext>
+            </a:extLst>
+          </a:blip>
+          <a:srcRect/>
+          <a:stretch>
+            <a:fillRect/>
+          </a:stretch>
+        </p:blipFill>
+        <p:spPr bwMode="auto">
+          <a:xfrm>
+            <a:off x="2743881" y="2264229"/>
+            <a:ext cx="7109732" cy="398145"/>
+          </a:xfrm>
+          <a:prstGeom prst="rect">
+            <a:avLst/>
+          </a:prstGeom>
+          <a:noFill/>
+          <a:extLst>
+            <a:ext uri="{909E8E84-426E-40DD-AFC4-6F175D3DCCD1}">
+              <a14:hiddenFill xmlns:a14="http://schemas.microsoft.com/office/drawing/2010/main">
+                <a:solidFill>
+                  <a:srgbClr val="FFFFFF"/>
+                </a:solidFill>
+              </a14:hiddenFill>
+            </a:ext>
+          </a:extLst>
+        </p:spPr>
+      </p:pic>
+      <p:pic>
+        <p:nvPicPr>
+          <p:cNvPr id="6" name="Picture 5">
+            <a:extLst>
+              <a:ext uri="{FF2B5EF4-FFF2-40B4-BE49-F238E27FC236}">
+                <a16:creationId xmlns:a16="http://schemas.microsoft.com/office/drawing/2014/main" id="{2C51BB66-3E32-AF48-1909-FE8B312709AC}"/>
+              </a:ext>
+            </a:extLst>
+          </p:cNvPr>
+          <p:cNvPicPr>
+            <a:picLocks noChangeAspect="1"/>
+          </p:cNvPicPr>
+          <p:nvPr/>
+        </p:nvPicPr>
+        <p:blipFill>
+          <a:blip r:embed="rId4"/>
+          <a:stretch>
+            <a:fillRect/>
+          </a:stretch>
+        </p:blipFill>
+        <p:spPr>
+          <a:xfrm>
+            <a:off x="1401681" y="4001294"/>
+            <a:ext cx="5728461" cy="2277152"/>
+          </a:xfrm>
+          <a:prstGeom prst="rect">
+            <a:avLst/>
+          </a:prstGeom>
+          <a:ln>
+            <a:solidFill>
+              <a:schemeClr val="tx1"/>
+            </a:solidFill>
+          </a:ln>
+        </p:spPr>
+      </p:pic>
+    </p:spTree>
+    <p:extLst>
+      <p:ext uri="{BB962C8B-B14F-4D97-AF65-F5344CB8AC3E}">
+        <p14:creationId xmlns:p14="http://schemas.microsoft.com/office/powerpoint/2010/main" val="4166467394"/>
+      </p:ext>
+    </p:extLst>
+  </p:cSld>
+  <p:clrMapOvr>
+    <a:masterClrMapping/>
+  </p:clrMapOvr>
+</p:sld>
+</file>
+
+<file path=ppt/slides/slide8.xml><?xml version="1.0" encoding="utf-8"?>
+<p:sld xmlns:a="http://schemas.openxmlformats.org/drawingml/2006/main" xmlns:r="http://schemas.openxmlformats.org/officeDocument/2006/relationships" xmlns:p="http://schemas.openxmlformats.org/presentationml/2006/main">
+  <p:cSld>
+    <p:spTree>
+      <p:nvGrpSpPr>
+        <p:cNvPr id="1" name=""/>
+        <p:cNvGrpSpPr/>
+        <p:nvPr/>
+      </p:nvGrpSpPr>
+      <p:grpSpPr>
+        <a:xfrm>
+          <a:off x="0" y="0"/>
+          <a:ext cx="0" cy="0"/>
+          <a:chOff x="0" y="0"/>
+          <a:chExt cx="0" cy="0"/>
+        </a:xfrm>
+      </p:grpSpPr>
+      <p:sp>
+        <p:nvSpPr>
+          <p:cNvPr id="4" name="Slide Number Placeholder 3">
+            <a:extLst>
+              <a:ext uri="{FF2B5EF4-FFF2-40B4-BE49-F238E27FC236}">
+                <a16:creationId xmlns:a16="http://schemas.microsoft.com/office/drawing/2014/main" id="{25507CAF-1D77-345C-48FE-CE2AC57C3266}"/>
+              </a:ext>
+            </a:extLst>
+          </p:cNvPr>
+          <p:cNvSpPr>
+            <a:spLocks noGrp="1"/>
+          </p:cNvSpPr>
+          <p:nvPr>
+            <p:ph type="sldNum" sz="quarter" idx="12"/>
+          </p:nvPr>
+        </p:nvSpPr>
+        <p:spPr/>
+        <p:txBody>
+          <a:bodyPr/>
+          <a:lstStyle/>
+          <a:p>
+            <a:fld id="{17214B29-2612-49B7-BCD5-5B417A3C392C}" type="slidenum">
+              <a:rPr lang="en-US" smtClean="0"/>
+              <a:t>8</a:t>
+            </a:fld>
+            <a:endParaRPr lang="en-US"/>
+          </a:p>
+        </p:txBody>
+      </p:sp>
+      <p:pic>
+        <p:nvPicPr>
+          <p:cNvPr id="3074" name="Picture 2">
+            <a:extLst>
+              <a:ext uri="{FF2B5EF4-FFF2-40B4-BE49-F238E27FC236}">
+                <a16:creationId xmlns:a16="http://schemas.microsoft.com/office/drawing/2014/main" id="{0E949DCD-9D89-AE00-EA22-12AC8E4FEC88}"/>
+              </a:ext>
+            </a:extLst>
+          </p:cNvPr>
+          <p:cNvPicPr>
+            <a:picLocks noChangeAspect="1" noChangeArrowheads="1"/>
+          </p:cNvPicPr>
+          <p:nvPr/>
+        </p:nvPicPr>
+        <p:blipFill>
+          <a:blip r:embed="rId2">
+            <a:extLst>
+              <a:ext uri="{28A0092B-C50C-407E-A947-70E740481C1C}">
+                <a14:useLocalDpi xmlns:a14="http://schemas.microsoft.com/office/drawing/2010/main" val="0"/>
+              </a:ext>
+            </a:extLst>
+          </a:blip>
+          <a:srcRect/>
+          <a:stretch>
+            <a:fillRect/>
+          </a:stretch>
+        </p:blipFill>
+        <p:spPr bwMode="auto">
+          <a:xfrm>
+            <a:off x="739420" y="1372393"/>
+            <a:ext cx="7500451" cy="4375263"/>
+          </a:xfrm>
+          <a:prstGeom prst="rect">
+            <a:avLst/>
+          </a:prstGeom>
+          <a:noFill/>
+          <a:extLst>
+            <a:ext uri="{909E8E84-426E-40DD-AFC4-6F175D3DCCD1}">
+              <a14:hiddenFill xmlns:a14="http://schemas.microsoft.com/office/drawing/2010/main">
+                <a:solidFill>
+                  <a:srgbClr val="FFFFFF"/>
+                </a:solidFill>
+              </a14:hiddenFill>
+            </a:ext>
+          </a:extLst>
+        </p:spPr>
+      </p:pic>
+      <mc:AlternateContent xmlns:mc="http://schemas.openxmlformats.org/markup-compatibility/2006" xmlns:a14="http://schemas.microsoft.com/office/drawing/2010/main">
+        <mc:Choice Requires="a14">
+          <p:sp>
+            <p:nvSpPr>
+              <p:cNvPr id="3" name="Content Placeholder 2">
+                <a:extLst>
+                  <a:ext uri="{FF2B5EF4-FFF2-40B4-BE49-F238E27FC236}">
+                    <a16:creationId xmlns:a16="http://schemas.microsoft.com/office/drawing/2014/main" id="{A5290A38-F633-809C-A43D-0B41AB2D0032}"/>
+                  </a:ext>
+                </a:extLst>
+              </p:cNvPr>
+              <p:cNvSpPr>
+                <a:spLocks noGrp="1"/>
+              </p:cNvSpPr>
+              <p:nvPr>
+                <p:ph idx="1"/>
+              </p:nvPr>
+            </p:nvSpPr>
+            <p:spPr>
+              <a:xfrm>
+                <a:off x="5181599" y="4778804"/>
+                <a:ext cx="6858001" cy="1589315"/>
+              </a:xfrm>
+            </p:spPr>
+            <p:txBody>
+              <a:bodyPr>
+                <a:normAutofit/>
+              </a:bodyPr>
+              <a:lstStyle/>
+              <a:p>
+                <a:r>
+                  <a:rPr lang="en-US" dirty="0"/>
+                  <a:t>Position is encoded using</a:t>
+                </a:r>
+              </a:p>
+              <a:p>
+                <a:endParaRPr lang="en-US" sz="600" dirty="0"/>
+              </a:p>
+              <a:p>
+                <a:pPr marL="0" indent="0">
+                  <a:buNone/>
+                </a:pPr>
+                <a14:m>
+                  <m:oMathPara xmlns:m="http://schemas.openxmlformats.org/officeDocument/2006/math">
+                    <m:oMathParaPr>
+                      <m:jc m:val="centerGroup"/>
+                    </m:oMathParaPr>
+                    <m:oMath xmlns:m="http://schemas.openxmlformats.org/officeDocument/2006/math">
+                      <m:r>
+                        <a:rPr lang="en-US" b="0" i="1" smtClean="0">
+                          <a:latin typeface="Cambria Math" panose="02040503050406030204" pitchFamily="18" charset="0"/>
+                        </a:rPr>
+                        <m:t>𝑃</m:t>
+                      </m:r>
+                      <m:sSub>
+                        <m:sSubPr>
+                          <m:ctrlPr>
+                            <a:rPr lang="en-US" b="0" i="1" smtClean="0">
+                              <a:latin typeface="Cambria Math" panose="02040503050406030204" pitchFamily="18" charset="0"/>
+                            </a:rPr>
+                          </m:ctrlPr>
+                        </m:sSubPr>
+                        <m:e>
+                          <m:r>
+                            <a:rPr lang="en-US" b="0" i="1" smtClean="0">
+                              <a:latin typeface="Cambria Math" panose="02040503050406030204" pitchFamily="18" charset="0"/>
+                            </a:rPr>
+                            <m:t>𝐸</m:t>
+                          </m:r>
+                        </m:e>
+                        <m:sub>
+                          <m:r>
+                            <a:rPr lang="en-US" b="0" i="1" smtClean="0">
+                              <a:latin typeface="Cambria Math" panose="02040503050406030204" pitchFamily="18" charset="0"/>
+                            </a:rPr>
+                            <m:t>𝑝𝑜𝑠</m:t>
+                          </m:r>
+                          <m:r>
+                            <a:rPr lang="en-US" b="0" i="1" smtClean="0">
+                              <a:latin typeface="Cambria Math" panose="02040503050406030204" pitchFamily="18" charset="0"/>
+                            </a:rPr>
+                            <m:t>,2</m:t>
+                          </m:r>
+                          <m:r>
+                            <a:rPr lang="en-US" b="0" i="1" smtClean="0">
+                              <a:latin typeface="Cambria Math" panose="02040503050406030204" pitchFamily="18" charset="0"/>
+                            </a:rPr>
+                            <m:t>𝑖</m:t>
+                          </m:r>
+                        </m:sub>
+                      </m:sSub>
+                      <m:r>
+                        <a:rPr lang="en-US" b="0" i="1" smtClean="0">
+                          <a:latin typeface="Cambria Math" panose="02040503050406030204" pitchFamily="18" charset="0"/>
+                        </a:rPr>
+                        <m:t>=</m:t>
+                      </m:r>
+                      <m:func>
+                        <m:funcPr>
+                          <m:ctrlPr>
+                            <a:rPr lang="en-US" b="0" i="1" smtClean="0">
+                              <a:latin typeface="Cambria Math" panose="02040503050406030204" pitchFamily="18" charset="0"/>
+                            </a:rPr>
+                          </m:ctrlPr>
+                        </m:funcPr>
+                        <m:fName>
+                          <m:r>
+                            <m:rPr>
+                              <m:sty m:val="p"/>
+                            </m:rPr>
+                            <a:rPr lang="en-US" b="0" i="0" smtClean="0">
+                              <a:latin typeface="Cambria Math" panose="02040503050406030204" pitchFamily="18" charset="0"/>
+                            </a:rPr>
+                            <m:t>sin</m:t>
+                          </m:r>
+                        </m:fName>
+                        <m:e>
+                          <m:d>
+                            <m:dPr>
+                              <m:ctrlPr>
+                                <a:rPr lang="en-US" b="0" i="1" smtClean="0">
+                                  <a:latin typeface="Cambria Math" panose="02040503050406030204" pitchFamily="18" charset="0"/>
+                                </a:rPr>
+                              </m:ctrlPr>
+                            </m:dPr>
+                            <m:e>
+                              <m:r>
+                                <a:rPr lang="en-US" b="0" i="1" smtClean="0">
+                                  <a:latin typeface="Cambria Math" panose="02040503050406030204" pitchFamily="18" charset="0"/>
+                                </a:rPr>
+                                <m:t>𝑝𝑜𝑠</m:t>
+                              </m:r>
+                              <m:r>
+                                <a:rPr lang="en-US" b="0" i="1" smtClean="0">
+                                  <a:latin typeface="Cambria Math" panose="02040503050406030204" pitchFamily="18" charset="0"/>
+                                </a:rPr>
+                                <m:t> / </m:t>
+                              </m:r>
+                              <m:sSup>
+                                <m:sSupPr>
+                                  <m:ctrlPr>
+                                    <a:rPr lang="en-US" b="0" i="1" smtClean="0">
+                                      <a:latin typeface="Cambria Math" panose="02040503050406030204" pitchFamily="18" charset="0"/>
+                                    </a:rPr>
+                                  </m:ctrlPr>
+                                </m:sSupPr>
+                                <m:e>
+                                  <m:r>
+                                    <a:rPr lang="en-US" b="0" i="1" smtClean="0">
+                                      <a:latin typeface="Cambria Math" panose="02040503050406030204" pitchFamily="18" charset="0"/>
+                                    </a:rPr>
+                                    <m:t>10000</m:t>
+                                  </m:r>
+                                </m:e>
+                                <m:sup>
+                                  <m:r>
+                                    <a:rPr lang="en-US" b="0" i="1" smtClean="0">
+                                      <a:latin typeface="Cambria Math" panose="02040503050406030204" pitchFamily="18" charset="0"/>
+                                    </a:rPr>
+                                    <m:t>2</m:t>
+                                  </m:r>
+                                  <m:r>
+                                    <a:rPr lang="en-US" b="0" i="1" smtClean="0">
+                                      <a:latin typeface="Cambria Math" panose="02040503050406030204" pitchFamily="18" charset="0"/>
+                                    </a:rPr>
+                                    <m:t>𝑖</m:t>
+                                  </m:r>
+                                  <m:r>
+                                    <a:rPr lang="en-US" b="0" i="1" smtClean="0">
+                                      <a:latin typeface="Cambria Math" panose="02040503050406030204" pitchFamily="18" charset="0"/>
+                                    </a:rPr>
+                                    <m:t> / </m:t>
+                                  </m:r>
+                                  <m:sSub>
+                                    <m:sSubPr>
+                                      <m:ctrlPr>
+                                        <a:rPr lang="en-US" b="0" i="1" smtClean="0">
+                                          <a:latin typeface="Cambria Math" panose="02040503050406030204" pitchFamily="18" charset="0"/>
+                                        </a:rPr>
+                                      </m:ctrlPr>
+                                    </m:sSubPr>
+                                    <m:e>
+                                      <m:r>
+                                        <a:rPr lang="en-US" b="0" i="1" smtClean="0">
+                                          <a:latin typeface="Cambria Math" panose="02040503050406030204" pitchFamily="18" charset="0"/>
+                                        </a:rPr>
+                                        <m:t>𝑑</m:t>
+                                      </m:r>
+                                    </m:e>
+                                    <m:sub>
+                                      <m:r>
+                                        <a:rPr lang="en-US" b="0" i="1" smtClean="0">
+                                          <a:latin typeface="Cambria Math" panose="02040503050406030204" pitchFamily="18" charset="0"/>
+                                        </a:rPr>
+                                        <m:t>𝑚𝑜𝑑𝑒𝑙</m:t>
+                                      </m:r>
+                                    </m:sub>
+                                  </m:sSub>
+                                </m:sup>
+                              </m:sSup>
+                            </m:e>
+                          </m:d>
+                        </m:e>
+                      </m:func>
+                    </m:oMath>
+                  </m:oMathPara>
+                </a14:m>
+                <a:endParaRPr lang="en-US" dirty="0"/>
+              </a:p>
+              <a:p>
+                <a:pPr marL="0" indent="0">
+                  <a:buNone/>
+                </a:pPr>
+                <a14:m>
+                  <m:oMathPara xmlns:m="http://schemas.openxmlformats.org/officeDocument/2006/math">
+                    <m:oMathParaPr>
+                      <m:jc m:val="centerGroup"/>
+                    </m:oMathParaPr>
+                    <m:oMath xmlns:m="http://schemas.openxmlformats.org/officeDocument/2006/math">
+                      <m:r>
+                        <a:rPr lang="en-US" i="1">
+                          <a:latin typeface="Cambria Math" panose="02040503050406030204" pitchFamily="18" charset="0"/>
+                        </a:rPr>
+                        <m:t>𝑃</m:t>
+                      </m:r>
+                      <m:sSub>
+                        <m:sSubPr>
+                          <m:ctrlPr>
+                            <a:rPr lang="en-US" i="1">
+                              <a:latin typeface="Cambria Math" panose="02040503050406030204" pitchFamily="18" charset="0"/>
+                            </a:rPr>
+                          </m:ctrlPr>
+                        </m:sSubPr>
+                        <m:e>
+                          <m:r>
+                            <a:rPr lang="en-US" i="1">
+                              <a:latin typeface="Cambria Math" panose="02040503050406030204" pitchFamily="18" charset="0"/>
+                            </a:rPr>
+                            <m:t>𝐸</m:t>
+                          </m:r>
+                        </m:e>
+                        <m:sub>
+                          <m:r>
+                            <a:rPr lang="en-US" i="1">
+                              <a:latin typeface="Cambria Math" panose="02040503050406030204" pitchFamily="18" charset="0"/>
+                            </a:rPr>
+                            <m:t>𝑝𝑜𝑠</m:t>
+                          </m:r>
+                          <m:r>
+                            <a:rPr lang="en-US" i="1">
+                              <a:latin typeface="Cambria Math" panose="02040503050406030204" pitchFamily="18" charset="0"/>
+                            </a:rPr>
+                            <m:t>,2</m:t>
+                          </m:r>
+                          <m:r>
+                            <a:rPr lang="en-US" i="1">
+                              <a:latin typeface="Cambria Math" panose="02040503050406030204" pitchFamily="18" charset="0"/>
+                            </a:rPr>
+                            <m:t>𝑖</m:t>
+                          </m:r>
+                          <m:r>
+                            <a:rPr lang="en-US" b="0" i="1" smtClean="0">
+                              <a:latin typeface="Cambria Math" panose="02040503050406030204" pitchFamily="18" charset="0"/>
+                            </a:rPr>
+                            <m:t>+1</m:t>
+                          </m:r>
+                        </m:sub>
+                      </m:sSub>
+                      <m:r>
+                        <a:rPr lang="en-US" i="1">
+                          <a:latin typeface="Cambria Math" panose="02040503050406030204" pitchFamily="18" charset="0"/>
+                        </a:rPr>
+                        <m:t>=</m:t>
+                      </m:r>
+                      <m:func>
+                        <m:funcPr>
+                          <m:ctrlPr>
+                            <a:rPr lang="en-US" i="1">
+                              <a:latin typeface="Cambria Math" panose="02040503050406030204" pitchFamily="18" charset="0"/>
+                            </a:rPr>
+                          </m:ctrlPr>
+                        </m:funcPr>
+                        <m:fName>
+                          <m:r>
+                            <m:rPr>
+                              <m:sty m:val="p"/>
+                            </m:rPr>
+                            <a:rPr lang="en-US" b="0" i="0" smtClean="0">
+                              <a:latin typeface="Cambria Math" panose="02040503050406030204" pitchFamily="18" charset="0"/>
+                            </a:rPr>
+                            <m:t>cos</m:t>
+                          </m:r>
+                        </m:fName>
+                        <m:e>
+                          <m:d>
+                            <m:dPr>
+                              <m:ctrlPr>
+                                <a:rPr lang="en-US" i="1">
+                                  <a:latin typeface="Cambria Math" panose="02040503050406030204" pitchFamily="18" charset="0"/>
+                                </a:rPr>
+                              </m:ctrlPr>
+                            </m:dPr>
+                            <m:e>
+                              <m:r>
+                                <a:rPr lang="en-US" i="1">
+                                  <a:latin typeface="Cambria Math" panose="02040503050406030204" pitchFamily="18" charset="0"/>
+                                </a:rPr>
+                                <m:t>𝑝𝑜𝑠</m:t>
+                              </m:r>
+                              <m:r>
+                                <a:rPr lang="en-US" i="1">
+                                  <a:latin typeface="Cambria Math" panose="02040503050406030204" pitchFamily="18" charset="0"/>
+                                </a:rPr>
+                                <m:t> / </m:t>
+                              </m:r>
+                              <m:sSup>
+                                <m:sSupPr>
+                                  <m:ctrlPr>
+                                    <a:rPr lang="en-US" i="1">
+                                      <a:latin typeface="Cambria Math" panose="02040503050406030204" pitchFamily="18" charset="0"/>
+                                    </a:rPr>
+                                  </m:ctrlPr>
+                                </m:sSupPr>
+                                <m:e>
+                                  <m:r>
+                                    <a:rPr lang="en-US" i="1">
+                                      <a:latin typeface="Cambria Math" panose="02040503050406030204" pitchFamily="18" charset="0"/>
+                                    </a:rPr>
+                                    <m:t>10000</m:t>
+                                  </m:r>
+                                </m:e>
+                                <m:sup>
+                                  <m:r>
+                                    <a:rPr lang="en-US" i="1">
+                                      <a:latin typeface="Cambria Math" panose="02040503050406030204" pitchFamily="18" charset="0"/>
+                                    </a:rPr>
+                                    <m:t>2</m:t>
+                                  </m:r>
+                                  <m:r>
+                                    <a:rPr lang="en-US" i="1">
+                                      <a:latin typeface="Cambria Math" panose="02040503050406030204" pitchFamily="18" charset="0"/>
+                                    </a:rPr>
+                                    <m:t>𝑖</m:t>
+                                  </m:r>
+                                  <m:r>
+                                    <a:rPr lang="en-US" i="1">
+                                      <a:latin typeface="Cambria Math" panose="02040503050406030204" pitchFamily="18" charset="0"/>
+                                    </a:rPr>
+                                    <m:t> / </m:t>
+                                  </m:r>
+                                  <m:sSub>
+                                    <m:sSubPr>
+                                      <m:ctrlPr>
+                                        <a:rPr lang="en-US" i="1">
+                                          <a:latin typeface="Cambria Math" panose="02040503050406030204" pitchFamily="18" charset="0"/>
+                                        </a:rPr>
+                                      </m:ctrlPr>
+                                    </m:sSubPr>
+                                    <m:e>
+                                      <m:r>
+                                        <a:rPr lang="en-US" i="1">
+                                          <a:latin typeface="Cambria Math" panose="02040503050406030204" pitchFamily="18" charset="0"/>
+                                        </a:rPr>
+                                        <m:t>𝑑</m:t>
+                                      </m:r>
+                                    </m:e>
+                                    <m:sub>
+                                      <m:r>
+                                        <a:rPr lang="en-US" i="1">
+                                          <a:latin typeface="Cambria Math" panose="02040503050406030204" pitchFamily="18" charset="0"/>
+                                        </a:rPr>
+                                        <m:t>𝑚𝑜𝑑𝑒𝑙</m:t>
+                                      </m:r>
+                                    </m:sub>
+                                  </m:sSub>
+                                </m:sup>
+                              </m:sSup>
+                            </m:e>
+                          </m:d>
+                        </m:e>
+                      </m:func>
+                    </m:oMath>
+                  </m:oMathPara>
+                </a14:m>
+                <a:endParaRPr lang="en-US" dirty="0"/>
+              </a:p>
+              <a:p>
+                <a:endParaRPr lang="en-US" dirty="0"/>
+              </a:p>
+            </p:txBody>
+          </p:sp>
+        </mc:Choice>
+        <mc:Fallback xmlns="">
+          <p:sp>
+            <p:nvSpPr>
+              <p:cNvPr id="3" name="Content Placeholder 2">
+                <a:extLst>
+                  <a:ext uri="{FF2B5EF4-FFF2-40B4-BE49-F238E27FC236}">
+                    <a16:creationId xmlns:a16="http://schemas.microsoft.com/office/drawing/2014/main" id="{A5290A38-F633-809C-A43D-0B41AB2D0032}"/>
+                  </a:ext>
+                </a:extLst>
+              </p:cNvPr>
+              <p:cNvSpPr>
+                <a:spLocks noGrp="1" noRot="1" noChangeAspect="1" noMove="1" noResize="1" noEditPoints="1" noAdjustHandles="1" noChangeArrowheads="1" noChangeShapeType="1" noTextEdit="1"/>
+              </p:cNvSpPr>
+              <p:nvPr>
+                <p:ph idx="1"/>
+              </p:nvPr>
+            </p:nvSpPr>
+            <p:spPr>
+              <a:xfrm>
+                <a:off x="5181599" y="4778804"/>
+                <a:ext cx="6858001" cy="1589315"/>
+              </a:xfrm>
+              <a:blipFill>
+                <a:blip r:embed="rId3"/>
+                <a:stretch>
+                  <a:fillRect l="-1156" t="-5364"/>
+                </a:stretch>
+              </a:blipFill>
+            </p:spPr>
+            <p:txBody>
+              <a:bodyPr/>
+              <a:lstStyle/>
+              <a:p>
+                <a:r>
+                  <a:rPr lang="en-US">
+                    <a:noFill/>
+                  </a:rPr>
+                  <a:t> </a:t>
+                </a:r>
+              </a:p>
+            </p:txBody>
+          </p:sp>
+        </mc:Fallback>
+      </mc:AlternateContent>
+      <mc:AlternateContent xmlns:mc="http://schemas.openxmlformats.org/markup-compatibility/2006" xmlns:a14="http://schemas.microsoft.com/office/drawing/2010/main">
+        <mc:Choice Requires="a14">
+          <p:sp>
+            <p:nvSpPr>
+              <p:cNvPr id="5" name="Content Placeholder 2">
+                <a:extLst>
+                  <a:ext uri="{FF2B5EF4-FFF2-40B4-BE49-F238E27FC236}">
+                    <a16:creationId xmlns:a16="http://schemas.microsoft.com/office/drawing/2014/main" id="{C5991D04-A51E-3896-4C74-BB15C490DB3B}"/>
+                  </a:ext>
+                </a:extLst>
+              </p:cNvPr>
+              <p:cNvSpPr txBox="1">
+                <a:spLocks/>
+              </p:cNvSpPr>
+              <p:nvPr/>
+            </p:nvSpPr>
+            <p:spPr>
+              <a:xfrm>
+                <a:off x="8338651" y="1690688"/>
+                <a:ext cx="3341720" cy="2413226"/>
+              </a:xfrm>
+              <a:prstGeom prst="rect">
+                <a:avLst/>
+              </a:prstGeom>
+            </p:spPr>
+            <p:txBody>
+              <a:bodyPr vert="horz" lIns="91440" tIns="45720" rIns="91440" bIns="45720" rtlCol="0">
+                <a:normAutofit/>
+              </a:bodyPr>
+              <a:lstStyle>
+                <a:lvl1pPr marL="228600" indent="-228600" algn="l" defTabSz="914400" rtl="0" eaLnBrk="1" latinLnBrk="0" hangingPunct="1">
+                  <a:lnSpc>
+                    <a:spcPct val="90000"/>
+                  </a:lnSpc>
+                  <a:spcBef>
+                    <a:spcPts val="1000"/>
+                  </a:spcBef>
+                  <a:buFont typeface="Wingdings" panose="05000000000000000000" pitchFamily="2" charset="2"/>
+                  <a:buChar char="§"/>
+                  <a:defRPr sz="2400" kern="1200">
+                    <a:solidFill>
+                      <a:schemeClr val="tx1"/>
+                    </a:solidFill>
+                    <a:latin typeface="+mn-lt"/>
+                    <a:ea typeface="+mn-ea"/>
+                    <a:cs typeface="+mn-cs"/>
+                  </a:defRPr>
+                </a:lvl1pPr>
+                <a:lvl2pPr marL="685800" indent="-228600" algn="l" defTabSz="914400" rtl="0" eaLnBrk="1" latinLnBrk="0" hangingPunct="1">
+                  <a:lnSpc>
+                    <a:spcPct val="90000"/>
+                  </a:lnSpc>
+                  <a:spcBef>
+                    <a:spcPts val="500"/>
+                  </a:spcBef>
+                  <a:buFont typeface="Wingdings" panose="05000000000000000000" pitchFamily="2" charset="2"/>
+                  <a:buChar char="§"/>
+                  <a:defRPr sz="2000" kern="1200">
+                    <a:solidFill>
+                      <a:schemeClr val="tx1"/>
+                    </a:solidFill>
+                    <a:latin typeface="+mn-lt"/>
+                    <a:ea typeface="+mn-ea"/>
+                    <a:cs typeface="+mn-cs"/>
+                  </a:defRPr>
+                </a:lvl2pPr>
+                <a:lvl3pPr marL="1143000" indent="-228600" algn="l" defTabSz="914400" rtl="0" eaLnBrk="1" latinLnBrk="0" hangingPunct="1">
+                  <a:lnSpc>
+                    <a:spcPct val="90000"/>
+                  </a:lnSpc>
+                  <a:spcBef>
+                    <a:spcPts val="500"/>
+                  </a:spcBef>
+                  <a:buFont typeface="Wingdings" panose="05000000000000000000" pitchFamily="2" charset="2"/>
+                  <a:buChar char="§"/>
+                  <a:defRPr sz="1800" kern="1200">
+                    <a:solidFill>
+                      <a:schemeClr val="tx1"/>
+                    </a:solidFill>
+                    <a:latin typeface="+mn-lt"/>
+                    <a:ea typeface="+mn-ea"/>
+                    <a:cs typeface="+mn-cs"/>
+                  </a:defRPr>
+                </a:lvl3pPr>
+                <a:lvl4pPr marL="1600200" indent="-228600" algn="l" defTabSz="914400" rtl="0" eaLnBrk="1" latinLnBrk="0" hangingPunct="1">
+                  <a:lnSpc>
+                    <a:spcPct val="90000"/>
+                  </a:lnSpc>
+                  <a:spcBef>
+                    <a:spcPts val="500"/>
+                  </a:spcBef>
+                  <a:buFont typeface="Wingdings" panose="05000000000000000000" pitchFamily="2" charset="2"/>
+                  <a:buChar char="§"/>
+                  <a:defRPr sz="1600" kern="1200">
+                    <a:solidFill>
+                      <a:schemeClr val="tx1"/>
+                    </a:solidFill>
+                    <a:latin typeface="+mn-lt"/>
+                    <a:ea typeface="+mn-ea"/>
+                    <a:cs typeface="+mn-cs"/>
+                  </a:defRPr>
+                </a:lvl4pPr>
+                <a:lvl5pPr marL="2057400" indent="-228600" algn="l" defTabSz="914400" rtl="0" eaLnBrk="1" latinLnBrk="0" hangingPunct="1">
+                  <a:lnSpc>
+                    <a:spcPct val="90000"/>
+                  </a:lnSpc>
+                  <a:spcBef>
+                    <a:spcPts val="500"/>
+                  </a:spcBef>
+                  <a:buFont typeface="Wingdings" panose="05000000000000000000" pitchFamily="2" charset="2"/>
+                  <a:buChar char="§"/>
+                  <a:defRPr sz="1600" kern="1200">
+                    <a:solidFill>
+                      <a:schemeClr val="tx1"/>
+                    </a:solidFill>
+                    <a:latin typeface="+mn-lt"/>
+                    <a:ea typeface="+mn-ea"/>
+                    <a:cs typeface="+mn-cs"/>
+                  </a:defRPr>
+                </a:lvl5pPr>
+                <a:lvl6pPr marL="2514600" indent="-228600" algn="l" defTabSz="914400" rtl="0" eaLnBrk="1" latinLnBrk="0" hangingPunct="1">
+                  <a:lnSpc>
+                    <a:spcPct val="90000"/>
+                  </a:lnSpc>
+                  <a:spcBef>
+                    <a:spcPts val="500"/>
+                  </a:spcBef>
+                  <a:buFont typeface="Arial" panose="020B0604020202020204" pitchFamily="34" charset="0"/>
+                  <a:buChar char="•"/>
+                  <a:defRPr sz="1800" kern="1200">
+                    <a:solidFill>
+                      <a:schemeClr val="tx1"/>
+                    </a:solidFill>
+                    <a:latin typeface="+mn-lt"/>
+                    <a:ea typeface="+mn-ea"/>
+                    <a:cs typeface="+mn-cs"/>
+                  </a:defRPr>
+                </a:lvl6pPr>
+                <a:lvl7pPr marL="2971800" indent="-228600" algn="l" defTabSz="914400" rtl="0" eaLnBrk="1" latinLnBrk="0" hangingPunct="1">
+                  <a:lnSpc>
+                    <a:spcPct val="90000"/>
+                  </a:lnSpc>
+                  <a:spcBef>
+                    <a:spcPts val="500"/>
+                  </a:spcBef>
+                  <a:buFont typeface="Arial" panose="020B0604020202020204" pitchFamily="34" charset="0"/>
+                  <a:buChar char="•"/>
+                  <a:defRPr sz="1800" kern="1200">
+                    <a:solidFill>
+                      <a:schemeClr val="tx1"/>
+                    </a:solidFill>
+                    <a:latin typeface="+mn-lt"/>
+                    <a:ea typeface="+mn-ea"/>
+                    <a:cs typeface="+mn-cs"/>
+                  </a:defRPr>
+                </a:lvl7pPr>
+                <a:lvl8pPr marL="3429000" indent="-228600" algn="l" defTabSz="914400" rtl="0" eaLnBrk="1" latinLnBrk="0" hangingPunct="1">
+                  <a:lnSpc>
+                    <a:spcPct val="90000"/>
+                  </a:lnSpc>
+                  <a:spcBef>
+                    <a:spcPts val="500"/>
+                  </a:spcBef>
+                  <a:buFont typeface="Arial" panose="020B0604020202020204" pitchFamily="34" charset="0"/>
+                  <a:buChar char="•"/>
+                  <a:defRPr sz="1800" kern="1200">
+                    <a:solidFill>
+                      <a:schemeClr val="tx1"/>
+                    </a:solidFill>
+                    <a:latin typeface="+mn-lt"/>
+                    <a:ea typeface="+mn-ea"/>
+                    <a:cs typeface="+mn-cs"/>
+                  </a:defRPr>
+                </a:lvl8pPr>
+                <a:lvl9pPr marL="3886200" indent="-228600" algn="l" defTabSz="914400" rtl="0" eaLnBrk="1" latinLnBrk="0" hangingPunct="1">
+                  <a:lnSpc>
+                    <a:spcPct val="90000"/>
+                  </a:lnSpc>
+                  <a:spcBef>
+                    <a:spcPts val="500"/>
+                  </a:spcBef>
+                  <a:buFont typeface="Arial" panose="020B0604020202020204" pitchFamily="34" charset="0"/>
+                  <a:buChar char="•"/>
+                  <a:defRPr sz="1800" kern="1200">
+                    <a:solidFill>
+                      <a:schemeClr val="tx1"/>
+                    </a:solidFill>
+                    <a:latin typeface="+mn-lt"/>
+                    <a:ea typeface="+mn-ea"/>
+                    <a:cs typeface="+mn-cs"/>
+                  </a:defRPr>
+                </a:lvl9pPr>
+              </a:lstStyle>
+              <a:p>
+                <a:r>
+                  <a:rPr lang="en-US" dirty="0"/>
+                  <a:t>A learned embedding is used to convert input words to vectors of dimension </a:t>
+                </a:r>
+                <a14:m>
+                  <m:oMath xmlns:m="http://schemas.openxmlformats.org/officeDocument/2006/math">
+                    <m:sSub>
+                      <m:sSubPr>
+                        <m:ctrlPr>
+                          <a:rPr lang="en-US" i="1" smtClean="0">
+                            <a:latin typeface="Cambria Math" panose="02040503050406030204" pitchFamily="18" charset="0"/>
+                          </a:rPr>
+                        </m:ctrlPr>
+                      </m:sSubPr>
+                      <m:e>
+                        <m:r>
+                          <a:rPr lang="en-US" i="1" smtClean="0">
+                            <a:latin typeface="Cambria Math" panose="02040503050406030204" pitchFamily="18" charset="0"/>
+                          </a:rPr>
+                          <m:t>𝑑</m:t>
+                        </m:r>
+                      </m:e>
+                      <m:sub>
+                        <m:r>
+                          <a:rPr lang="en-US" i="1" smtClean="0">
+                            <a:latin typeface="Cambria Math" panose="02040503050406030204" pitchFamily="18" charset="0"/>
+                          </a:rPr>
+                          <m:t>𝑚𝑜𝑑𝑒𝑙</m:t>
+                        </m:r>
+                      </m:sub>
+                    </m:sSub>
+                  </m:oMath>
+                </a14:m>
+                <a:endParaRPr lang="en-US" dirty="0"/>
+              </a:p>
+              <a:p>
+                <a:endParaRPr lang="en-US" dirty="0"/>
+              </a:p>
+            </p:txBody>
+          </p:sp>
+        </mc:Choice>
+        <mc:Fallback xmlns="">
+          <p:sp>
+            <p:nvSpPr>
+              <p:cNvPr id="5" name="Content Placeholder 2">
+                <a:extLst>
+                  <a:ext uri="{FF2B5EF4-FFF2-40B4-BE49-F238E27FC236}">
+                    <a16:creationId xmlns:a16="http://schemas.microsoft.com/office/drawing/2014/main" id="{C5991D04-A51E-3896-4C74-BB15C490DB3B}"/>
+                  </a:ext>
+                </a:extLst>
+              </p:cNvPr>
+              <p:cNvSpPr txBox="1">
+                <a:spLocks noRot="1" noChangeAspect="1" noMove="1" noResize="1" noEditPoints="1" noAdjustHandles="1" noChangeArrowheads="1" noChangeShapeType="1" noTextEdit="1"/>
+              </p:cNvSpPr>
+              <p:nvPr/>
+            </p:nvSpPr>
+            <p:spPr>
+              <a:xfrm>
+                <a:off x="8338651" y="1690688"/>
+                <a:ext cx="3341720" cy="2413226"/>
+              </a:xfrm>
+              <a:prstGeom prst="rect">
+                <a:avLst/>
+              </a:prstGeom>
+              <a:blipFill>
+                <a:blip r:embed="rId4"/>
+                <a:stretch>
+                  <a:fillRect l="-2555" t="-3535" r="-4562"/>
+                </a:stretch>
+              </a:blipFill>
+            </p:spPr>
+            <p:txBody>
+              <a:bodyPr/>
+              <a:lstStyle/>
+              <a:p>
+                <a:r>
+                  <a:rPr lang="en-US">
+                    <a:noFill/>
+                  </a:rPr>
+                  <a:t> </a:t>
+                </a:r>
+              </a:p>
+            </p:txBody>
+          </p:sp>
+        </mc:Fallback>
+      </mc:AlternateContent>
+      <p:sp>
+        <p:nvSpPr>
+          <p:cNvPr id="2" name="Title 1">
+            <a:extLst>
+              <a:ext uri="{FF2B5EF4-FFF2-40B4-BE49-F238E27FC236}">
+                <a16:creationId xmlns:a16="http://schemas.microsoft.com/office/drawing/2014/main" id="{50CC7BC4-11D8-1007-34A5-DF6305A410E3}"/>
+              </a:ext>
+            </a:extLst>
+          </p:cNvPr>
+          <p:cNvSpPr>
+            <a:spLocks noGrp="1"/>
+          </p:cNvSpPr>
+          <p:nvPr>
+            <p:ph type="title"/>
+          </p:nvPr>
+        </p:nvSpPr>
+        <p:spPr/>
+        <p:txBody>
+          <a:bodyPr/>
+          <a:lstStyle/>
+          <a:p>
+            <a:r>
+              <a:rPr lang="en-US" dirty="0"/>
+              <a:t>Transformers – Encoding</a:t>
+            </a:r>
+          </a:p>
+        </p:txBody>
+      </p:sp>
+    </p:spTree>
+    <p:extLst>
+      <p:ext uri="{BB962C8B-B14F-4D97-AF65-F5344CB8AC3E}">
+        <p14:creationId xmlns:p14="http://schemas.microsoft.com/office/powerpoint/2010/main" val="2367763173"/>
+      </p:ext>
+    </p:extLst>
+  </p:cSld>
+  <p:clrMapOvr>
+    <a:masterClrMapping/>
+  </p:clrMapOvr>
+</p:sld>
+</file>
+
+<file path=ppt/slides/slide9.xml><?xml version="1.0" encoding="utf-8"?>
+<p:sld xmlns:a="http://schemas.openxmlformats.org/drawingml/2006/main" xmlns:r="http://schemas.openxmlformats.org/officeDocument/2006/relationships" xmlns:p="http://schemas.openxmlformats.org/presentationml/2006/main">
+  <p:cSld>
+    <p:spTree>
+      <p:nvGrpSpPr>
+        <p:cNvPr id="1" name=""/>
+        <p:cNvGrpSpPr/>
+        <p:nvPr/>
+      </p:nvGrpSpPr>
+      <p:grpSpPr>
+        <a:xfrm>
+          <a:off x="0" y="0"/>
+          <a:ext cx="0" cy="0"/>
+          <a:chOff x="0" y="0"/>
+          <a:chExt cx="0" cy="0"/>
+        </a:xfrm>
+      </p:grpSpPr>
+      <p:sp>
+        <p:nvSpPr>
+          <p:cNvPr id="2" name="Title 1">
+            <a:extLst>
+              <a:ext uri="{FF2B5EF4-FFF2-40B4-BE49-F238E27FC236}">
+                <a16:creationId xmlns:a16="http://schemas.microsoft.com/office/drawing/2014/main" id="{6655A8A6-5672-0E14-5176-CF4CE54C2898}"/>
+              </a:ext>
+            </a:extLst>
+          </p:cNvPr>
+          <p:cNvSpPr>
+            <a:spLocks noGrp="1"/>
+          </p:cNvSpPr>
+          <p:nvPr>
+            <p:ph type="title"/>
+          </p:nvPr>
+        </p:nvSpPr>
+        <p:spPr>
+          <a:xfrm>
+            <a:off x="838199" y="365125"/>
+            <a:ext cx="11148753" cy="1325563"/>
+          </a:xfrm>
+        </p:spPr>
+        <p:txBody>
+          <a:bodyPr>
+            <a:normAutofit/>
+          </a:bodyPr>
+          <a:lstStyle/>
+          <a:p>
+            <a:r>
+              <a:rPr lang="en-US" dirty="0"/>
+              <a:t>BLEU (</a:t>
+            </a:r>
+            <a:r>
+              <a:rPr lang="en-US" dirty="0" err="1"/>
+              <a:t>BiLingual</a:t>
+            </a:r>
+            <a:r>
+              <a:rPr lang="en-US" dirty="0"/>
+              <a:t> Evaluation Understudy) Score*</a:t>
+            </a:r>
+          </a:p>
+        </p:txBody>
+      </p:sp>
+      <mc:AlternateContent xmlns:mc="http://schemas.openxmlformats.org/markup-compatibility/2006" xmlns:a14="http://schemas.microsoft.com/office/drawing/2010/main">
+        <mc:Choice Requires="a14">
+          <p:sp>
+            <p:nvSpPr>
+              <p:cNvPr id="3" name="Content Placeholder 2">
+                <a:extLst>
+                  <a:ext uri="{FF2B5EF4-FFF2-40B4-BE49-F238E27FC236}">
+                    <a16:creationId xmlns:a16="http://schemas.microsoft.com/office/drawing/2014/main" id="{81D2D611-7761-484D-98B9-9715085BB748}"/>
+                  </a:ext>
+                </a:extLst>
+              </p:cNvPr>
+              <p:cNvSpPr>
+                <a:spLocks noGrp="1"/>
+              </p:cNvSpPr>
+              <p:nvPr>
+                <p:ph idx="1"/>
+              </p:nvPr>
+            </p:nvSpPr>
+            <p:spPr/>
+            <p:txBody>
+              <a:bodyPr>
+                <a:normAutofit/>
+              </a:bodyPr>
+              <a:lstStyle/>
+              <a:p>
+                <a:pPr>
+                  <a:spcAft>
+                    <a:spcPts val="1200"/>
+                  </a:spcAft>
+                </a:pPr>
+                <a:r>
+                  <a:rPr lang="en-US" dirty="0"/>
+                  <a:t>It is a weighted version of the geometric average of n-grams:</a:t>
+                </a:r>
+              </a:p>
+              <a:p>
+                <a:pPr marL="0" indent="0">
+                  <a:buNone/>
+                </a:pPr>
+                <a14:m>
+                  <m:oMathPara xmlns:m="http://schemas.openxmlformats.org/officeDocument/2006/math">
+                    <m:oMathParaPr>
+                      <m:jc m:val="centerGroup"/>
+                    </m:oMathParaPr>
+                    <m:oMath xmlns:m="http://schemas.openxmlformats.org/officeDocument/2006/math">
+                      <m:r>
+                        <a:rPr lang="en-US" b="0" i="1" smtClean="0">
+                          <a:latin typeface="Cambria Math" panose="02040503050406030204" pitchFamily="18" charset="0"/>
+                        </a:rPr>
+                        <m:t>𝐵𝐿𝑈𝐸</m:t>
+                      </m:r>
+                      <m:d>
+                        <m:dPr>
+                          <m:ctrlPr>
+                            <a:rPr lang="en-US" b="0" i="1" smtClean="0">
+                              <a:latin typeface="Cambria Math" panose="02040503050406030204" pitchFamily="18" charset="0"/>
+                            </a:rPr>
+                          </m:ctrlPr>
+                        </m:dPr>
+                        <m:e>
+                          <m:r>
+                            <a:rPr lang="en-US" b="0" i="1" smtClean="0">
+                              <a:latin typeface="Cambria Math" panose="02040503050406030204" pitchFamily="18" charset="0"/>
+                            </a:rPr>
+                            <m:t>𝑁</m:t>
+                          </m:r>
+                        </m:e>
+                      </m:d>
+                      <m:r>
+                        <a:rPr lang="en-US" b="0" i="1" smtClean="0">
+                          <a:latin typeface="Cambria Math" panose="02040503050406030204" pitchFamily="18" charset="0"/>
+                        </a:rPr>
+                        <m:t>=</m:t>
+                      </m:r>
+                      <m:r>
+                        <a:rPr lang="en-US" b="0" i="1" smtClean="0">
+                          <a:latin typeface="Cambria Math" panose="02040503050406030204" pitchFamily="18" charset="0"/>
+                        </a:rPr>
+                        <m:t>𝐵𝑟𝑒𝑣𝑖𝑡𝑦𝑃𝑒𝑛𝑎𝑙𝑡𝑦</m:t>
+                      </m:r>
+                      <m:r>
+                        <a:rPr lang="en-US" b="0" i="1" smtClean="0">
+                          <a:latin typeface="Cambria Math" panose="02040503050406030204" pitchFamily="18" charset="0"/>
+                        </a:rPr>
+                        <m:t>⋅</m:t>
+                      </m:r>
+                      <m:r>
+                        <a:rPr lang="en-US" b="0" i="1" smtClean="0">
+                          <a:latin typeface="Cambria Math" panose="02040503050406030204" pitchFamily="18" charset="0"/>
+                        </a:rPr>
+                        <m:t>𝐺𝑒𝑜𝐴𝑣𝑔𝑃𝑟𝑒𝑐</m:t>
+                      </m:r>
+                      <m:r>
+                        <a:rPr lang="en-US" b="0" i="1" smtClean="0">
+                          <a:latin typeface="Cambria Math" panose="02040503050406030204" pitchFamily="18" charset="0"/>
+                        </a:rPr>
+                        <m:t>(</m:t>
+                      </m:r>
+                      <m:r>
+                        <a:rPr lang="en-US" b="0" i="1" smtClean="0">
+                          <a:latin typeface="Cambria Math" panose="02040503050406030204" pitchFamily="18" charset="0"/>
+                        </a:rPr>
+                        <m:t>𝑁</m:t>
+                      </m:r>
+                      <m:r>
+                        <a:rPr lang="en-US" b="0" i="1" smtClean="0">
+                          <a:latin typeface="Cambria Math" panose="02040503050406030204" pitchFamily="18" charset="0"/>
+                        </a:rPr>
+                        <m:t>)</m:t>
+                      </m:r>
+                    </m:oMath>
+                  </m:oMathPara>
+                </a14:m>
+                <a:endParaRPr lang="en-US" dirty="0"/>
+              </a:p>
+              <a:p>
+                <a:pPr indent="0">
+                  <a:buNone/>
+                </a:pPr>
+                <a:r>
+                  <a:rPr lang="en-US" dirty="0"/>
+                  <a:t>where</a:t>
+                </a:r>
+              </a:p>
+              <a:p>
+                <a:pPr marL="0" indent="0">
+                  <a:buNone/>
+                </a:pPr>
+                <a14:m>
+                  <m:oMathPara xmlns:m="http://schemas.openxmlformats.org/officeDocument/2006/math">
+                    <m:oMathParaPr>
+                      <m:jc m:val="centerGroup"/>
+                    </m:oMathParaPr>
+                    <m:oMath xmlns:m="http://schemas.openxmlformats.org/officeDocument/2006/math">
+                      <m:r>
+                        <a:rPr lang="en-US" b="0" i="1" smtClean="0">
+                          <a:latin typeface="Cambria Math" panose="02040503050406030204" pitchFamily="18" charset="0"/>
+                        </a:rPr>
+                        <m:t>𝐺𝑒𝑜𝐴𝑣𝑔𝑃𝑟𝑒𝑐</m:t>
+                      </m:r>
+                      <m:d>
+                        <m:dPr>
+                          <m:ctrlPr>
+                            <a:rPr lang="en-US" b="0" i="1" smtClean="0">
+                              <a:latin typeface="Cambria Math" panose="02040503050406030204" pitchFamily="18" charset="0"/>
+                            </a:rPr>
+                          </m:ctrlPr>
+                        </m:dPr>
+                        <m:e>
+                          <m:r>
+                            <a:rPr lang="en-US" b="0" i="1" smtClean="0">
+                              <a:latin typeface="Cambria Math" panose="02040503050406030204" pitchFamily="18" charset="0"/>
+                            </a:rPr>
+                            <m:t>𝑁</m:t>
+                          </m:r>
+                        </m:e>
+                      </m:d>
+                      <m:r>
+                        <a:rPr lang="en-US" b="0" i="1" smtClean="0">
+                          <a:latin typeface="Cambria Math" panose="02040503050406030204" pitchFamily="18" charset="0"/>
+                        </a:rPr>
+                        <m:t>=</m:t>
+                      </m:r>
+                      <m:func>
+                        <m:funcPr>
+                          <m:ctrlPr>
+                            <a:rPr lang="en-US" b="0" i="1" smtClean="0">
+                              <a:latin typeface="Cambria Math" panose="02040503050406030204" pitchFamily="18" charset="0"/>
+                            </a:rPr>
+                          </m:ctrlPr>
+                        </m:funcPr>
+                        <m:fName>
+                          <m:r>
+                            <m:rPr>
+                              <m:sty m:val="p"/>
+                            </m:rPr>
+                            <a:rPr lang="en-US" b="0" i="0" smtClean="0">
+                              <a:latin typeface="Cambria Math" panose="02040503050406030204" pitchFamily="18" charset="0"/>
+                            </a:rPr>
+                            <m:t>exp</m:t>
+                          </m:r>
+                        </m:fName>
+                        <m:e>
+                          <m:d>
+                            <m:dPr>
+                              <m:ctrlPr>
+                                <a:rPr lang="en-US" b="0" i="1" smtClean="0">
+                                  <a:latin typeface="Cambria Math" panose="02040503050406030204" pitchFamily="18" charset="0"/>
+                                </a:rPr>
+                              </m:ctrlPr>
+                            </m:dPr>
+                            <m:e>
+                              <m:nary>
+                                <m:naryPr>
+                                  <m:chr m:val="∑"/>
+                                  <m:ctrlPr>
+                                    <a:rPr lang="en-US" b="0" i="1" smtClean="0">
+                                      <a:latin typeface="Cambria Math" panose="02040503050406030204" pitchFamily="18" charset="0"/>
+                                    </a:rPr>
+                                  </m:ctrlPr>
+                                </m:naryPr>
+                                <m:sub>
+                                  <m:r>
+                                    <a:rPr lang="en-US" b="0" i="1" smtClean="0">
+                                      <a:latin typeface="Cambria Math" panose="02040503050406030204" pitchFamily="18" charset="0"/>
+                                    </a:rPr>
+                                    <m:t>𝑛</m:t>
+                                  </m:r>
+                                  <m:r>
+                                    <a:rPr lang="en-US" b="0" i="1" smtClean="0">
+                                      <a:latin typeface="Cambria Math" panose="02040503050406030204" pitchFamily="18" charset="0"/>
+                                    </a:rPr>
+                                    <m:t>=1</m:t>
+                                  </m:r>
+                                </m:sub>
+                                <m:sup>
+                                  <m:r>
+                                    <a:rPr lang="en-US" b="0" i="1" smtClean="0">
+                                      <a:latin typeface="Cambria Math" panose="02040503050406030204" pitchFamily="18" charset="0"/>
+                                    </a:rPr>
+                                    <m:t>𝑁</m:t>
+                                  </m:r>
+                                </m:sup>
+                                <m:e>
+                                  <m:sSub>
+                                    <m:sSubPr>
+                                      <m:ctrlPr>
+                                        <a:rPr lang="en-US" b="0" i="1" smtClean="0">
+                                          <a:latin typeface="Cambria Math" panose="02040503050406030204" pitchFamily="18" charset="0"/>
+                                        </a:rPr>
+                                      </m:ctrlPr>
+                                    </m:sSubPr>
+                                    <m:e>
+                                      <m:r>
+                                        <a:rPr lang="en-US" b="0" i="1" smtClean="0">
+                                          <a:latin typeface="Cambria Math" panose="02040503050406030204" pitchFamily="18" charset="0"/>
+                                        </a:rPr>
+                                        <m:t>𝑤</m:t>
+                                      </m:r>
+                                    </m:e>
+                                    <m:sub>
+                                      <m:r>
+                                        <a:rPr lang="en-US" b="0" i="1" smtClean="0">
+                                          <a:latin typeface="Cambria Math" panose="02040503050406030204" pitchFamily="18" charset="0"/>
+                                        </a:rPr>
+                                        <m:t>𝑛</m:t>
+                                      </m:r>
+                                    </m:sub>
+                                  </m:sSub>
+                                  <m:func>
+                                    <m:funcPr>
+                                      <m:ctrlPr>
+                                        <a:rPr lang="en-US" b="0" i="1" smtClean="0">
+                                          <a:latin typeface="Cambria Math" panose="02040503050406030204" pitchFamily="18" charset="0"/>
+                                        </a:rPr>
+                                      </m:ctrlPr>
+                                    </m:funcPr>
+                                    <m:fName>
+                                      <m:r>
+                                        <m:rPr>
+                                          <m:sty m:val="p"/>
+                                        </m:rPr>
+                                        <a:rPr lang="en-US" b="0" i="0" smtClean="0">
+                                          <a:latin typeface="Cambria Math" panose="02040503050406030204" pitchFamily="18" charset="0"/>
+                                        </a:rPr>
+                                        <m:t>log</m:t>
+                                      </m:r>
+                                    </m:fName>
+                                    <m:e>
+                                      <m:sSub>
+                                        <m:sSubPr>
+                                          <m:ctrlPr>
+                                            <a:rPr lang="en-US" b="0" i="1" smtClean="0">
+                                              <a:latin typeface="Cambria Math" panose="02040503050406030204" pitchFamily="18" charset="0"/>
+                                            </a:rPr>
+                                          </m:ctrlPr>
+                                        </m:sSubPr>
+                                        <m:e>
+                                          <m:r>
+                                            <a:rPr lang="en-US" b="0" i="1" smtClean="0">
+                                              <a:latin typeface="Cambria Math" panose="02040503050406030204" pitchFamily="18" charset="0"/>
+                                            </a:rPr>
+                                            <m:t>𝑝</m:t>
+                                          </m:r>
+                                        </m:e>
+                                        <m:sub>
+                                          <m:r>
+                                            <a:rPr lang="en-US" b="0" i="1" smtClean="0">
+                                              <a:latin typeface="Cambria Math" panose="02040503050406030204" pitchFamily="18" charset="0"/>
+                                            </a:rPr>
+                                            <m:t>𝑛</m:t>
+                                          </m:r>
+                                        </m:sub>
+                                      </m:sSub>
+                                    </m:e>
+                                  </m:func>
+                                </m:e>
+                              </m:nary>
+                            </m:e>
+                          </m:d>
+                        </m:e>
+                      </m:func>
+                      <m:r>
+                        <a:rPr lang="en-US" b="0" i="1" smtClean="0">
+                          <a:latin typeface="Cambria Math" panose="02040503050406030204" pitchFamily="18" charset="0"/>
+                        </a:rPr>
+                        <m:t>=</m:t>
+                      </m:r>
+                      <m:sSubSup>
+                        <m:sSubSupPr>
+                          <m:ctrlPr>
+                            <a:rPr lang="en-US" b="0" i="1" smtClean="0">
+                              <a:latin typeface="Cambria Math" panose="02040503050406030204" pitchFamily="18" charset="0"/>
+                            </a:rPr>
+                          </m:ctrlPr>
+                        </m:sSubSupPr>
+                        <m:e>
+                          <m:r>
+                            <m:rPr>
+                              <m:sty m:val="p"/>
+                            </m:rPr>
+                            <a:rPr lang="en-US" b="0" i="0" smtClean="0">
+                              <a:latin typeface="Cambria Math" panose="02040503050406030204" pitchFamily="18" charset="0"/>
+                            </a:rPr>
+                            <m:t>Π</m:t>
+                          </m:r>
+                        </m:e>
+                        <m:sub>
+                          <m:r>
+                            <a:rPr lang="en-US" b="0" i="1" smtClean="0">
+                              <a:latin typeface="Cambria Math" panose="02040503050406030204" pitchFamily="18" charset="0"/>
+                            </a:rPr>
+                            <m:t>𝑛</m:t>
+                          </m:r>
+                          <m:r>
+                            <a:rPr lang="en-US" b="0" i="1" smtClean="0">
+                              <a:latin typeface="Cambria Math" panose="02040503050406030204" pitchFamily="18" charset="0"/>
+                            </a:rPr>
+                            <m:t>=1</m:t>
+                          </m:r>
+                        </m:sub>
+                        <m:sup>
+                          <m:r>
+                            <a:rPr lang="en-US" b="0" i="1" smtClean="0">
+                              <a:latin typeface="Cambria Math" panose="02040503050406030204" pitchFamily="18" charset="0"/>
+                            </a:rPr>
+                            <m:t>𝑁</m:t>
+                          </m:r>
+                        </m:sup>
+                      </m:sSubSup>
+                      <m:sSubSup>
+                        <m:sSubSupPr>
+                          <m:ctrlPr>
+                            <a:rPr lang="en-US" b="0" i="1" smtClean="0">
+                              <a:latin typeface="Cambria Math" panose="02040503050406030204" pitchFamily="18" charset="0"/>
+                            </a:rPr>
+                          </m:ctrlPr>
+                        </m:sSubSupPr>
+                        <m:e>
+                          <m:r>
+                            <a:rPr lang="en-US" b="0" i="1" smtClean="0">
+                              <a:latin typeface="Cambria Math" panose="02040503050406030204" pitchFamily="18" charset="0"/>
+                            </a:rPr>
+                            <m:t>𝑝</m:t>
+                          </m:r>
+                        </m:e>
+                        <m:sub>
+                          <m:r>
+                            <a:rPr lang="en-US" b="0" i="1" smtClean="0">
+                              <a:latin typeface="Cambria Math" panose="02040503050406030204" pitchFamily="18" charset="0"/>
+                            </a:rPr>
+                            <m:t>𝑛</m:t>
+                          </m:r>
+                        </m:sub>
+                        <m:sup>
+                          <m:sSub>
+                            <m:sSubPr>
+                              <m:ctrlPr>
+                                <a:rPr lang="en-US" b="0" i="1" smtClean="0">
+                                  <a:latin typeface="Cambria Math" panose="02040503050406030204" pitchFamily="18" charset="0"/>
+                                </a:rPr>
+                              </m:ctrlPr>
+                            </m:sSubPr>
+                            <m:e>
+                              <m:r>
+                                <a:rPr lang="en-US" b="0" i="1" smtClean="0">
+                                  <a:latin typeface="Cambria Math" panose="02040503050406030204" pitchFamily="18" charset="0"/>
+                                </a:rPr>
+                                <m:t>𝑤</m:t>
+                              </m:r>
+                            </m:e>
+                            <m:sub>
+                              <m:r>
+                                <a:rPr lang="en-US" b="0" i="1" smtClean="0">
+                                  <a:latin typeface="Cambria Math" panose="02040503050406030204" pitchFamily="18" charset="0"/>
+                                </a:rPr>
+                                <m:t>𝑛</m:t>
+                              </m:r>
+                            </m:sub>
+                          </m:sSub>
+                        </m:sup>
+                      </m:sSubSup>
+                    </m:oMath>
+                  </m:oMathPara>
+                </a14:m>
+                <a:endParaRPr lang="en-US" dirty="0"/>
+              </a:p>
+              <a:p>
+                <a:pPr indent="0">
+                  <a:buNone/>
+                </a:pPr>
+                <a:r>
+                  <a:rPr lang="en-US" dirty="0"/>
+                  <a:t>and</a:t>
+                </a:r>
+              </a:p>
+              <a:p>
+                <a:pPr marL="0" indent="0">
+                  <a:buNone/>
+                </a:pPr>
+                <a14:m>
+                  <m:oMathPara xmlns:m="http://schemas.openxmlformats.org/officeDocument/2006/math">
+                    <m:oMathParaPr>
+                      <m:jc m:val="centerGroup"/>
+                    </m:oMathParaPr>
+                    <m:oMath xmlns:m="http://schemas.openxmlformats.org/officeDocument/2006/math">
+                      <m:r>
+                        <a:rPr lang="en-US" b="0" i="1" smtClean="0">
+                          <a:latin typeface="Cambria Math" panose="02040503050406030204" pitchFamily="18" charset="0"/>
+                        </a:rPr>
+                        <m:t>𝐵𝑟𝑒𝑣𝑖𝑡𝑦𝑃𝑒𝑛𝑎𝑙𝑡𝑦</m:t>
+                      </m:r>
+                      <m:r>
+                        <a:rPr lang="en-US" b="0" i="1" smtClean="0">
+                          <a:latin typeface="Cambria Math" panose="02040503050406030204" pitchFamily="18" charset="0"/>
+                        </a:rPr>
+                        <m:t>= </m:t>
+                      </m:r>
+                      <m:d>
+                        <m:dPr>
+                          <m:begChr m:val="{"/>
+                          <m:endChr m:val=""/>
+                          <m:ctrlPr>
+                            <a:rPr lang="en-US" b="0" i="1" smtClean="0">
+                              <a:latin typeface="Cambria Math" panose="02040503050406030204" pitchFamily="18" charset="0"/>
+                            </a:rPr>
+                          </m:ctrlPr>
+                        </m:dPr>
+                        <m:e>
+                          <m:eqArr>
+                            <m:eqArrPr>
+                              <m:ctrlPr>
+                                <a:rPr lang="en-US" b="0" i="1" smtClean="0">
+                                  <a:latin typeface="Cambria Math" panose="02040503050406030204" pitchFamily="18" charset="0"/>
+                                </a:rPr>
+                              </m:ctrlPr>
+                            </m:eqArrPr>
+                            <m:e>
+                              <m:r>
+                                <a:rPr lang="en-US" b="0" i="1" smtClean="0">
+                                  <a:latin typeface="Cambria Math" panose="02040503050406030204" pitchFamily="18" charset="0"/>
+                                </a:rPr>
+                                <m:t>1,                                          </m:t>
+                              </m:r>
+                              <m:r>
+                                <a:rPr lang="en-US" b="0" i="1" smtClean="0">
+                                  <a:latin typeface="Cambria Math" panose="02040503050406030204" pitchFamily="18" charset="0"/>
+                                </a:rPr>
+                                <m:t>𝑖𝑓</m:t>
+                              </m:r>
+                              <m:r>
+                                <a:rPr lang="en-US" b="0" i="1" smtClean="0">
+                                  <a:latin typeface="Cambria Math" panose="02040503050406030204" pitchFamily="18" charset="0"/>
+                                </a:rPr>
+                                <m:t> |</m:t>
+                              </m:r>
+                              <m:r>
+                                <a:rPr lang="en-US" b="0" i="1" smtClean="0">
+                                  <a:latin typeface="Cambria Math" panose="02040503050406030204" pitchFamily="18" charset="0"/>
+                                </a:rPr>
+                                <m:t>𝑝𝑟𝑒𝑑</m:t>
+                              </m:r>
+                              <m:r>
+                                <a:rPr lang="en-US" b="0" i="1" smtClean="0">
+                                  <a:latin typeface="Cambria Math" panose="02040503050406030204" pitchFamily="18" charset="0"/>
+                                </a:rPr>
+                                <m:t>|&gt;|</m:t>
+                              </m:r>
+                              <m:r>
+                                <a:rPr lang="en-US" b="0" i="1" smtClean="0">
+                                  <a:latin typeface="Cambria Math" panose="02040503050406030204" pitchFamily="18" charset="0"/>
+                                </a:rPr>
+                                <m:t>𝑡𝑎𝑟𝑔𝑒𝑡</m:t>
+                              </m:r>
+                              <m:r>
+                                <a:rPr lang="en-US" b="0" i="1" smtClean="0">
+                                  <a:latin typeface="Cambria Math" panose="02040503050406030204" pitchFamily="18" charset="0"/>
+                                </a:rPr>
+                                <m:t>|</m:t>
+                              </m:r>
+                            </m:e>
+                            <m:e>
+                              <m:func>
+                                <m:funcPr>
+                                  <m:ctrlPr>
+                                    <a:rPr lang="en-US" b="0" i="1" smtClean="0">
+                                      <a:latin typeface="Cambria Math" panose="02040503050406030204" pitchFamily="18" charset="0"/>
+                                    </a:rPr>
+                                  </m:ctrlPr>
+                                </m:funcPr>
+                                <m:fName>
+                                  <m:r>
+                                    <m:rPr>
+                                      <m:sty m:val="p"/>
+                                    </m:rPr>
+                                    <a:rPr lang="en-US" b="0" i="0" smtClean="0">
+                                      <a:latin typeface="Cambria Math" panose="02040503050406030204" pitchFamily="18" charset="0"/>
+                                    </a:rPr>
+                                    <m:t>exp</m:t>
+                                  </m:r>
+                                </m:fName>
+                                <m:e>
+                                  <m:d>
+                                    <m:dPr>
+                                      <m:ctrlPr>
+                                        <a:rPr lang="en-US" b="0" i="1" smtClean="0">
+                                          <a:latin typeface="Cambria Math" panose="02040503050406030204" pitchFamily="18" charset="0"/>
+                                        </a:rPr>
+                                      </m:ctrlPr>
+                                    </m:dPr>
+                                    <m:e>
+                                      <m:r>
+                                        <a:rPr lang="en-US" b="0" i="1" smtClean="0">
+                                          <a:latin typeface="Cambria Math" panose="02040503050406030204" pitchFamily="18" charset="0"/>
+                                        </a:rPr>
+                                        <m:t>1−</m:t>
+                                      </m:r>
+                                      <m:f>
+                                        <m:fPr>
+                                          <m:ctrlPr>
+                                            <a:rPr lang="en-US" b="0" i="1" smtClean="0">
+                                              <a:latin typeface="Cambria Math" panose="02040503050406030204" pitchFamily="18" charset="0"/>
+                                            </a:rPr>
+                                          </m:ctrlPr>
+                                        </m:fPr>
+                                        <m:num>
+                                          <m:r>
+                                            <a:rPr lang="en-US" b="0" i="1" smtClean="0">
+                                              <a:latin typeface="Cambria Math" panose="02040503050406030204" pitchFamily="18" charset="0"/>
+                                            </a:rPr>
+                                            <m:t>|</m:t>
+                                          </m:r>
+                                          <m:r>
+                                            <a:rPr lang="en-US" b="0" i="1" smtClean="0">
+                                              <a:latin typeface="Cambria Math" panose="02040503050406030204" pitchFamily="18" charset="0"/>
+                                            </a:rPr>
+                                            <m:t>𝑡𝑎𝑟𝑔𝑒𝑡</m:t>
+                                          </m:r>
+                                          <m:r>
+                                            <a:rPr lang="en-US" b="0" i="1" smtClean="0">
+                                              <a:latin typeface="Cambria Math" panose="02040503050406030204" pitchFamily="18" charset="0"/>
+                                            </a:rPr>
+                                            <m:t>|</m:t>
+                                          </m:r>
+                                        </m:num>
+                                        <m:den>
+                                          <m:r>
+                                            <a:rPr lang="en-US" b="0" i="1" smtClean="0">
+                                              <a:latin typeface="Cambria Math" panose="02040503050406030204" pitchFamily="18" charset="0"/>
+                                            </a:rPr>
+                                            <m:t>|</m:t>
+                                          </m:r>
+                                          <m:r>
+                                            <a:rPr lang="en-US" b="0" i="1" smtClean="0">
+                                              <a:latin typeface="Cambria Math" panose="02040503050406030204" pitchFamily="18" charset="0"/>
+                                            </a:rPr>
+                                            <m:t>𝑝𝑟𝑒𝑑</m:t>
+                                          </m:r>
+                                          <m:r>
+                                            <a:rPr lang="en-US" b="0" i="1" smtClean="0">
+                                              <a:latin typeface="Cambria Math" panose="02040503050406030204" pitchFamily="18" charset="0"/>
+                                            </a:rPr>
+                                            <m:t>|</m:t>
+                                          </m:r>
+                                        </m:den>
+                                      </m:f>
+                                    </m:e>
+                                  </m:d>
+                                </m:e>
+                              </m:func>
+                              <m:r>
+                                <a:rPr lang="en-US" b="0" i="1" smtClean="0">
+                                  <a:latin typeface="Cambria Math" panose="02040503050406030204" pitchFamily="18" charset="0"/>
+                                </a:rPr>
+                                <m:t>,      </m:t>
+                              </m:r>
+                              <m:r>
+                                <a:rPr lang="en-US" b="0" i="1" smtClean="0">
+                                  <a:latin typeface="Cambria Math" panose="02040503050406030204" pitchFamily="18" charset="0"/>
+                                </a:rPr>
+                                <m:t>𝑖𝑓</m:t>
+                              </m:r>
+                              <m:r>
+                                <a:rPr lang="en-US" b="0" i="1" smtClean="0">
+                                  <a:latin typeface="Cambria Math" panose="02040503050406030204" pitchFamily="18" charset="0"/>
+                                </a:rPr>
+                                <m:t> |</m:t>
+                              </m:r>
+                              <m:r>
+                                <a:rPr lang="en-US" b="0" i="1" smtClean="0">
+                                  <a:latin typeface="Cambria Math" panose="02040503050406030204" pitchFamily="18" charset="0"/>
+                                </a:rPr>
+                                <m:t>𝑝𝑟𝑒𝑑</m:t>
+                              </m:r>
+                              <m:r>
+                                <a:rPr lang="en-US" b="0" i="1" smtClean="0">
+                                  <a:latin typeface="Cambria Math" panose="02040503050406030204" pitchFamily="18" charset="0"/>
+                                </a:rPr>
+                                <m:t>|≤|</m:t>
+                              </m:r>
+                              <m:r>
+                                <a:rPr lang="en-US" b="0" i="1" smtClean="0">
+                                  <a:latin typeface="Cambria Math" panose="02040503050406030204" pitchFamily="18" charset="0"/>
+                                </a:rPr>
+                                <m:t>𝑡𝑎𝑟𝑔𝑒𝑡</m:t>
+                              </m:r>
+                              <m:r>
+                                <a:rPr lang="en-US" b="0" i="1" smtClean="0">
+                                  <a:latin typeface="Cambria Math" panose="02040503050406030204" pitchFamily="18" charset="0"/>
+                                </a:rPr>
+                                <m:t>|</m:t>
+                              </m:r>
+                            </m:e>
+                          </m:eqArr>
+                        </m:e>
+                      </m:d>
+                    </m:oMath>
+                  </m:oMathPara>
+                </a14:m>
+                <a:endParaRPr lang="en-US" dirty="0"/>
+              </a:p>
+            </p:txBody>
+          </p:sp>
+        </mc:Choice>
+        <mc:Fallback xmlns="">
+          <p:sp>
+            <p:nvSpPr>
+              <p:cNvPr id="3" name="Content Placeholder 2">
+                <a:extLst>
+                  <a:ext uri="{FF2B5EF4-FFF2-40B4-BE49-F238E27FC236}">
+                    <a16:creationId xmlns:a16="http://schemas.microsoft.com/office/drawing/2014/main" id="{81D2D611-7761-484D-98B9-9715085BB748}"/>
+                  </a:ext>
+                </a:extLst>
+              </p:cNvPr>
+              <p:cNvSpPr>
+                <a:spLocks noGrp="1" noRot="1" noChangeAspect="1" noMove="1" noResize="1" noEditPoints="1" noAdjustHandles="1" noChangeArrowheads="1" noChangeShapeType="1" noTextEdit="1"/>
+              </p:cNvSpPr>
+              <p:nvPr>
+                <p:ph idx="1"/>
+              </p:nvPr>
+            </p:nvSpPr>
+            <p:spPr>
+              <a:blipFill>
+                <a:blip r:embed="rId2"/>
+                <a:stretch>
+                  <a:fillRect l="-812" t="-1961"/>
+                </a:stretch>
+              </a:blipFill>
+            </p:spPr>
+            <p:txBody>
+              <a:bodyPr/>
+              <a:lstStyle/>
+              <a:p>
+                <a:r>
+                  <a:rPr lang="en-US">
+                    <a:noFill/>
+                  </a:rPr>
+                  <a:t> </a:t>
+                </a:r>
+              </a:p>
+            </p:txBody>
+          </p:sp>
+        </mc:Fallback>
+      </mc:AlternateContent>
+      <p:sp>
+        <p:nvSpPr>
+          <p:cNvPr id="4" name="Slide Number Placeholder 3">
+            <a:extLst>
+              <a:ext uri="{FF2B5EF4-FFF2-40B4-BE49-F238E27FC236}">
+                <a16:creationId xmlns:a16="http://schemas.microsoft.com/office/drawing/2014/main" id="{426AF488-44D5-FF5B-8EDB-F2ABFF450F0F}"/>
+              </a:ext>
+            </a:extLst>
+          </p:cNvPr>
+          <p:cNvSpPr>
+            <a:spLocks noGrp="1"/>
+          </p:cNvSpPr>
+          <p:nvPr>
+            <p:ph type="sldNum" sz="quarter" idx="12"/>
+          </p:nvPr>
+        </p:nvSpPr>
+        <p:spPr/>
+        <p:txBody>
+          <a:bodyPr/>
+          <a:lstStyle/>
+          <a:p>
+            <a:fld id="{17214B29-2612-49B7-BCD5-5B417A3C392C}" type="slidenum">
+              <a:rPr lang="en-US" smtClean="0"/>
+              <a:t>9</a:t>
+            </a:fld>
+            <a:endParaRPr lang="en-US"/>
+          </a:p>
+        </p:txBody>
+      </p:sp>
+      <p:sp>
+        <p:nvSpPr>
+          <p:cNvPr id="7" name="TextBox 6">
+            <a:extLst>
+              <a:ext uri="{FF2B5EF4-FFF2-40B4-BE49-F238E27FC236}">
+                <a16:creationId xmlns:a16="http://schemas.microsoft.com/office/drawing/2014/main" id="{F0F9E363-1FD6-4323-72B5-E3ADE30C4591}"/>
+              </a:ext>
+            </a:extLst>
+          </p:cNvPr>
+          <p:cNvSpPr txBox="1"/>
+          <p:nvPr/>
+        </p:nvSpPr>
+        <p:spPr>
+          <a:xfrm>
+            <a:off x="275545" y="6550299"/>
+            <a:ext cx="8844643" cy="307777"/>
+          </a:xfrm>
+          <a:prstGeom prst="rect">
+            <a:avLst/>
+          </a:prstGeom>
+          <a:noFill/>
+        </p:spPr>
+        <p:txBody>
+          <a:bodyPr wrap="square">
+            <a:spAutoFit/>
+          </a:bodyPr>
+          <a:lstStyle/>
+          <a:p>
+            <a:r>
+              <a:rPr lang="en-US" sz="1400" dirty="0">
+                <a:hlinkClick r:id="rId3"/>
+              </a:rPr>
+              <a:t>* https://towardsdatascience.com/foundations-of-nlp-explained-bleu-score-and-wer-metrics-1a5ba06d812b</a:t>
+            </a:r>
+            <a:r>
+              <a:rPr lang="en-US" sz="1400" dirty="0"/>
+              <a:t> </a:t>
+            </a:r>
+          </a:p>
+        </p:txBody>
+      </p:sp>
+    </p:spTree>
+    <p:extLst>
+      <p:ext uri="{BB962C8B-B14F-4D97-AF65-F5344CB8AC3E}">
+        <p14:creationId xmlns:p14="http://schemas.microsoft.com/office/powerpoint/2010/main" val="981985458"/>
       </p:ext>
     </p:extLst>
   </p:cSld>
@@ -26379,26 +28896,6 @@
 </file>
 
 <file path=customXml/item2.xml><?xml version="1.0" encoding="utf-8"?>
-<p:properties xmlns:p="http://schemas.microsoft.com/office/2006/metadata/properties" xmlns:xsi="http://www.w3.org/2001/XMLSchema-instance" xmlns:pc="http://schemas.microsoft.com/office/infopath/2007/PartnerControls">
-  <documentManagement>
-    <_ip_UnifiedCompliancePolicyUIAction xmlns="http://schemas.microsoft.com/sharepoint/v3" xsi:nil="true"/>
-    <Image xmlns="71af3243-3dd4-4a8d-8c0d-dd76da1f02a5">
-      <Url xsi:nil="true"/>
-      <Description xsi:nil="true"/>
-    </Image>
-    <Status xmlns="71af3243-3dd4-4a8d-8c0d-dd76da1f02a5">Not started</Status>
-    <Background xmlns="71af3243-3dd4-4a8d-8c0d-dd76da1f02a5">false</Background>
-    <_ip_UnifiedCompliancePolicyProperties xmlns="http://schemas.microsoft.com/sharepoint/v3" xsi:nil="true"/>
-    <ImageTagsTaxHTField xmlns="71af3243-3dd4-4a8d-8c0d-dd76da1f02a5">
-      <Terms xmlns="http://schemas.microsoft.com/office/infopath/2007/PartnerControls"/>
-    </ImageTagsTaxHTField>
-    <TaxCatchAll xmlns="230e9df3-be65-4c73-a93b-d1236ebd677e" xsi:nil="true"/>
-    <MediaServiceKeyPoints xmlns="71af3243-3dd4-4a8d-8c0d-dd76da1f02a5" xsi:nil="true"/>
-  </documentManagement>
-</p:properties>
-</file>
-
-<file path=customXml/item3.xml><?xml version="1.0" encoding="utf-8"?>
 <ct:contentTypeSchema xmlns:ct="http://schemas.microsoft.com/office/2006/metadata/contentType" xmlns:ma="http://schemas.microsoft.com/office/2006/metadata/properties/metaAttributes" ct:_="" ma:_="" ma:contentTypeName="Document" ma:contentTypeID="0x01010079F111ED35F8CC479449609E8A0923A6" ma:contentTypeVersion="24" ma:contentTypeDescription="Create a new document." ma:contentTypeScope="" ma:versionID="2d714a3296df14eba7a100bb665443ca">
   <xsd:schema xmlns:xsd="http://www.w3.org/2001/XMLSchema" xmlns:xs="http://www.w3.org/2001/XMLSchema" xmlns:p="http://schemas.microsoft.com/office/2006/metadata/properties" xmlns:ns1="http://schemas.microsoft.com/sharepoint/v3" xmlns:ns2="71af3243-3dd4-4a8d-8c0d-dd76da1f02a5" xmlns:ns3="16c05727-aa75-4e4a-9b5f-8a80a1165891" xmlns:ns4="230e9df3-be65-4c73-a93b-d1236ebd677e" targetNamespace="http://schemas.microsoft.com/office/2006/metadata/properties" ma:root="true" ma:fieldsID="49549bf45bfbbfb6cffed527380e77e1" ns1:_="" ns2:_="" ns3:_="" ns4:_="">
     <xsd:import namespace="http://schemas.microsoft.com/sharepoint/v3"/>
@@ -26686,6 +29183,26 @@
 </ct:contentTypeSchema>
 </file>
 
+<file path=customXml/item3.xml><?xml version="1.0" encoding="utf-8"?>
+<p:properties xmlns:p="http://schemas.microsoft.com/office/2006/metadata/properties" xmlns:xsi="http://www.w3.org/2001/XMLSchema-instance" xmlns:pc="http://schemas.microsoft.com/office/infopath/2007/PartnerControls">
+  <documentManagement>
+    <_ip_UnifiedCompliancePolicyUIAction xmlns="http://schemas.microsoft.com/sharepoint/v3" xsi:nil="true"/>
+    <Image xmlns="71af3243-3dd4-4a8d-8c0d-dd76da1f02a5">
+      <Url xsi:nil="true"/>
+      <Description xsi:nil="true"/>
+    </Image>
+    <Status xmlns="71af3243-3dd4-4a8d-8c0d-dd76da1f02a5">Not started</Status>
+    <Background xmlns="71af3243-3dd4-4a8d-8c0d-dd76da1f02a5">false</Background>
+    <_ip_UnifiedCompliancePolicyProperties xmlns="http://schemas.microsoft.com/sharepoint/v3" xsi:nil="true"/>
+    <ImageTagsTaxHTField xmlns="71af3243-3dd4-4a8d-8c0d-dd76da1f02a5">
+      <Terms xmlns="http://schemas.microsoft.com/office/infopath/2007/PartnerControls"/>
+    </ImageTagsTaxHTField>
+    <TaxCatchAll xmlns="230e9df3-be65-4c73-a93b-d1236ebd677e" xsi:nil="true"/>
+    <MediaServiceKeyPoints xmlns="71af3243-3dd4-4a8d-8c0d-dd76da1f02a5" xsi:nil="true"/>
+  </documentManagement>
+</p:properties>
+</file>
+
 <file path=customXml/itemProps1.xml><?xml version="1.0" encoding="utf-8"?>
 <ds:datastoreItem xmlns:ds="http://schemas.openxmlformats.org/officeDocument/2006/customXml" ds:itemID="{6F156100-9533-4411-B0C0-FA18F914F7B6}">
   <ds:schemaRefs>
@@ -26695,18 +29212,6 @@
 </file>
 
 <file path=customXml/itemProps2.xml><?xml version="1.0" encoding="utf-8"?>
-<ds:datastoreItem xmlns:ds="http://schemas.openxmlformats.org/officeDocument/2006/customXml" ds:itemID="{B2C81503-9DEF-42F3-A99B-D5E0223E195B}">
-  <ds:schemaRefs>
-    <ds:schemaRef ds:uri="http://schemas.microsoft.com/office/2006/metadata/properties"/>
-    <ds:schemaRef ds:uri="http://schemas.microsoft.com/office/infopath/2007/PartnerControls"/>
-    <ds:schemaRef ds:uri="http://schemas.microsoft.com/sharepoint/v3"/>
-    <ds:schemaRef ds:uri="71af3243-3dd4-4a8d-8c0d-dd76da1f02a5"/>
-    <ds:schemaRef ds:uri="230e9df3-be65-4c73-a93b-d1236ebd677e"/>
-  </ds:schemaRefs>
-</ds:datastoreItem>
-</file>
-
-<file path=customXml/itemProps3.xml><?xml version="1.0" encoding="utf-8"?>
 <ds:datastoreItem xmlns:ds="http://schemas.openxmlformats.org/officeDocument/2006/customXml" ds:itemID="{76A4D1D3-B327-4D60-927D-26045FF4AF3C}">
   <ds:schemaRefs>
     <ds:schemaRef ds:uri="http://schemas.microsoft.com/office/2006/metadata/contentType"/>
@@ -26727,6 +29232,18 @@
 </ds:datastoreItem>
 </file>
 
+<file path=customXml/itemProps3.xml><?xml version="1.0" encoding="utf-8"?>
+<ds:datastoreItem xmlns:ds="http://schemas.openxmlformats.org/officeDocument/2006/customXml" ds:itemID="{B2C81503-9DEF-42F3-A99B-D5E0223E195B}">
+  <ds:schemaRefs>
+    <ds:schemaRef ds:uri="http://schemas.microsoft.com/office/2006/metadata/properties"/>
+    <ds:schemaRef ds:uri="http://schemas.microsoft.com/office/infopath/2007/PartnerControls"/>
+    <ds:schemaRef ds:uri="http://schemas.microsoft.com/sharepoint/v3"/>
+    <ds:schemaRef ds:uri="71af3243-3dd4-4a8d-8c0d-dd76da1f02a5"/>
+    <ds:schemaRef ds:uri="230e9df3-be65-4c73-a93b-d1236ebd677e"/>
+  </ds:schemaRefs>
+</ds:datastoreItem>
+</file>
+
 <file path=docMetadata/LabelInfo.xml><?xml version="1.0" encoding="utf-8"?>
 <clbl:labelList xmlns:clbl="http://schemas.microsoft.com/office/2020/mipLabelMetadata"/>
 </file>